--- a/figures/Chapter 3 - Tree Structures/3.6 AVL Trees.pptx
+++ b/figures/Chapter 3 - Tree Structures/3.6 AVL Trees.pptx
@@ -182,10 +182,9 @@
           </a:lstStyle>
           <a:p>
             <a:r>
-              <a:rPr lang="en-US" smtClean="0"/>
+              <a:rPr lang="en-US"/>
               <a:t>Click to edit Master title style</a:t>
             </a:r>
-            <a:endParaRPr lang="en-US"/>
           </a:p>
         </p:txBody>
       </p:sp>
@@ -247,10 +246,9 @@
           </a:lstStyle>
           <a:p>
             <a:r>
-              <a:rPr lang="en-US" smtClean="0"/>
+              <a:rPr lang="en-US"/>
               <a:t>Click to edit Master subtitle style</a:t>
             </a:r>
-            <a:endParaRPr lang="en-US"/>
           </a:p>
         </p:txBody>
       </p:sp>
@@ -271,7 +269,7 @@
           <a:p>
             <a:fld id="{FA589A3D-E41F-452A-ADB5-895B11C00BC4}" type="datetimeFigureOut">
               <a:rPr lang="en-US" smtClean="0"/>
-              <a:t>9/13/16</a:t>
+              <a:t>5/7/18</a:t>
             </a:fld>
             <a:endParaRPr lang="en-US"/>
           </a:p>
@@ -365,10 +363,9 @@
           <a:lstStyle/>
           <a:p>
             <a:r>
-              <a:rPr lang="en-US" smtClean="0"/>
+              <a:rPr lang="en-US"/>
               <a:t>Click to edit Master title style</a:t>
             </a:r>
-            <a:endParaRPr lang="en-US"/>
           </a:p>
         </p:txBody>
       </p:sp>
@@ -389,38 +386,37 @@
           <a:p>
             <a:pPr lvl="0"/>
             <a:r>
-              <a:rPr lang="en-US" smtClean="0"/>
+              <a:rPr lang="en-US"/>
               <a:t>Click to edit Master text styles</a:t>
             </a:r>
           </a:p>
           <a:p>
             <a:pPr lvl="1"/>
             <a:r>
-              <a:rPr lang="en-US" smtClean="0"/>
+              <a:rPr lang="en-US"/>
               <a:t>Second level</a:t>
             </a:r>
           </a:p>
           <a:p>
             <a:pPr lvl="2"/>
             <a:r>
-              <a:rPr lang="en-US" smtClean="0"/>
+              <a:rPr lang="en-US"/>
               <a:t>Third level</a:t>
             </a:r>
           </a:p>
           <a:p>
             <a:pPr lvl="3"/>
             <a:r>
-              <a:rPr lang="en-US" smtClean="0"/>
+              <a:rPr lang="en-US"/>
               <a:t>Fourth level</a:t>
             </a:r>
           </a:p>
           <a:p>
             <a:pPr lvl="4"/>
             <a:r>
-              <a:rPr lang="en-US" smtClean="0"/>
+              <a:rPr lang="en-US"/>
               <a:t>Fifth level</a:t>
             </a:r>
-            <a:endParaRPr lang="en-US"/>
           </a:p>
         </p:txBody>
       </p:sp>
@@ -441,7 +437,7 @@
           <a:p>
             <a:fld id="{FA589A3D-E41F-452A-ADB5-895B11C00BC4}" type="datetimeFigureOut">
               <a:rPr lang="en-US" smtClean="0"/>
-              <a:t>9/13/16</a:t>
+              <a:t>5/7/18</a:t>
             </a:fld>
             <a:endParaRPr lang="en-US"/>
           </a:p>
@@ -540,10 +536,9 @@
           <a:lstStyle/>
           <a:p>
             <a:r>
-              <a:rPr lang="en-US" smtClean="0"/>
+              <a:rPr lang="en-US"/>
               <a:t>Click to edit Master title style</a:t>
             </a:r>
-            <a:endParaRPr lang="en-US"/>
           </a:p>
         </p:txBody>
       </p:sp>
@@ -569,38 +564,37 @@
           <a:p>
             <a:pPr lvl="0"/>
             <a:r>
-              <a:rPr lang="en-US" smtClean="0"/>
+              <a:rPr lang="en-US"/>
               <a:t>Click to edit Master text styles</a:t>
             </a:r>
           </a:p>
           <a:p>
             <a:pPr lvl="1"/>
             <a:r>
-              <a:rPr lang="en-US" smtClean="0"/>
+              <a:rPr lang="en-US"/>
               <a:t>Second level</a:t>
             </a:r>
           </a:p>
           <a:p>
             <a:pPr lvl="2"/>
             <a:r>
-              <a:rPr lang="en-US" smtClean="0"/>
+              <a:rPr lang="en-US"/>
               <a:t>Third level</a:t>
             </a:r>
           </a:p>
           <a:p>
             <a:pPr lvl="3"/>
             <a:r>
-              <a:rPr lang="en-US" smtClean="0"/>
+              <a:rPr lang="en-US"/>
               <a:t>Fourth level</a:t>
             </a:r>
           </a:p>
           <a:p>
             <a:pPr lvl="4"/>
             <a:r>
-              <a:rPr lang="en-US" smtClean="0"/>
+              <a:rPr lang="en-US"/>
               <a:t>Fifth level</a:t>
             </a:r>
-            <a:endParaRPr lang="en-US"/>
           </a:p>
         </p:txBody>
       </p:sp>
@@ -621,7 +615,7 @@
           <a:p>
             <a:fld id="{FA589A3D-E41F-452A-ADB5-895B11C00BC4}" type="datetimeFigureOut">
               <a:rPr lang="en-US" smtClean="0"/>
-              <a:t>9/13/16</a:t>
+              <a:t>5/7/18</a:t>
             </a:fld>
             <a:endParaRPr lang="en-US"/>
           </a:p>
@@ -715,10 +709,9 @@
           <a:lstStyle/>
           <a:p>
             <a:r>
-              <a:rPr lang="en-US" smtClean="0"/>
+              <a:rPr lang="en-US"/>
               <a:t>Click to edit Master title style</a:t>
             </a:r>
-            <a:endParaRPr lang="en-US"/>
           </a:p>
         </p:txBody>
       </p:sp>
@@ -739,38 +732,37 @@
           <a:p>
             <a:pPr lvl="0"/>
             <a:r>
-              <a:rPr lang="en-US" smtClean="0"/>
+              <a:rPr lang="en-US"/>
               <a:t>Click to edit Master text styles</a:t>
             </a:r>
           </a:p>
           <a:p>
             <a:pPr lvl="1"/>
             <a:r>
-              <a:rPr lang="en-US" smtClean="0"/>
+              <a:rPr lang="en-US"/>
               <a:t>Second level</a:t>
             </a:r>
           </a:p>
           <a:p>
             <a:pPr lvl="2"/>
             <a:r>
-              <a:rPr lang="en-US" smtClean="0"/>
+              <a:rPr lang="en-US"/>
               <a:t>Third level</a:t>
             </a:r>
           </a:p>
           <a:p>
             <a:pPr lvl="3"/>
             <a:r>
-              <a:rPr lang="en-US" smtClean="0"/>
+              <a:rPr lang="en-US"/>
               <a:t>Fourth level</a:t>
             </a:r>
           </a:p>
           <a:p>
             <a:pPr lvl="4"/>
             <a:r>
-              <a:rPr lang="en-US" smtClean="0"/>
+              <a:rPr lang="en-US"/>
               <a:t>Fifth level</a:t>
             </a:r>
-            <a:endParaRPr lang="en-US"/>
           </a:p>
         </p:txBody>
       </p:sp>
@@ -791,7 +783,7 @@
           <a:p>
             <a:fld id="{FA589A3D-E41F-452A-ADB5-895B11C00BC4}" type="datetimeFigureOut">
               <a:rPr lang="en-US" smtClean="0"/>
-              <a:t>9/13/16</a:t>
+              <a:t>5/7/18</a:t>
             </a:fld>
             <a:endParaRPr lang="en-US"/>
           </a:p>
@@ -894,10 +886,9 @@
           </a:lstStyle>
           <a:p>
             <a:r>
-              <a:rPr lang="en-US" smtClean="0"/>
+              <a:rPr lang="en-US"/>
               <a:t>Click to edit Master title style</a:t>
             </a:r>
-            <a:endParaRPr lang="en-US"/>
           </a:p>
         </p:txBody>
       </p:sp>
@@ -1014,7 +1005,7 @@
           <a:p>
             <a:pPr lvl="0"/>
             <a:r>
-              <a:rPr lang="en-US" smtClean="0"/>
+              <a:rPr lang="en-US"/>
               <a:t>Click to edit Master text styles</a:t>
             </a:r>
           </a:p>
@@ -1037,7 +1028,7 @@
           <a:p>
             <a:fld id="{FA589A3D-E41F-452A-ADB5-895B11C00BC4}" type="datetimeFigureOut">
               <a:rPr lang="en-US" smtClean="0"/>
-              <a:t>9/13/16</a:t>
+              <a:t>5/7/18</a:t>
             </a:fld>
             <a:endParaRPr lang="en-US"/>
           </a:p>
@@ -1131,10 +1122,9 @@
           <a:lstStyle/>
           <a:p>
             <a:r>
-              <a:rPr lang="en-US" smtClean="0"/>
+              <a:rPr lang="en-US"/>
               <a:t>Click to edit Master title style</a:t>
             </a:r>
-            <a:endParaRPr lang="en-US"/>
           </a:p>
         </p:txBody>
       </p:sp>
@@ -1160,38 +1150,37 @@
           <a:p>
             <a:pPr lvl="0"/>
             <a:r>
-              <a:rPr lang="en-US" smtClean="0"/>
+              <a:rPr lang="en-US"/>
               <a:t>Click to edit Master text styles</a:t>
             </a:r>
           </a:p>
           <a:p>
             <a:pPr lvl="1"/>
             <a:r>
-              <a:rPr lang="en-US" smtClean="0"/>
+              <a:rPr lang="en-US"/>
               <a:t>Second level</a:t>
             </a:r>
           </a:p>
           <a:p>
             <a:pPr lvl="2"/>
             <a:r>
-              <a:rPr lang="en-US" smtClean="0"/>
+              <a:rPr lang="en-US"/>
               <a:t>Third level</a:t>
             </a:r>
           </a:p>
           <a:p>
             <a:pPr lvl="3"/>
             <a:r>
-              <a:rPr lang="en-US" smtClean="0"/>
+              <a:rPr lang="en-US"/>
               <a:t>Fourth level</a:t>
             </a:r>
           </a:p>
           <a:p>
             <a:pPr lvl="4"/>
             <a:r>
-              <a:rPr lang="en-US" smtClean="0"/>
+              <a:rPr lang="en-US"/>
               <a:t>Fifth level</a:t>
             </a:r>
-            <a:endParaRPr lang="en-US"/>
           </a:p>
         </p:txBody>
       </p:sp>
@@ -1217,38 +1206,37 @@
           <a:p>
             <a:pPr lvl="0"/>
             <a:r>
-              <a:rPr lang="en-US" smtClean="0"/>
+              <a:rPr lang="en-US"/>
               <a:t>Click to edit Master text styles</a:t>
             </a:r>
           </a:p>
           <a:p>
             <a:pPr lvl="1"/>
             <a:r>
-              <a:rPr lang="en-US" smtClean="0"/>
+              <a:rPr lang="en-US"/>
               <a:t>Second level</a:t>
             </a:r>
           </a:p>
           <a:p>
             <a:pPr lvl="2"/>
             <a:r>
-              <a:rPr lang="en-US" smtClean="0"/>
+              <a:rPr lang="en-US"/>
               <a:t>Third level</a:t>
             </a:r>
           </a:p>
           <a:p>
             <a:pPr lvl="3"/>
             <a:r>
-              <a:rPr lang="en-US" smtClean="0"/>
+              <a:rPr lang="en-US"/>
               <a:t>Fourth level</a:t>
             </a:r>
           </a:p>
           <a:p>
             <a:pPr lvl="4"/>
             <a:r>
-              <a:rPr lang="en-US" smtClean="0"/>
+              <a:rPr lang="en-US"/>
               <a:t>Fifth level</a:t>
             </a:r>
-            <a:endParaRPr lang="en-US"/>
           </a:p>
         </p:txBody>
       </p:sp>
@@ -1269,7 +1257,7 @@
           <a:p>
             <a:fld id="{FA589A3D-E41F-452A-ADB5-895B11C00BC4}" type="datetimeFigureOut">
               <a:rPr lang="en-US" smtClean="0"/>
-              <a:t>9/13/16</a:t>
+              <a:t>5/7/18</a:t>
             </a:fld>
             <a:endParaRPr lang="en-US"/>
           </a:p>
@@ -1368,10 +1356,9 @@
           <a:lstStyle/>
           <a:p>
             <a:r>
-              <a:rPr lang="en-US" smtClean="0"/>
+              <a:rPr lang="en-US"/>
               <a:t>Click to edit Master title style</a:t>
             </a:r>
-            <a:endParaRPr lang="en-US"/>
           </a:p>
         </p:txBody>
       </p:sp>
@@ -1434,7 +1421,7 @@
           <a:p>
             <a:pPr lvl="0"/>
             <a:r>
-              <a:rPr lang="en-US" smtClean="0"/>
+              <a:rPr lang="en-US"/>
               <a:t>Click to edit Master text styles</a:t>
             </a:r>
           </a:p>
@@ -1462,38 +1449,37 @@
           <a:p>
             <a:pPr lvl="0"/>
             <a:r>
-              <a:rPr lang="en-US" smtClean="0"/>
+              <a:rPr lang="en-US"/>
               <a:t>Click to edit Master text styles</a:t>
             </a:r>
           </a:p>
           <a:p>
             <a:pPr lvl="1"/>
             <a:r>
-              <a:rPr lang="en-US" smtClean="0"/>
+              <a:rPr lang="en-US"/>
               <a:t>Second level</a:t>
             </a:r>
           </a:p>
           <a:p>
             <a:pPr lvl="2"/>
             <a:r>
-              <a:rPr lang="en-US" smtClean="0"/>
+              <a:rPr lang="en-US"/>
               <a:t>Third level</a:t>
             </a:r>
           </a:p>
           <a:p>
             <a:pPr lvl="3"/>
             <a:r>
-              <a:rPr lang="en-US" smtClean="0"/>
+              <a:rPr lang="en-US"/>
               <a:t>Fourth level</a:t>
             </a:r>
           </a:p>
           <a:p>
             <a:pPr lvl="4"/>
             <a:r>
-              <a:rPr lang="en-US" smtClean="0"/>
+              <a:rPr lang="en-US"/>
               <a:t>Fifth level</a:t>
             </a:r>
-            <a:endParaRPr lang="en-US"/>
           </a:p>
         </p:txBody>
       </p:sp>
@@ -1556,7 +1542,7 @@
           <a:p>
             <a:pPr lvl="0"/>
             <a:r>
-              <a:rPr lang="en-US" smtClean="0"/>
+              <a:rPr lang="en-US"/>
               <a:t>Click to edit Master text styles</a:t>
             </a:r>
           </a:p>
@@ -1584,38 +1570,37 @@
           <a:p>
             <a:pPr lvl="0"/>
             <a:r>
-              <a:rPr lang="en-US" smtClean="0"/>
+              <a:rPr lang="en-US"/>
               <a:t>Click to edit Master text styles</a:t>
             </a:r>
           </a:p>
           <a:p>
             <a:pPr lvl="1"/>
             <a:r>
-              <a:rPr lang="en-US" smtClean="0"/>
+              <a:rPr lang="en-US"/>
               <a:t>Second level</a:t>
             </a:r>
           </a:p>
           <a:p>
             <a:pPr lvl="2"/>
             <a:r>
-              <a:rPr lang="en-US" smtClean="0"/>
+              <a:rPr lang="en-US"/>
               <a:t>Third level</a:t>
             </a:r>
           </a:p>
           <a:p>
             <a:pPr lvl="3"/>
             <a:r>
-              <a:rPr lang="en-US" smtClean="0"/>
+              <a:rPr lang="en-US"/>
               <a:t>Fourth level</a:t>
             </a:r>
           </a:p>
           <a:p>
             <a:pPr lvl="4"/>
             <a:r>
-              <a:rPr lang="en-US" smtClean="0"/>
+              <a:rPr lang="en-US"/>
               <a:t>Fifth level</a:t>
             </a:r>
-            <a:endParaRPr lang="en-US"/>
           </a:p>
         </p:txBody>
       </p:sp>
@@ -1636,7 +1621,7 @@
           <a:p>
             <a:fld id="{FA589A3D-E41F-452A-ADB5-895B11C00BC4}" type="datetimeFigureOut">
               <a:rPr lang="en-US" smtClean="0"/>
-              <a:t>9/13/16</a:t>
+              <a:t>5/7/18</a:t>
             </a:fld>
             <a:endParaRPr lang="en-US"/>
           </a:p>
@@ -1730,10 +1715,9 @@
           <a:lstStyle/>
           <a:p>
             <a:r>
-              <a:rPr lang="en-US" smtClean="0"/>
+              <a:rPr lang="en-US"/>
               <a:t>Click to edit Master title style</a:t>
             </a:r>
-            <a:endParaRPr lang="en-US"/>
           </a:p>
         </p:txBody>
       </p:sp>
@@ -1754,7 +1738,7 @@
           <a:p>
             <a:fld id="{FA589A3D-E41F-452A-ADB5-895B11C00BC4}" type="datetimeFigureOut">
               <a:rPr lang="en-US" smtClean="0"/>
-              <a:t>9/13/16</a:t>
+              <a:t>5/7/18</a:t>
             </a:fld>
             <a:endParaRPr lang="en-US"/>
           </a:p>
@@ -1849,7 +1833,7 @@
           <a:p>
             <a:fld id="{FA589A3D-E41F-452A-ADB5-895B11C00BC4}" type="datetimeFigureOut">
               <a:rPr lang="en-US" smtClean="0"/>
-              <a:t>9/13/16</a:t>
+              <a:t>5/7/18</a:t>
             </a:fld>
             <a:endParaRPr lang="en-US"/>
           </a:p>
@@ -1952,10 +1936,9 @@
           </a:lstStyle>
           <a:p>
             <a:r>
-              <a:rPr lang="en-US" smtClean="0"/>
+              <a:rPr lang="en-US"/>
               <a:t>Click to edit Master title style</a:t>
             </a:r>
-            <a:endParaRPr lang="en-US"/>
           </a:p>
         </p:txBody>
       </p:sp>
@@ -2009,38 +1992,37 @@
           <a:p>
             <a:pPr lvl="0"/>
             <a:r>
-              <a:rPr lang="en-US" smtClean="0"/>
+              <a:rPr lang="en-US"/>
               <a:t>Click to edit Master text styles</a:t>
             </a:r>
           </a:p>
           <a:p>
             <a:pPr lvl="1"/>
             <a:r>
-              <a:rPr lang="en-US" smtClean="0"/>
+              <a:rPr lang="en-US"/>
               <a:t>Second level</a:t>
             </a:r>
           </a:p>
           <a:p>
             <a:pPr lvl="2"/>
             <a:r>
-              <a:rPr lang="en-US" smtClean="0"/>
+              <a:rPr lang="en-US"/>
               <a:t>Third level</a:t>
             </a:r>
           </a:p>
           <a:p>
             <a:pPr lvl="3"/>
             <a:r>
-              <a:rPr lang="en-US" smtClean="0"/>
+              <a:rPr lang="en-US"/>
               <a:t>Fourth level</a:t>
             </a:r>
           </a:p>
           <a:p>
             <a:pPr lvl="4"/>
             <a:r>
-              <a:rPr lang="en-US" smtClean="0"/>
+              <a:rPr lang="en-US"/>
               <a:t>Fifth level</a:t>
             </a:r>
-            <a:endParaRPr lang="en-US"/>
           </a:p>
         </p:txBody>
       </p:sp>
@@ -2103,7 +2085,7 @@
           <a:p>
             <a:pPr lvl="0"/>
             <a:r>
-              <a:rPr lang="en-US" smtClean="0"/>
+              <a:rPr lang="en-US"/>
               <a:t>Click to edit Master text styles</a:t>
             </a:r>
           </a:p>
@@ -2126,7 +2108,7 @@
           <a:p>
             <a:fld id="{FA589A3D-E41F-452A-ADB5-895B11C00BC4}" type="datetimeFigureOut">
               <a:rPr lang="en-US" smtClean="0"/>
-              <a:t>9/13/16</a:t>
+              <a:t>5/7/18</a:t>
             </a:fld>
             <a:endParaRPr lang="en-US"/>
           </a:p>
@@ -2229,10 +2211,9 @@
           </a:lstStyle>
           <a:p>
             <a:r>
-              <a:rPr lang="en-US" smtClean="0"/>
+              <a:rPr lang="en-US"/>
               <a:t>Click to edit Master title style</a:t>
             </a:r>
-            <a:endParaRPr lang="en-US"/>
           </a:p>
         </p:txBody>
       </p:sp>
@@ -2356,7 +2337,7 @@
           <a:p>
             <a:pPr lvl="0"/>
             <a:r>
-              <a:rPr lang="en-US" smtClean="0"/>
+              <a:rPr lang="en-US"/>
               <a:t>Click to edit Master text styles</a:t>
             </a:r>
           </a:p>
@@ -2379,7 +2360,7 @@
           <a:p>
             <a:fld id="{FA589A3D-E41F-452A-ADB5-895B11C00BC4}" type="datetimeFigureOut">
               <a:rPr lang="en-US" smtClean="0"/>
-              <a:t>9/13/16</a:t>
+              <a:t>5/7/18</a:t>
             </a:fld>
             <a:endParaRPr lang="en-US"/>
           </a:p>
@@ -2488,10 +2469,9 @@
           <a:lstStyle/>
           <a:p>
             <a:r>
-              <a:rPr lang="en-US" smtClean="0"/>
+              <a:rPr lang="en-US"/>
               <a:t>Click to edit Master title style</a:t>
             </a:r>
-            <a:endParaRPr lang="en-US"/>
           </a:p>
         </p:txBody>
       </p:sp>
@@ -2522,38 +2502,37 @@
           <a:p>
             <a:pPr lvl="0"/>
             <a:r>
-              <a:rPr lang="en-US" smtClean="0"/>
+              <a:rPr lang="en-US"/>
               <a:t>Click to edit Master text styles</a:t>
             </a:r>
           </a:p>
           <a:p>
             <a:pPr lvl="1"/>
             <a:r>
-              <a:rPr lang="en-US" smtClean="0"/>
+              <a:rPr lang="en-US"/>
               <a:t>Second level</a:t>
             </a:r>
           </a:p>
           <a:p>
             <a:pPr lvl="2"/>
             <a:r>
-              <a:rPr lang="en-US" smtClean="0"/>
+              <a:rPr lang="en-US"/>
               <a:t>Third level</a:t>
             </a:r>
           </a:p>
           <a:p>
             <a:pPr lvl="3"/>
             <a:r>
-              <a:rPr lang="en-US" smtClean="0"/>
+              <a:rPr lang="en-US"/>
               <a:t>Fourth level</a:t>
             </a:r>
           </a:p>
           <a:p>
             <a:pPr lvl="4"/>
             <a:r>
-              <a:rPr lang="en-US" smtClean="0"/>
+              <a:rPr lang="en-US"/>
               <a:t>Fifth level</a:t>
             </a:r>
-            <a:endParaRPr lang="en-US"/>
           </a:p>
         </p:txBody>
       </p:sp>
@@ -2592,7 +2571,7 @@
           <a:p>
             <a:fld id="{FA589A3D-E41F-452A-ADB5-895B11C00BC4}" type="datetimeFigureOut">
               <a:rPr lang="en-US" smtClean="0"/>
-              <a:t>9/13/16</a:t>
+              <a:t>5/7/18</a:t>
             </a:fld>
             <a:endParaRPr lang="en-US"/>
           </a:p>
@@ -3100,18 +3079,13 @@
           <a:p>
             <a:pPr algn="ctr"/>
             <a:r>
-              <a:rPr lang="en-US" sz="2400" dirty="0" smtClean="0">
+              <a:rPr lang="en-US" sz="2400" dirty="0">
                 <a:solidFill>
                   <a:schemeClr val="tx1"/>
                 </a:solidFill>
               </a:rPr>
               <a:t>5</a:t>
             </a:r>
-            <a:endParaRPr lang="en-US" sz="2400" dirty="0">
-              <a:solidFill>
-                <a:schemeClr val="tx1"/>
-              </a:solidFill>
-            </a:endParaRPr>
           </a:p>
         </p:txBody>
       </p:sp>
@@ -3158,18 +3132,13 @@
           <a:p>
             <a:pPr algn="ctr"/>
             <a:r>
-              <a:rPr lang="en-US" sz="2400" dirty="0" smtClean="0">
+              <a:rPr lang="en-US" sz="2400" dirty="0">
                 <a:solidFill>
                   <a:schemeClr val="tx1"/>
                 </a:solidFill>
               </a:rPr>
               <a:t>1</a:t>
             </a:r>
-            <a:endParaRPr lang="en-US" sz="2400" dirty="0">
-              <a:solidFill>
-                <a:schemeClr val="tx1"/>
-              </a:solidFill>
-            </a:endParaRPr>
           </a:p>
         </p:txBody>
       </p:sp>
@@ -3294,18 +3263,13 @@
           <a:p>
             <a:pPr algn="ctr"/>
             <a:r>
-              <a:rPr lang="en-US" sz="2400" dirty="0" smtClean="0">
+              <a:rPr lang="en-US" sz="2400" dirty="0">
                 <a:solidFill>
                   <a:schemeClr val="tx1"/>
                 </a:solidFill>
               </a:rPr>
               <a:t>10</a:t>
             </a:r>
-            <a:endParaRPr lang="en-US" sz="2400" dirty="0">
-              <a:solidFill>
-                <a:schemeClr val="tx1"/>
-              </a:solidFill>
-            </a:endParaRPr>
           </a:p>
         </p:txBody>
       </p:sp>
@@ -3352,18 +3316,13 @@
           <a:p>
             <a:pPr algn="ctr"/>
             <a:r>
-              <a:rPr lang="en-US" sz="2400" dirty="0" smtClean="0">
+              <a:rPr lang="en-US" sz="2400" dirty="0">
                 <a:solidFill>
                   <a:schemeClr val="tx1"/>
                 </a:solidFill>
               </a:rPr>
               <a:t>7</a:t>
             </a:r>
-            <a:endParaRPr lang="en-US" sz="2400" dirty="0">
-              <a:solidFill>
-                <a:schemeClr val="tx1"/>
-              </a:solidFill>
-            </a:endParaRPr>
           </a:p>
         </p:txBody>
       </p:sp>
@@ -3449,18 +3408,13 @@
           <a:p>
             <a:pPr algn="ctr"/>
             <a:r>
-              <a:rPr lang="en-US" sz="2400" dirty="0" smtClean="0">
+              <a:rPr lang="en-US" sz="2400" dirty="0">
                 <a:solidFill>
                   <a:schemeClr val="tx1"/>
                 </a:solidFill>
               </a:rPr>
               <a:t>15</a:t>
             </a:r>
-            <a:endParaRPr lang="en-US" sz="2400" dirty="0">
-              <a:solidFill>
-                <a:schemeClr val="tx1"/>
-              </a:solidFill>
-            </a:endParaRPr>
           </a:p>
         </p:txBody>
       </p:sp>
@@ -3526,12 +3480,78 @@
           <a:lstStyle/>
           <a:p>
             <a:r>
-              <a:rPr lang="en-US" dirty="0" smtClean="0">
+              <a:rPr lang="en-US" dirty="0">
                 <a:solidFill>
                   <a:srgbClr val="00B050"/>
                 </a:solidFill>
               </a:rPr>
               <a:t>1</a:t>
+            </a:r>
+          </a:p>
+        </p:txBody>
+      </p:sp>
+      <p:sp>
+        <p:nvSpPr>
+          <p:cNvPr id="29" name="TextBox 28"/>
+          <p:cNvSpPr txBox="1"/>
+          <p:nvPr/>
+        </p:nvSpPr>
+        <p:spPr>
+          <a:xfrm>
+            <a:off x="2189081" y="1851564"/>
+            <a:ext cx="301686" cy="369332"/>
+          </a:xfrm>
+          <a:prstGeom prst="rect">
+            <a:avLst/>
+          </a:prstGeom>
+          <a:noFill/>
+        </p:spPr>
+        <p:txBody>
+          <a:bodyPr wrap="none" rtlCol="0">
+            <a:spAutoFit/>
+          </a:bodyPr>
+          <a:lstStyle/>
+          <a:p>
+            <a:r>
+              <a:rPr lang="en-US" dirty="0">
+                <a:solidFill>
+                  <a:srgbClr val="FF0000"/>
+                </a:solidFill>
+              </a:rPr>
+              <a:t>2</a:t>
+            </a:r>
+          </a:p>
+        </p:txBody>
+      </p:sp>
+      <p:sp>
+        <p:nvSpPr>
+          <p:cNvPr id="31" name="TextBox 30"/>
+          <p:cNvSpPr txBox="1"/>
+          <p:nvPr/>
+        </p:nvSpPr>
+        <p:spPr>
+          <a:xfrm>
+            <a:off x="3019230" y="4026776"/>
+            <a:ext cx="301686" cy="369332"/>
+          </a:xfrm>
+          <a:prstGeom prst="rect">
+            <a:avLst/>
+          </a:prstGeom>
+          <a:noFill/>
+        </p:spPr>
+        <p:txBody>
+          <a:bodyPr wrap="none" rtlCol="0">
+            <a:spAutoFit/>
+          </a:bodyPr>
+          <a:lstStyle/>
+          <a:p>
+            <a:r>
+              <a:rPr lang="en-US">
+                <a:solidFill>
+                  <a:srgbClr val="00B050"/>
+                </a:solidFill>
+              </a:rPr>
+              <a:t>0</a:t>
             </a:r>
             <a:endParaRPr lang="en-US" dirty="0">
               <a:solidFill>
@@ -3543,13 +3563,13 @@
       </p:sp>
       <p:sp>
         <p:nvSpPr>
-          <p:cNvPr id="29" name="TextBox 28"/>
+          <p:cNvPr id="32" name="TextBox 31"/>
           <p:cNvSpPr txBox="1"/>
           <p:nvPr/>
         </p:nvSpPr>
         <p:spPr>
           <a:xfrm>
-            <a:off x="2189081" y="1851564"/>
+            <a:off x="898610" y="2885417"/>
             <a:ext cx="301686" cy="369332"/>
           </a:xfrm>
           <a:prstGeom prst="rect">
@@ -3564,30 +3584,25 @@
           <a:lstStyle/>
           <a:p>
             <a:r>
-              <a:rPr lang="en-US" dirty="0" smtClean="0">
-                <a:solidFill>
-                  <a:srgbClr val="FF0000"/>
-                </a:solidFill>
-              </a:rPr>
-              <a:t>2</a:t>
-            </a:r>
-            <a:endParaRPr lang="en-US" dirty="0">
-              <a:solidFill>
-                <a:srgbClr val="FF0000"/>
-              </a:solidFill>
-            </a:endParaRPr>
-          </a:p>
-        </p:txBody>
-      </p:sp>
-      <p:sp>
-        <p:nvSpPr>
-          <p:cNvPr id="31" name="TextBox 30"/>
+              <a:rPr lang="en-US" dirty="0">
+                <a:solidFill>
+                  <a:srgbClr val="00B050"/>
+                </a:solidFill>
+              </a:rPr>
+              <a:t>0</a:t>
+            </a:r>
+          </a:p>
+        </p:txBody>
+      </p:sp>
+      <p:sp>
+        <p:nvSpPr>
+          <p:cNvPr id="33" name="TextBox 32"/>
           <p:cNvSpPr txBox="1"/>
           <p:nvPr/>
         </p:nvSpPr>
         <p:spPr>
           <a:xfrm>
-            <a:off x="3019230" y="4026776"/>
+            <a:off x="3615362" y="2904382"/>
             <a:ext cx="301686" cy="369332"/>
           </a:xfrm>
           <a:prstGeom prst="rect">
@@ -3602,94 +3617,13 @@
           <a:lstStyle/>
           <a:p>
             <a:r>
-              <a:rPr lang="en-US" smtClean="0">
+              <a:rPr lang="en-US" dirty="0">
                 <a:solidFill>
                   <a:srgbClr val="00B050"/>
                 </a:solidFill>
               </a:rPr>
-              <a:t>0</a:t>
-            </a:r>
-            <a:endParaRPr lang="en-US" dirty="0">
-              <a:solidFill>
-                <a:srgbClr val="00B050"/>
-              </a:solidFill>
-            </a:endParaRPr>
-          </a:p>
-        </p:txBody>
-      </p:sp>
-      <p:sp>
-        <p:nvSpPr>
-          <p:cNvPr id="32" name="TextBox 31"/>
-          <p:cNvSpPr txBox="1"/>
-          <p:nvPr/>
-        </p:nvSpPr>
-        <p:spPr>
-          <a:xfrm>
-            <a:off x="898610" y="2885417"/>
-            <a:ext cx="301686" cy="369332"/>
-          </a:xfrm>
-          <a:prstGeom prst="rect">
-            <a:avLst/>
-          </a:prstGeom>
-          <a:noFill/>
-        </p:spPr>
-        <p:txBody>
-          <a:bodyPr wrap="none" rtlCol="0">
-            <a:spAutoFit/>
-          </a:bodyPr>
-          <a:lstStyle/>
-          <a:p>
-            <a:r>
-              <a:rPr lang="en-US" dirty="0" smtClean="0">
-                <a:solidFill>
-                  <a:srgbClr val="00B050"/>
-                </a:solidFill>
-              </a:rPr>
-              <a:t>0</a:t>
-            </a:r>
-            <a:endParaRPr lang="en-US" dirty="0">
-              <a:solidFill>
-                <a:srgbClr val="00B050"/>
-              </a:solidFill>
-            </a:endParaRPr>
-          </a:p>
-        </p:txBody>
-      </p:sp>
-      <p:sp>
-        <p:nvSpPr>
-          <p:cNvPr id="33" name="TextBox 32"/>
-          <p:cNvSpPr txBox="1"/>
-          <p:nvPr/>
-        </p:nvSpPr>
-        <p:spPr>
-          <a:xfrm>
-            <a:off x="3615362" y="2904382"/>
-            <a:ext cx="301686" cy="369332"/>
-          </a:xfrm>
-          <a:prstGeom prst="rect">
-            <a:avLst/>
-          </a:prstGeom>
-          <a:noFill/>
-        </p:spPr>
-        <p:txBody>
-          <a:bodyPr wrap="none" rtlCol="0">
-            <a:spAutoFit/>
-          </a:bodyPr>
-          <a:lstStyle/>
-          <a:p>
-            <a:r>
-              <a:rPr lang="en-US" dirty="0" smtClean="0">
-                <a:solidFill>
-                  <a:srgbClr val="00B050"/>
-                </a:solidFill>
-              </a:rPr>
               <a:t>1</a:t>
             </a:r>
-            <a:endParaRPr lang="en-US" dirty="0">
-              <a:solidFill>
-                <a:srgbClr val="00B050"/>
-              </a:solidFill>
-            </a:endParaRPr>
           </a:p>
         </p:txBody>
       </p:sp>
@@ -3736,18 +3670,13 @@
           <a:p>
             <a:pPr algn="ctr"/>
             <a:r>
-              <a:rPr lang="en-US" sz="2400" dirty="0" smtClean="0">
+              <a:rPr lang="en-US" sz="2400" dirty="0">
                 <a:solidFill>
                   <a:srgbClr val="0070C0"/>
                 </a:solidFill>
               </a:rPr>
               <a:t>20</a:t>
             </a:r>
-            <a:endParaRPr lang="en-US" sz="2400" dirty="0">
-              <a:solidFill>
-                <a:srgbClr val="0070C0"/>
-              </a:solidFill>
-            </a:endParaRPr>
           </a:p>
         </p:txBody>
       </p:sp>
@@ -3813,18 +3742,13 @@
           <a:lstStyle/>
           <a:p>
             <a:r>
-              <a:rPr lang="en-US" dirty="0" smtClean="0">
+              <a:rPr lang="en-US" dirty="0">
                 <a:solidFill>
                   <a:srgbClr val="00B050"/>
                 </a:solidFill>
               </a:rPr>
               <a:t>0</a:t>
             </a:r>
-            <a:endParaRPr lang="en-US" dirty="0">
-              <a:solidFill>
-                <a:srgbClr val="00B050"/>
-              </a:solidFill>
-            </a:endParaRPr>
           </a:p>
         </p:txBody>
       </p:sp>
@@ -3953,18 +3877,13 @@
           <a:p>
             <a:pPr algn="ctr"/>
             <a:r>
-              <a:rPr lang="en-US" sz="2400" dirty="0" smtClean="0">
+              <a:rPr lang="en-US" sz="2400" dirty="0">
                 <a:solidFill>
                   <a:schemeClr val="tx1"/>
                 </a:solidFill>
               </a:rPr>
               <a:t>10</a:t>
             </a:r>
-            <a:endParaRPr lang="en-US" sz="2400" dirty="0">
-              <a:solidFill>
-                <a:schemeClr val="tx1"/>
-              </a:solidFill>
-            </a:endParaRPr>
           </a:p>
         </p:txBody>
       </p:sp>
@@ -4011,18 +3930,13 @@
           <a:p>
             <a:pPr algn="ctr"/>
             <a:r>
-              <a:rPr lang="en-US" sz="2400" dirty="0" smtClean="0">
+              <a:rPr lang="en-US" sz="2400" dirty="0">
                 <a:solidFill>
                   <a:schemeClr val="tx1"/>
                 </a:solidFill>
               </a:rPr>
               <a:t>5</a:t>
             </a:r>
-            <a:endParaRPr lang="en-US" sz="2400" dirty="0">
-              <a:solidFill>
-                <a:schemeClr val="tx1"/>
-              </a:solidFill>
-            </a:endParaRPr>
           </a:p>
         </p:txBody>
       </p:sp>
@@ -4145,18 +4059,13 @@
           <a:p>
             <a:pPr algn="ctr"/>
             <a:r>
-              <a:rPr lang="en-US" sz="2400" dirty="0" smtClean="0">
+              <a:rPr lang="en-US" sz="2400" dirty="0">
                 <a:solidFill>
                   <a:schemeClr val="tx1"/>
                 </a:solidFill>
               </a:rPr>
               <a:t>15</a:t>
             </a:r>
-            <a:endParaRPr lang="en-US" sz="2400" dirty="0">
-              <a:solidFill>
-                <a:schemeClr val="tx1"/>
-              </a:solidFill>
-            </a:endParaRPr>
           </a:p>
         </p:txBody>
       </p:sp>
@@ -4242,18 +4151,13 @@
           <a:p>
             <a:pPr algn="ctr"/>
             <a:r>
-              <a:rPr lang="en-US" sz="2400" dirty="0" smtClean="0">
+              <a:rPr lang="en-US" sz="2400" dirty="0">
                 <a:solidFill>
                   <a:schemeClr val="tx1"/>
                 </a:solidFill>
               </a:rPr>
               <a:t>20</a:t>
             </a:r>
-            <a:endParaRPr lang="en-US" sz="2400" dirty="0">
-              <a:solidFill>
-                <a:schemeClr val="tx1"/>
-              </a:solidFill>
-            </a:endParaRPr>
           </a:p>
         </p:txBody>
       </p:sp>
@@ -4316,18 +4220,13 @@
           <a:lstStyle/>
           <a:p>
             <a:r>
-              <a:rPr lang="en-US" dirty="0" smtClean="0">
+              <a:rPr lang="en-US" dirty="0">
                 <a:solidFill>
                   <a:srgbClr val="00B050"/>
                 </a:solidFill>
               </a:rPr>
               <a:t>0</a:t>
             </a:r>
-            <a:endParaRPr lang="en-US" dirty="0">
-              <a:solidFill>
-                <a:srgbClr val="00B050"/>
-              </a:solidFill>
-            </a:endParaRPr>
           </a:p>
         </p:txBody>
       </p:sp>
@@ -4354,18 +4253,13 @@
           <a:lstStyle/>
           <a:p>
             <a:r>
-              <a:rPr lang="en-US" dirty="0" smtClean="0">
+              <a:rPr lang="en-US" dirty="0">
                 <a:solidFill>
                   <a:srgbClr val="00B050"/>
                 </a:solidFill>
               </a:rPr>
               <a:t>0</a:t>
             </a:r>
-            <a:endParaRPr lang="en-US" dirty="0">
-              <a:solidFill>
-                <a:srgbClr val="00B050"/>
-              </a:solidFill>
-            </a:endParaRPr>
           </a:p>
         </p:txBody>
       </p:sp>
@@ -4392,18 +4286,13 @@
           <a:lstStyle/>
           <a:p>
             <a:r>
-              <a:rPr lang="en-US" dirty="0" smtClean="0">
+              <a:rPr lang="en-US" dirty="0">
                 <a:solidFill>
                   <a:srgbClr val="00B050"/>
                 </a:solidFill>
               </a:rPr>
               <a:t>0</a:t>
             </a:r>
-            <a:endParaRPr lang="en-US" dirty="0">
-              <a:solidFill>
-                <a:srgbClr val="00B050"/>
-              </a:solidFill>
-            </a:endParaRPr>
           </a:p>
         </p:txBody>
       </p:sp>
@@ -4430,18 +4319,13 @@
           <a:lstStyle/>
           <a:p>
             <a:r>
-              <a:rPr lang="en-US" dirty="0" smtClean="0">
+              <a:rPr lang="en-US" dirty="0">
                 <a:solidFill>
                   <a:srgbClr val="00B050"/>
                 </a:solidFill>
               </a:rPr>
               <a:t>1</a:t>
             </a:r>
-            <a:endParaRPr lang="en-US" dirty="0">
-              <a:solidFill>
-                <a:srgbClr val="00B050"/>
-              </a:solidFill>
-            </a:endParaRPr>
           </a:p>
         </p:txBody>
       </p:sp>
@@ -4488,18 +4372,13 @@
           <a:p>
             <a:pPr algn="ctr"/>
             <a:r>
-              <a:rPr lang="en-US" sz="2400" dirty="0" smtClean="0">
+              <a:rPr lang="en-US" sz="2400" dirty="0">
                 <a:solidFill>
                   <a:schemeClr val="tx1"/>
                 </a:solidFill>
               </a:rPr>
               <a:t>1</a:t>
             </a:r>
-            <a:endParaRPr lang="en-US" sz="2400" dirty="0">
-              <a:solidFill>
-                <a:schemeClr val="tx1"/>
-              </a:solidFill>
-            </a:endParaRPr>
           </a:p>
         </p:txBody>
       </p:sp>
@@ -4565,18 +4444,13 @@
           <a:lstStyle/>
           <a:p>
             <a:r>
-              <a:rPr lang="en-US" dirty="0" smtClean="0">
+              <a:rPr lang="en-US" dirty="0">
                 <a:solidFill>
                   <a:srgbClr val="00B050"/>
                 </a:solidFill>
               </a:rPr>
               <a:t>0</a:t>
             </a:r>
-            <a:endParaRPr lang="en-US" dirty="0">
-              <a:solidFill>
-                <a:srgbClr val="00B050"/>
-              </a:solidFill>
-            </a:endParaRPr>
           </a:p>
         </p:txBody>
       </p:sp>
@@ -4623,18 +4497,13 @@
           <a:p>
             <a:pPr algn="ctr"/>
             <a:r>
-              <a:rPr lang="en-US" sz="2400" dirty="0" smtClean="0">
+              <a:rPr lang="en-US" sz="2400" dirty="0">
                 <a:solidFill>
                   <a:schemeClr val="tx1"/>
                 </a:solidFill>
               </a:rPr>
               <a:t>7</a:t>
             </a:r>
-            <a:endParaRPr lang="en-US" sz="2400" dirty="0">
-              <a:solidFill>
-                <a:schemeClr val="tx1"/>
-              </a:solidFill>
-            </a:endParaRPr>
           </a:p>
         </p:txBody>
       </p:sp>
@@ -4661,7 +4530,7 @@
           <a:lstStyle/>
           <a:p>
             <a:r>
-              <a:rPr lang="en-US" smtClean="0">
+              <a:rPr lang="en-US">
                 <a:solidFill>
                   <a:srgbClr val="00B050"/>
                 </a:solidFill>
@@ -4749,18 +4618,13 @@
           <a:p>
             <a:pPr algn="ctr"/>
             <a:r>
-              <a:rPr lang="en-US" sz="2400" dirty="0" smtClean="0">
+              <a:rPr lang="en-US" sz="2400" dirty="0">
                 <a:solidFill>
                   <a:schemeClr val="tx1"/>
                 </a:solidFill>
               </a:rPr>
               <a:t>3</a:t>
             </a:r>
-            <a:endParaRPr lang="en-US" sz="2400" dirty="0">
-              <a:solidFill>
-                <a:schemeClr val="tx1"/>
-              </a:solidFill>
-            </a:endParaRPr>
           </a:p>
         </p:txBody>
       </p:sp>
@@ -4807,18 +4671,13 @@
           <a:p>
             <a:pPr algn="ctr"/>
             <a:r>
-              <a:rPr lang="en-US" sz="2400" dirty="0" smtClean="0">
+              <a:rPr lang="en-US" sz="2400" dirty="0">
                 <a:solidFill>
                   <a:schemeClr val="tx1"/>
                 </a:solidFill>
               </a:rPr>
               <a:t>1</a:t>
             </a:r>
-            <a:endParaRPr lang="en-US" sz="2400" dirty="0">
-              <a:solidFill>
-                <a:schemeClr val="tx1"/>
-              </a:solidFill>
-            </a:endParaRPr>
           </a:p>
         </p:txBody>
       </p:sp>
@@ -4934,18 +4793,13 @@
           <a:p>
             <a:pPr algn="ctr"/>
             <a:r>
-              <a:rPr lang="en-US" sz="2400" dirty="0" smtClean="0">
+              <a:rPr lang="en-US" sz="2400" dirty="0">
                 <a:solidFill>
                   <a:schemeClr val="tx1"/>
                 </a:solidFill>
               </a:rPr>
               <a:t>3</a:t>
             </a:r>
-            <a:endParaRPr lang="en-US" sz="2400" dirty="0">
-              <a:solidFill>
-                <a:schemeClr val="tx1"/>
-              </a:solidFill>
-            </a:endParaRPr>
           </a:p>
         </p:txBody>
       </p:sp>
@@ -4992,18 +4846,13 @@
           <a:p>
             <a:pPr algn="ctr"/>
             <a:r>
-              <a:rPr lang="en-US" sz="2400" dirty="0" smtClean="0">
+              <a:rPr lang="en-US" sz="2400" dirty="0">
                 <a:solidFill>
                   <a:schemeClr val="tx1"/>
                 </a:solidFill>
               </a:rPr>
               <a:t>1</a:t>
             </a:r>
-            <a:endParaRPr lang="en-US" sz="2400" dirty="0">
-              <a:solidFill>
-                <a:schemeClr val="tx1"/>
-              </a:solidFill>
-            </a:endParaRPr>
           </a:p>
         </p:txBody>
       </p:sp>
@@ -5089,18 +4938,13 @@
           <a:p>
             <a:pPr algn="ctr"/>
             <a:r>
-              <a:rPr lang="en-US" sz="2400" dirty="0" smtClean="0">
+              <a:rPr lang="en-US" sz="2400" dirty="0">
                 <a:solidFill>
                   <a:schemeClr val="tx1"/>
                 </a:solidFill>
               </a:rPr>
               <a:t>2</a:t>
             </a:r>
-            <a:endParaRPr lang="en-US" sz="2400" dirty="0">
-              <a:solidFill>
-                <a:schemeClr val="tx1"/>
-              </a:solidFill>
-            </a:endParaRPr>
           </a:p>
         </p:txBody>
       </p:sp>
@@ -5166,18 +5010,13 @@
           <a:lstStyle/>
           <a:p>
             <a:r>
-              <a:rPr lang="en-US" dirty="0" smtClean="0">
+              <a:rPr lang="en-US" dirty="0">
                 <a:solidFill>
                   <a:srgbClr val="00B050"/>
                 </a:solidFill>
               </a:rPr>
               <a:t>0</a:t>
             </a:r>
-            <a:endParaRPr lang="en-US" dirty="0">
-              <a:solidFill>
-                <a:srgbClr val="00B050"/>
-              </a:solidFill>
-            </a:endParaRPr>
           </a:p>
         </p:txBody>
       </p:sp>
@@ -5204,18 +5043,13 @@
           <a:lstStyle/>
           <a:p>
             <a:r>
-              <a:rPr lang="en-US" dirty="0" smtClean="0">
+              <a:rPr lang="en-US" dirty="0">
                 <a:solidFill>
                   <a:srgbClr val="00B050"/>
                 </a:solidFill>
               </a:rPr>
               <a:t>1</a:t>
             </a:r>
-            <a:endParaRPr lang="en-US" dirty="0">
-              <a:solidFill>
-                <a:srgbClr val="00B050"/>
-              </a:solidFill>
-            </a:endParaRPr>
           </a:p>
         </p:txBody>
       </p:sp>
@@ -5242,18 +5076,13 @@
           <a:lstStyle/>
           <a:p>
             <a:r>
-              <a:rPr lang="en-US" dirty="0" smtClean="0">
+              <a:rPr lang="en-US" dirty="0">
                 <a:solidFill>
                   <a:srgbClr val="FF0000"/>
                 </a:solidFill>
               </a:rPr>
               <a:t>-2</a:t>
             </a:r>
-            <a:endParaRPr lang="en-US" dirty="0">
-              <a:solidFill>
-                <a:srgbClr val="FF0000"/>
-              </a:solidFill>
-            </a:endParaRPr>
           </a:p>
         </p:txBody>
       </p:sp>
@@ -5337,18 +5166,13 @@
           <a:p>
             <a:pPr algn="ctr"/>
             <a:r>
-              <a:rPr lang="en-US" sz="2400" dirty="0" smtClean="0">
+              <a:rPr lang="en-US" sz="2400" dirty="0">
                 <a:solidFill>
                   <a:schemeClr val="tx1"/>
                 </a:solidFill>
               </a:rPr>
               <a:t>1</a:t>
             </a:r>
-            <a:endParaRPr lang="en-US" sz="2400" dirty="0">
-              <a:solidFill>
-                <a:schemeClr val="tx1"/>
-              </a:solidFill>
-            </a:endParaRPr>
           </a:p>
         </p:txBody>
       </p:sp>
@@ -5395,18 +5219,13 @@
           <a:p>
             <a:pPr algn="ctr"/>
             <a:r>
-              <a:rPr lang="en-US" sz="2400" dirty="0" smtClean="0">
+              <a:rPr lang="en-US" sz="2400" dirty="0">
                 <a:solidFill>
                   <a:schemeClr val="tx1"/>
                 </a:solidFill>
               </a:rPr>
               <a:t>3</a:t>
             </a:r>
-            <a:endParaRPr lang="en-US" sz="2400" dirty="0">
-              <a:solidFill>
-                <a:schemeClr val="tx1"/>
-              </a:solidFill>
-            </a:endParaRPr>
           </a:p>
         </p:txBody>
       </p:sp>
@@ -5492,18 +5311,13 @@
           <a:p>
             <a:pPr algn="ctr"/>
             <a:r>
-              <a:rPr lang="en-US" sz="2400" dirty="0" smtClean="0">
+              <a:rPr lang="en-US" sz="2400" dirty="0">
                 <a:solidFill>
                   <a:schemeClr val="tx1"/>
                 </a:solidFill>
               </a:rPr>
               <a:t>2</a:t>
             </a:r>
-            <a:endParaRPr lang="en-US" sz="2400" dirty="0">
-              <a:solidFill>
-                <a:schemeClr val="tx1"/>
-              </a:solidFill>
-            </a:endParaRPr>
           </a:p>
         </p:txBody>
       </p:sp>
@@ -5569,18 +5383,13 @@
           <a:lstStyle/>
           <a:p>
             <a:r>
-              <a:rPr lang="en-US" dirty="0" smtClean="0">
+              <a:rPr lang="en-US" dirty="0">
                 <a:solidFill>
                   <a:srgbClr val="00B050"/>
                 </a:solidFill>
               </a:rPr>
               <a:t>0</a:t>
             </a:r>
-            <a:endParaRPr lang="en-US" dirty="0">
-              <a:solidFill>
-                <a:srgbClr val="00B050"/>
-              </a:solidFill>
-            </a:endParaRPr>
           </a:p>
         </p:txBody>
       </p:sp>
@@ -5607,18 +5416,13 @@
           <a:lstStyle/>
           <a:p>
             <a:r>
-              <a:rPr lang="en-US" dirty="0" smtClean="0">
+              <a:rPr lang="en-US" dirty="0">
                 <a:solidFill>
                   <a:srgbClr val="00B050"/>
                 </a:solidFill>
               </a:rPr>
               <a:t>-1</a:t>
             </a:r>
-            <a:endParaRPr lang="en-US" dirty="0">
-              <a:solidFill>
-                <a:srgbClr val="00B050"/>
-              </a:solidFill>
-            </a:endParaRPr>
           </a:p>
         </p:txBody>
       </p:sp>
@@ -5645,18 +5449,13 @@
           <a:lstStyle/>
           <a:p>
             <a:r>
-              <a:rPr lang="en-US" dirty="0" smtClean="0">
+              <a:rPr lang="en-US" dirty="0">
                 <a:solidFill>
                   <a:srgbClr val="FF0000"/>
                 </a:solidFill>
               </a:rPr>
               <a:t>2</a:t>
             </a:r>
-            <a:endParaRPr lang="en-US" dirty="0">
-              <a:solidFill>
-                <a:srgbClr val="FF0000"/>
-              </a:solidFill>
-            </a:endParaRPr>
           </a:p>
         </p:txBody>
       </p:sp>
@@ -5733,18 +5532,13 @@
           <a:p>
             <a:pPr algn="ctr"/>
             <a:r>
-              <a:rPr lang="en-US" sz="2400" dirty="0" smtClean="0">
+              <a:rPr lang="en-US" sz="2400" dirty="0">
                 <a:solidFill>
                   <a:schemeClr val="tx1"/>
                 </a:solidFill>
               </a:rPr>
               <a:t>3</a:t>
             </a:r>
-            <a:endParaRPr lang="en-US" sz="2400" dirty="0">
-              <a:solidFill>
-                <a:schemeClr val="tx1"/>
-              </a:solidFill>
-            </a:endParaRPr>
           </a:p>
         </p:txBody>
       </p:sp>
@@ -5791,18 +5585,13 @@
           <a:p>
             <a:pPr algn="ctr"/>
             <a:r>
-              <a:rPr lang="en-US" sz="2400" dirty="0" smtClean="0">
+              <a:rPr lang="en-US" sz="2400" dirty="0">
                 <a:solidFill>
                   <a:schemeClr val="tx1"/>
                 </a:solidFill>
               </a:rPr>
               <a:t>1</a:t>
             </a:r>
-            <a:endParaRPr lang="en-US" sz="2400" dirty="0">
-              <a:solidFill>
-                <a:schemeClr val="tx1"/>
-              </a:solidFill>
-            </a:endParaRPr>
           </a:p>
         </p:txBody>
       </p:sp>
@@ -5888,18 +5677,13 @@
           <a:p>
             <a:pPr algn="ctr"/>
             <a:r>
-              <a:rPr lang="en-US" sz="2400" dirty="0" smtClean="0">
+              <a:rPr lang="en-US" sz="2400" dirty="0">
                 <a:solidFill>
                   <a:schemeClr val="tx1"/>
                 </a:solidFill>
               </a:rPr>
               <a:t>2</a:t>
             </a:r>
-            <a:endParaRPr lang="en-US" sz="2400" dirty="0">
-              <a:solidFill>
-                <a:schemeClr val="tx1"/>
-              </a:solidFill>
-            </a:endParaRPr>
           </a:p>
         </p:txBody>
       </p:sp>
@@ -5965,18 +5749,13 @@
           <a:lstStyle/>
           <a:p>
             <a:r>
-              <a:rPr lang="en-US" dirty="0" smtClean="0">
+              <a:rPr lang="en-US" dirty="0">
                 <a:solidFill>
                   <a:srgbClr val="00B050"/>
                 </a:solidFill>
               </a:rPr>
               <a:t>0</a:t>
             </a:r>
-            <a:endParaRPr lang="en-US" dirty="0">
-              <a:solidFill>
-                <a:srgbClr val="00B050"/>
-              </a:solidFill>
-            </a:endParaRPr>
           </a:p>
         </p:txBody>
       </p:sp>
@@ -6003,18 +5782,13 @@
           <a:lstStyle/>
           <a:p>
             <a:r>
-              <a:rPr lang="en-US" dirty="0" smtClean="0">
+              <a:rPr lang="en-US" dirty="0">
                 <a:solidFill>
                   <a:srgbClr val="00B050"/>
                 </a:solidFill>
               </a:rPr>
               <a:t>1</a:t>
             </a:r>
-            <a:endParaRPr lang="en-US" dirty="0">
-              <a:solidFill>
-                <a:srgbClr val="00B050"/>
-              </a:solidFill>
-            </a:endParaRPr>
           </a:p>
         </p:txBody>
       </p:sp>
@@ -6041,18 +5815,13 @@
           <a:lstStyle/>
           <a:p>
             <a:r>
-              <a:rPr lang="en-US" dirty="0" smtClean="0">
+              <a:rPr lang="en-US" dirty="0">
                 <a:solidFill>
                   <a:srgbClr val="FF0000"/>
                 </a:solidFill>
               </a:rPr>
               <a:t>-2</a:t>
             </a:r>
-            <a:endParaRPr lang="en-US" dirty="0">
-              <a:solidFill>
-                <a:srgbClr val="FF0000"/>
-              </a:solidFill>
-            </a:endParaRPr>
           </a:p>
         </p:txBody>
       </p:sp>
@@ -6135,18 +5904,13 @@
           <a:p>
             <a:pPr algn="ctr"/>
             <a:r>
-              <a:rPr lang="en-US" sz="2400" dirty="0" smtClean="0">
+              <a:rPr lang="en-US" sz="2400" dirty="0">
                 <a:solidFill>
                   <a:schemeClr val="tx1"/>
                 </a:solidFill>
               </a:rPr>
               <a:t>3</a:t>
             </a:r>
-            <a:endParaRPr lang="en-US" sz="2400" dirty="0">
-              <a:solidFill>
-                <a:schemeClr val="tx1"/>
-              </a:solidFill>
-            </a:endParaRPr>
           </a:p>
         </p:txBody>
       </p:sp>
@@ -6193,18 +5957,13 @@
           <a:p>
             <a:pPr algn="ctr"/>
             <a:r>
-              <a:rPr lang="en-US" sz="2400" dirty="0" smtClean="0">
+              <a:rPr lang="en-US" sz="2400" dirty="0">
                 <a:solidFill>
                   <a:schemeClr val="tx1"/>
                 </a:solidFill>
               </a:rPr>
               <a:t>1</a:t>
             </a:r>
-            <a:endParaRPr lang="en-US" sz="2400" dirty="0">
-              <a:solidFill>
-                <a:schemeClr val="tx1"/>
-              </a:solidFill>
-            </a:endParaRPr>
           </a:p>
         </p:txBody>
       </p:sp>
@@ -6372,18 +6131,13 @@
           <a:p>
             <a:pPr algn="ctr"/>
             <a:r>
-              <a:rPr lang="en-US" sz="2400" dirty="0" smtClean="0">
+              <a:rPr lang="en-US" sz="2400" dirty="0">
                 <a:solidFill>
                   <a:schemeClr val="tx1"/>
                 </a:solidFill>
               </a:rPr>
               <a:t>3</a:t>
             </a:r>
-            <a:endParaRPr lang="en-US" sz="2400" dirty="0">
-              <a:solidFill>
-                <a:schemeClr val="tx1"/>
-              </a:solidFill>
-            </a:endParaRPr>
           </a:p>
         </p:txBody>
       </p:sp>
@@ -6430,18 +6184,13 @@
           <a:p>
             <a:pPr algn="ctr"/>
             <a:r>
-              <a:rPr lang="en-US" sz="2400" dirty="0" smtClean="0">
+              <a:rPr lang="en-US" sz="2400" dirty="0">
                 <a:solidFill>
                   <a:schemeClr val="tx1"/>
                 </a:solidFill>
               </a:rPr>
               <a:t>2</a:t>
             </a:r>
-            <a:endParaRPr lang="en-US" sz="2400" dirty="0">
-              <a:solidFill>
-                <a:schemeClr val="tx1"/>
-              </a:solidFill>
-            </a:endParaRPr>
           </a:p>
         </p:txBody>
       </p:sp>
@@ -6524,18 +6273,13 @@
           <a:p>
             <a:pPr algn="ctr"/>
             <a:r>
-              <a:rPr lang="en-US" sz="2400" dirty="0" smtClean="0">
+              <a:rPr lang="en-US" sz="2400" dirty="0">
                 <a:solidFill>
                   <a:schemeClr val="tx1"/>
                 </a:solidFill>
               </a:rPr>
               <a:t>1</a:t>
             </a:r>
-            <a:endParaRPr lang="en-US" sz="2400" dirty="0">
-              <a:solidFill>
-                <a:schemeClr val="tx1"/>
-              </a:solidFill>
-            </a:endParaRPr>
           </a:p>
         </p:txBody>
       </p:sp>
@@ -6601,12 +6345,45 @@
           <a:lstStyle/>
           <a:p>
             <a:r>
-              <a:rPr lang="en-US" dirty="0" smtClean="0">
+              <a:rPr lang="en-US" dirty="0">
                 <a:solidFill>
                   <a:srgbClr val="00B050"/>
                 </a:solidFill>
               </a:rPr>
               <a:t>0</a:t>
+            </a:r>
+          </a:p>
+        </p:txBody>
+      </p:sp>
+      <p:sp>
+        <p:nvSpPr>
+          <p:cNvPr id="35" name="TextBox 34"/>
+          <p:cNvSpPr txBox="1"/>
+          <p:nvPr/>
+        </p:nvSpPr>
+        <p:spPr>
+          <a:xfrm>
+            <a:off x="6352041" y="3585876"/>
+            <a:ext cx="372218" cy="369332"/>
+          </a:xfrm>
+          <a:prstGeom prst="rect">
+            <a:avLst/>
+          </a:prstGeom>
+          <a:noFill/>
+        </p:spPr>
+        <p:txBody>
+          <a:bodyPr wrap="none" rtlCol="0">
+            <a:spAutoFit/>
+          </a:bodyPr>
+          <a:lstStyle/>
+          <a:p>
+            <a:r>
+              <a:rPr lang="en-US">
+                <a:solidFill>
+                  <a:srgbClr val="00B050"/>
+                </a:solidFill>
+              </a:rPr>
+              <a:t>-1</a:t>
             </a:r>
             <a:endParaRPr lang="en-US" dirty="0">
               <a:solidFill>
@@ -6618,13 +6395,13 @@
       </p:sp>
       <p:sp>
         <p:nvSpPr>
-          <p:cNvPr id="35" name="TextBox 34"/>
+          <p:cNvPr id="36" name="TextBox 35"/>
           <p:cNvSpPr txBox="1"/>
           <p:nvPr/>
         </p:nvSpPr>
         <p:spPr>
           <a:xfrm>
-            <a:off x="6352041" y="3585876"/>
+            <a:off x="7094598" y="2565014"/>
             <a:ext cx="372218" cy="369332"/>
           </a:xfrm>
           <a:prstGeom prst="rect">
@@ -6639,56 +6416,13 @@
           <a:lstStyle/>
           <a:p>
             <a:r>
-              <a:rPr lang="en-US" smtClean="0">
-                <a:solidFill>
-                  <a:srgbClr val="00B050"/>
-                </a:solidFill>
-              </a:rPr>
-              <a:t>-1</a:t>
-            </a:r>
-            <a:endParaRPr lang="en-US" dirty="0">
-              <a:solidFill>
-                <a:srgbClr val="00B050"/>
-              </a:solidFill>
-            </a:endParaRPr>
-          </a:p>
-        </p:txBody>
-      </p:sp>
-      <p:sp>
-        <p:nvSpPr>
-          <p:cNvPr id="36" name="TextBox 35"/>
-          <p:cNvSpPr txBox="1"/>
-          <p:nvPr/>
-        </p:nvSpPr>
-        <p:spPr>
-          <a:xfrm>
-            <a:off x="7094598" y="2565014"/>
-            <a:ext cx="372218" cy="369332"/>
-          </a:xfrm>
-          <a:prstGeom prst="rect">
-            <a:avLst/>
-          </a:prstGeom>
-          <a:noFill/>
-        </p:spPr>
-        <p:txBody>
-          <a:bodyPr wrap="none" rtlCol="0">
-            <a:spAutoFit/>
-          </a:bodyPr>
-          <a:lstStyle/>
-          <a:p>
-            <a:r>
-              <a:rPr lang="en-US" dirty="0" smtClean="0">
+              <a:rPr lang="en-US" dirty="0">
                 <a:solidFill>
                   <a:srgbClr val="FF0000"/>
                 </a:solidFill>
               </a:rPr>
               <a:t>-2</a:t>
             </a:r>
-            <a:endParaRPr lang="en-US" dirty="0">
-              <a:solidFill>
-                <a:srgbClr val="FF0000"/>
-              </a:solidFill>
-            </a:endParaRPr>
           </a:p>
         </p:txBody>
       </p:sp>
@@ -6797,18 +6531,13 @@
           <a:lstStyle/>
           <a:p>
             <a:r>
-              <a:rPr lang="en-US" dirty="0" smtClean="0">
+              <a:rPr lang="en-US" dirty="0">
                 <a:solidFill>
                   <a:srgbClr val="00B050"/>
                 </a:solidFill>
               </a:rPr>
               <a:t>0</a:t>
             </a:r>
-            <a:endParaRPr lang="en-US" dirty="0">
-              <a:solidFill>
-                <a:srgbClr val="00B050"/>
-              </a:solidFill>
-            </a:endParaRPr>
           </a:p>
         </p:txBody>
       </p:sp>
@@ -6835,18 +6564,13 @@
           <a:lstStyle/>
           <a:p>
             <a:r>
-              <a:rPr lang="en-US" dirty="0" smtClean="0">
+              <a:rPr lang="en-US" dirty="0">
                 <a:solidFill>
                   <a:srgbClr val="00B050"/>
                 </a:solidFill>
               </a:rPr>
               <a:t>-1</a:t>
             </a:r>
-            <a:endParaRPr lang="en-US" dirty="0">
-              <a:solidFill>
-                <a:srgbClr val="00B050"/>
-              </a:solidFill>
-            </a:endParaRPr>
           </a:p>
         </p:txBody>
       </p:sp>
@@ -6893,18 +6617,13 @@
           <a:p>
             <a:pPr algn="ctr"/>
             <a:r>
-              <a:rPr lang="en-US" sz="2400" dirty="0" smtClean="0">
+              <a:rPr lang="en-US" sz="2400" dirty="0">
                 <a:solidFill>
                   <a:schemeClr val="tx1"/>
                 </a:solidFill>
               </a:rPr>
               <a:t>2</a:t>
             </a:r>
-            <a:endParaRPr lang="en-US" sz="2400" dirty="0">
-              <a:solidFill>
-                <a:schemeClr val="tx1"/>
-              </a:solidFill>
-            </a:endParaRPr>
           </a:p>
         </p:txBody>
       </p:sp>
@@ -6951,18 +6670,13 @@
           <a:p>
             <a:pPr algn="ctr"/>
             <a:r>
-              <a:rPr lang="en-US" sz="2400" dirty="0" smtClean="0">
+              <a:rPr lang="en-US" sz="2400" dirty="0">
                 <a:solidFill>
                   <a:schemeClr val="tx1"/>
                 </a:solidFill>
               </a:rPr>
               <a:t>1</a:t>
             </a:r>
-            <a:endParaRPr lang="en-US" sz="2400" dirty="0">
-              <a:solidFill>
-                <a:schemeClr val="tx1"/>
-              </a:solidFill>
-            </a:endParaRPr>
           </a:p>
         </p:txBody>
       </p:sp>
@@ -7025,18 +6739,13 @@
           <a:lstStyle/>
           <a:p>
             <a:r>
-              <a:rPr lang="en-US" dirty="0" smtClean="0">
+              <a:rPr lang="en-US" dirty="0">
                 <a:solidFill>
                   <a:srgbClr val="00B050"/>
                 </a:solidFill>
               </a:rPr>
               <a:t>0</a:t>
             </a:r>
-            <a:endParaRPr lang="en-US" dirty="0">
-              <a:solidFill>
-                <a:srgbClr val="00B050"/>
-              </a:solidFill>
-            </a:endParaRPr>
           </a:p>
         </p:txBody>
       </p:sp>
@@ -7063,18 +6772,13 @@
           <a:lstStyle/>
           <a:p>
             <a:r>
-              <a:rPr lang="en-US" dirty="0" smtClean="0">
+              <a:rPr lang="en-US" dirty="0">
                 <a:solidFill>
                   <a:srgbClr val="00B050"/>
                 </a:solidFill>
               </a:rPr>
               <a:t>0</a:t>
             </a:r>
-            <a:endParaRPr lang="en-US" dirty="0">
-              <a:solidFill>
-                <a:srgbClr val="00B050"/>
-              </a:solidFill>
-            </a:endParaRPr>
           </a:p>
         </p:txBody>
       </p:sp>
@@ -7121,18 +6825,13 @@
           <a:p>
             <a:pPr algn="ctr"/>
             <a:r>
-              <a:rPr lang="en-US" sz="2400" dirty="0" smtClean="0">
+              <a:rPr lang="en-US" sz="2400" dirty="0">
                 <a:solidFill>
                   <a:schemeClr val="tx1"/>
                 </a:solidFill>
               </a:rPr>
               <a:t>3</a:t>
             </a:r>
-            <a:endParaRPr lang="en-US" sz="2400" dirty="0">
-              <a:solidFill>
-                <a:schemeClr val="tx1"/>
-              </a:solidFill>
-            </a:endParaRPr>
           </a:p>
         </p:txBody>
       </p:sp>
@@ -7195,18 +6894,13 @@
           <a:lstStyle/>
           <a:p>
             <a:r>
-              <a:rPr lang="en-US" dirty="0" smtClean="0">
+              <a:rPr lang="en-US" dirty="0">
                 <a:solidFill>
                   <a:srgbClr val="00B050"/>
                 </a:solidFill>
               </a:rPr>
               <a:t>0</a:t>
             </a:r>
-            <a:endParaRPr lang="en-US" dirty="0">
-              <a:solidFill>
-                <a:srgbClr val="00B050"/>
-              </a:solidFill>
-            </a:endParaRPr>
           </a:p>
         </p:txBody>
       </p:sp>
@@ -7283,18 +6977,13 @@
           <a:p>
             <a:pPr algn="ctr"/>
             <a:r>
-              <a:rPr lang="en-US" sz="2400" dirty="0" smtClean="0">
+              <a:rPr lang="en-US" sz="2400" dirty="0">
                 <a:solidFill>
                   <a:schemeClr val="tx1"/>
                 </a:solidFill>
               </a:rPr>
               <a:t>15</a:t>
             </a:r>
-            <a:endParaRPr lang="en-US" sz="2400" dirty="0">
-              <a:solidFill>
-                <a:schemeClr val="tx1"/>
-              </a:solidFill>
-            </a:endParaRPr>
           </a:p>
         </p:txBody>
       </p:sp>
@@ -7341,18 +7030,13 @@
           <a:p>
             <a:pPr algn="ctr"/>
             <a:r>
-              <a:rPr lang="en-US" sz="2400" dirty="0" smtClean="0">
+              <a:rPr lang="en-US" sz="2400" dirty="0">
                 <a:solidFill>
                   <a:schemeClr val="tx1"/>
                 </a:solidFill>
               </a:rPr>
               <a:t>5</a:t>
             </a:r>
-            <a:endParaRPr lang="en-US" sz="2400" dirty="0">
-              <a:solidFill>
-                <a:schemeClr val="tx1"/>
-              </a:solidFill>
-            </a:endParaRPr>
           </a:p>
         </p:txBody>
       </p:sp>
@@ -7477,18 +7161,13 @@
           <a:p>
             <a:pPr algn="ctr"/>
             <a:r>
-              <a:rPr lang="en-US" sz="2400" dirty="0" smtClean="0">
+              <a:rPr lang="en-US" sz="2400" dirty="0">
                 <a:solidFill>
                   <a:schemeClr val="tx1"/>
                 </a:solidFill>
               </a:rPr>
               <a:t>20</a:t>
             </a:r>
-            <a:endParaRPr lang="en-US" sz="2400" dirty="0">
-              <a:solidFill>
-                <a:schemeClr val="tx1"/>
-              </a:solidFill>
-            </a:endParaRPr>
           </a:p>
         </p:txBody>
       </p:sp>
@@ -7515,18 +7194,13 @@
           <a:lstStyle/>
           <a:p>
             <a:r>
-              <a:rPr lang="en-US" dirty="0" smtClean="0">
+              <a:rPr lang="en-US" dirty="0">
                 <a:solidFill>
                   <a:srgbClr val="00B050"/>
                 </a:solidFill>
               </a:rPr>
               <a:t>-1</a:t>
             </a:r>
-            <a:endParaRPr lang="en-US" dirty="0">
-              <a:solidFill>
-                <a:srgbClr val="00B050"/>
-              </a:solidFill>
-            </a:endParaRPr>
           </a:p>
         </p:txBody>
       </p:sp>
@@ -7553,18 +7227,13 @@
           <a:lstStyle/>
           <a:p>
             <a:r>
-              <a:rPr lang="en-US" dirty="0" smtClean="0">
+              <a:rPr lang="en-US" dirty="0">
                 <a:solidFill>
                   <a:srgbClr val="00B050"/>
                 </a:solidFill>
               </a:rPr>
               <a:t>0</a:t>
             </a:r>
-            <a:endParaRPr lang="en-US" dirty="0">
-              <a:solidFill>
-                <a:srgbClr val="00B050"/>
-              </a:solidFill>
-            </a:endParaRPr>
           </a:p>
         </p:txBody>
       </p:sp>
@@ -7591,18 +7260,13 @@
           <a:lstStyle/>
           <a:p>
             <a:r>
-              <a:rPr lang="en-US" dirty="0" smtClean="0">
+              <a:rPr lang="en-US" dirty="0">
                 <a:solidFill>
                   <a:srgbClr val="00B050"/>
                 </a:solidFill>
               </a:rPr>
               <a:t>0</a:t>
             </a:r>
-            <a:endParaRPr lang="en-US" dirty="0">
-              <a:solidFill>
-                <a:srgbClr val="00B050"/>
-              </a:solidFill>
-            </a:endParaRPr>
           </a:p>
         </p:txBody>
       </p:sp>
@@ -7649,18 +7313,13 @@
           <a:p>
             <a:pPr algn="ctr"/>
             <a:r>
-              <a:rPr lang="en-US" sz="2400" dirty="0" smtClean="0">
+              <a:rPr lang="en-US" sz="2400" dirty="0">
                 <a:solidFill>
                   <a:schemeClr val="tx1"/>
                 </a:solidFill>
               </a:rPr>
               <a:t>8</a:t>
             </a:r>
-            <a:endParaRPr lang="en-US" sz="2400" dirty="0">
-              <a:solidFill>
-                <a:schemeClr val="tx1"/>
-              </a:solidFill>
-            </a:endParaRPr>
           </a:p>
         </p:txBody>
       </p:sp>
@@ -7726,7 +7385,7 @@
           <a:lstStyle/>
           <a:p>
             <a:r>
-              <a:rPr lang="en-US" smtClean="0">
+              <a:rPr lang="en-US">
                 <a:solidFill>
                   <a:srgbClr val="00B050"/>
                 </a:solidFill>
@@ -7784,18 +7443,13 @@
           <a:p>
             <a:pPr algn="ctr"/>
             <a:r>
-              <a:rPr lang="en-US" sz="2400" dirty="0" smtClean="0">
+              <a:rPr lang="en-US" sz="2400" dirty="0">
                 <a:solidFill>
                   <a:schemeClr val="tx1"/>
                 </a:solidFill>
               </a:rPr>
               <a:t>1</a:t>
             </a:r>
-            <a:endParaRPr lang="en-US" sz="2400" dirty="0">
-              <a:solidFill>
-                <a:schemeClr val="tx1"/>
-              </a:solidFill>
-            </a:endParaRPr>
           </a:p>
         </p:txBody>
       </p:sp>
@@ -7861,7 +7515,7 @@
           <a:lstStyle/>
           <a:p>
             <a:r>
-              <a:rPr lang="en-US" smtClean="0">
+              <a:rPr lang="en-US">
                 <a:solidFill>
                   <a:srgbClr val="00B050"/>
                 </a:solidFill>
@@ -7949,18 +7603,13 @@
           <a:p>
             <a:pPr algn="ctr"/>
             <a:r>
-              <a:rPr lang="en-US" sz="2400" dirty="0" smtClean="0">
+              <a:rPr lang="en-US" sz="2400" dirty="0">
                 <a:solidFill>
                   <a:schemeClr val="tx1"/>
                 </a:solidFill>
               </a:rPr>
               <a:t>15</a:t>
             </a:r>
-            <a:endParaRPr lang="en-US" sz="2400" dirty="0">
-              <a:solidFill>
-                <a:schemeClr val="tx1"/>
-              </a:solidFill>
-            </a:endParaRPr>
           </a:p>
         </p:txBody>
       </p:sp>
@@ -8007,18 +7656,13 @@
           <a:p>
             <a:pPr algn="ctr"/>
             <a:r>
-              <a:rPr lang="en-US" sz="2400" dirty="0" smtClean="0">
+              <a:rPr lang="en-US" sz="2400" dirty="0">
                 <a:solidFill>
                   <a:schemeClr val="tx1"/>
                 </a:solidFill>
               </a:rPr>
               <a:t>5</a:t>
             </a:r>
-            <a:endParaRPr lang="en-US" sz="2400" dirty="0">
-              <a:solidFill>
-                <a:schemeClr val="tx1"/>
-              </a:solidFill>
-            </a:endParaRPr>
           </a:p>
         </p:txBody>
       </p:sp>
@@ -8143,18 +7787,13 @@
           <a:p>
             <a:pPr algn="ctr"/>
             <a:r>
-              <a:rPr lang="en-US" sz="2400" dirty="0" smtClean="0">
+              <a:rPr lang="en-US" sz="2400" dirty="0">
                 <a:solidFill>
                   <a:schemeClr val="tx1"/>
                 </a:solidFill>
               </a:rPr>
               <a:t>20</a:t>
             </a:r>
-            <a:endParaRPr lang="en-US" sz="2400" dirty="0">
-              <a:solidFill>
-                <a:schemeClr val="tx1"/>
-              </a:solidFill>
-            </a:endParaRPr>
           </a:p>
         </p:txBody>
       </p:sp>
@@ -8181,18 +7820,13 @@
           <a:lstStyle/>
           <a:p>
             <a:r>
-              <a:rPr lang="en-US" dirty="0" smtClean="0">
+              <a:rPr lang="en-US" dirty="0">
                 <a:solidFill>
                   <a:srgbClr val="FF0000"/>
                 </a:solidFill>
               </a:rPr>
               <a:t>-2</a:t>
             </a:r>
-            <a:endParaRPr lang="en-US" dirty="0">
-              <a:solidFill>
-                <a:srgbClr val="FF0000"/>
-              </a:solidFill>
-            </a:endParaRPr>
           </a:p>
         </p:txBody>
       </p:sp>
@@ -8219,18 +7853,13 @@
           <a:lstStyle/>
           <a:p>
             <a:r>
-              <a:rPr lang="en-US" dirty="0" smtClean="0">
+              <a:rPr lang="en-US" dirty="0">
                 <a:solidFill>
                   <a:srgbClr val="00B050"/>
                 </a:solidFill>
               </a:rPr>
               <a:t>1</a:t>
             </a:r>
-            <a:endParaRPr lang="en-US" dirty="0">
-              <a:solidFill>
-                <a:srgbClr val="00B050"/>
-              </a:solidFill>
-            </a:endParaRPr>
           </a:p>
         </p:txBody>
       </p:sp>
@@ -8257,18 +7886,13 @@
           <a:lstStyle/>
           <a:p>
             <a:r>
-              <a:rPr lang="en-US" dirty="0" smtClean="0">
+              <a:rPr lang="en-US" dirty="0">
                 <a:solidFill>
                   <a:srgbClr val="00B050"/>
                 </a:solidFill>
               </a:rPr>
               <a:t>0</a:t>
             </a:r>
-            <a:endParaRPr lang="en-US" dirty="0">
-              <a:solidFill>
-                <a:srgbClr val="00B050"/>
-              </a:solidFill>
-            </a:endParaRPr>
           </a:p>
         </p:txBody>
       </p:sp>
@@ -8315,18 +7939,13 @@
           <a:p>
             <a:pPr algn="ctr"/>
             <a:r>
-              <a:rPr lang="en-US" sz="2400" dirty="0" smtClean="0">
+              <a:rPr lang="en-US" sz="2400" dirty="0">
                 <a:solidFill>
                   <a:schemeClr val="tx1"/>
                 </a:solidFill>
               </a:rPr>
               <a:t>8</a:t>
             </a:r>
-            <a:endParaRPr lang="en-US" sz="2400" dirty="0">
-              <a:solidFill>
-                <a:schemeClr val="tx1"/>
-              </a:solidFill>
-            </a:endParaRPr>
           </a:p>
         </p:txBody>
       </p:sp>
@@ -8392,18 +8011,13 @@
           <a:lstStyle/>
           <a:p>
             <a:r>
-              <a:rPr lang="en-US" dirty="0" smtClean="0">
+              <a:rPr lang="en-US" dirty="0">
                 <a:solidFill>
                   <a:srgbClr val="00B050"/>
                 </a:solidFill>
               </a:rPr>
               <a:t>1</a:t>
             </a:r>
-            <a:endParaRPr lang="en-US" dirty="0">
-              <a:solidFill>
-                <a:srgbClr val="00B050"/>
-              </a:solidFill>
-            </a:endParaRPr>
           </a:p>
         </p:txBody>
       </p:sp>
@@ -8450,18 +8064,13 @@
           <a:p>
             <a:pPr algn="ctr"/>
             <a:r>
-              <a:rPr lang="en-US" sz="2400" dirty="0" smtClean="0">
+              <a:rPr lang="en-US" sz="2400" dirty="0">
                 <a:solidFill>
                   <a:schemeClr val="tx1"/>
                 </a:solidFill>
               </a:rPr>
               <a:t>1</a:t>
             </a:r>
-            <a:endParaRPr lang="en-US" sz="2400" dirty="0">
-              <a:solidFill>
-                <a:schemeClr val="tx1"/>
-              </a:solidFill>
-            </a:endParaRPr>
           </a:p>
         </p:txBody>
       </p:sp>
@@ -8527,7 +8136,7 @@
           <a:lstStyle/>
           <a:p>
             <a:r>
-              <a:rPr lang="en-US" smtClean="0">
+              <a:rPr lang="en-US">
                 <a:solidFill>
                   <a:srgbClr val="00B050"/>
                 </a:solidFill>
@@ -8585,18 +8194,13 @@
           <a:p>
             <a:pPr algn="ctr"/>
             <a:r>
-              <a:rPr lang="en-US" sz="2400" dirty="0" smtClean="0">
+              <a:rPr lang="en-US" sz="2400" dirty="0">
                 <a:solidFill>
                   <a:srgbClr val="0070C0"/>
                 </a:solidFill>
               </a:rPr>
               <a:t>10</a:t>
             </a:r>
-            <a:endParaRPr lang="en-US" sz="2400" dirty="0">
-              <a:solidFill>
-                <a:srgbClr val="0070C0"/>
-              </a:solidFill>
-            </a:endParaRPr>
           </a:p>
         </p:txBody>
       </p:sp>
@@ -8661,18 +8265,13 @@
           <a:lstStyle/>
           <a:p>
             <a:r>
-              <a:rPr lang="en-US" dirty="0" smtClean="0">
+              <a:rPr lang="en-US" dirty="0">
                 <a:solidFill>
                   <a:srgbClr val="00B050"/>
                 </a:solidFill>
               </a:rPr>
               <a:t>0</a:t>
             </a:r>
-            <a:endParaRPr lang="en-US" dirty="0">
-              <a:solidFill>
-                <a:srgbClr val="00B050"/>
-              </a:solidFill>
-            </a:endParaRPr>
           </a:p>
         </p:txBody>
       </p:sp>
@@ -8821,18 +8420,13 @@
           <a:p>
             <a:pPr algn="ctr"/>
             <a:r>
-              <a:rPr lang="en-US" sz="2400" dirty="0" smtClean="0">
+              <a:rPr lang="en-US" sz="2400" dirty="0">
                 <a:solidFill>
                   <a:schemeClr val="tx1"/>
                 </a:solidFill>
               </a:rPr>
               <a:t>15</a:t>
             </a:r>
-            <a:endParaRPr lang="en-US" sz="2400" dirty="0">
-              <a:solidFill>
-                <a:schemeClr val="tx1"/>
-              </a:solidFill>
-            </a:endParaRPr>
           </a:p>
         </p:txBody>
       </p:sp>
@@ -8879,18 +8473,13 @@
           <a:p>
             <a:pPr algn="ctr"/>
             <a:r>
-              <a:rPr lang="en-US" sz="2400" dirty="0" smtClean="0">
+              <a:rPr lang="en-US" sz="2400" dirty="0">
                 <a:solidFill>
                   <a:schemeClr val="tx1"/>
                 </a:solidFill>
               </a:rPr>
               <a:t>5</a:t>
             </a:r>
-            <a:endParaRPr lang="en-US" sz="2400" dirty="0">
-              <a:solidFill>
-                <a:schemeClr val="tx1"/>
-              </a:solidFill>
-            </a:endParaRPr>
           </a:p>
         </p:txBody>
       </p:sp>
@@ -9015,18 +8604,13 @@
           <a:p>
             <a:pPr algn="ctr"/>
             <a:r>
-              <a:rPr lang="en-US" sz="2400" dirty="0" smtClean="0">
+              <a:rPr lang="en-US" sz="2400" dirty="0">
                 <a:solidFill>
                   <a:schemeClr val="tx1"/>
                 </a:solidFill>
               </a:rPr>
               <a:t>20</a:t>
             </a:r>
-            <a:endParaRPr lang="en-US" sz="2400" dirty="0">
-              <a:solidFill>
-                <a:schemeClr val="tx1"/>
-              </a:solidFill>
-            </a:endParaRPr>
           </a:p>
         </p:txBody>
       </p:sp>
@@ -9053,18 +8637,13 @@
           <a:lstStyle/>
           <a:p>
             <a:r>
-              <a:rPr lang="en-US" dirty="0" smtClean="0">
+              <a:rPr lang="en-US" dirty="0">
                 <a:solidFill>
                   <a:srgbClr val="FF0000"/>
                 </a:solidFill>
               </a:rPr>
               <a:t>-2</a:t>
             </a:r>
-            <a:endParaRPr lang="en-US" dirty="0">
-              <a:solidFill>
-                <a:srgbClr val="FF0000"/>
-              </a:solidFill>
-            </a:endParaRPr>
           </a:p>
         </p:txBody>
       </p:sp>
@@ -9091,18 +8670,13 @@
           <a:lstStyle/>
           <a:p>
             <a:r>
-              <a:rPr lang="en-US" dirty="0" smtClean="0">
+              <a:rPr lang="en-US" dirty="0">
                 <a:solidFill>
                   <a:srgbClr val="00B050"/>
                 </a:solidFill>
               </a:rPr>
               <a:t>1</a:t>
             </a:r>
-            <a:endParaRPr lang="en-US" dirty="0">
-              <a:solidFill>
-                <a:srgbClr val="00B050"/>
-              </a:solidFill>
-            </a:endParaRPr>
           </a:p>
         </p:txBody>
       </p:sp>
@@ -9129,18 +8703,13 @@
           <a:lstStyle/>
           <a:p>
             <a:r>
-              <a:rPr lang="en-US" dirty="0" smtClean="0">
+              <a:rPr lang="en-US" dirty="0">
                 <a:solidFill>
                   <a:srgbClr val="00B050"/>
                 </a:solidFill>
               </a:rPr>
               <a:t>0</a:t>
             </a:r>
-            <a:endParaRPr lang="en-US" dirty="0">
-              <a:solidFill>
-                <a:srgbClr val="00B050"/>
-              </a:solidFill>
-            </a:endParaRPr>
           </a:p>
         </p:txBody>
       </p:sp>
@@ -9187,18 +8756,13 @@
           <a:p>
             <a:pPr algn="ctr"/>
             <a:r>
-              <a:rPr lang="en-US" sz="2400" dirty="0" smtClean="0">
+              <a:rPr lang="en-US" sz="2400" dirty="0">
                 <a:solidFill>
                   <a:schemeClr val="tx1"/>
                 </a:solidFill>
               </a:rPr>
               <a:t>8</a:t>
             </a:r>
-            <a:endParaRPr lang="en-US" sz="2400" dirty="0">
-              <a:solidFill>
-                <a:schemeClr val="tx1"/>
-              </a:solidFill>
-            </a:endParaRPr>
           </a:p>
         </p:txBody>
       </p:sp>
@@ -9264,18 +8828,13 @@
           <a:lstStyle/>
           <a:p>
             <a:r>
-              <a:rPr lang="en-US" dirty="0" smtClean="0">
+              <a:rPr lang="en-US" dirty="0">
                 <a:solidFill>
                   <a:srgbClr val="00B050"/>
                 </a:solidFill>
               </a:rPr>
               <a:t>1</a:t>
             </a:r>
-            <a:endParaRPr lang="en-US" dirty="0">
-              <a:solidFill>
-                <a:srgbClr val="00B050"/>
-              </a:solidFill>
-            </a:endParaRPr>
           </a:p>
         </p:txBody>
       </p:sp>
@@ -9322,18 +8881,13 @@
           <a:p>
             <a:pPr algn="ctr"/>
             <a:r>
-              <a:rPr lang="en-US" sz="2400" dirty="0" smtClean="0">
+              <a:rPr lang="en-US" sz="2400" dirty="0">
                 <a:solidFill>
                   <a:schemeClr val="tx1"/>
                 </a:solidFill>
               </a:rPr>
               <a:t>1</a:t>
             </a:r>
-            <a:endParaRPr lang="en-US" sz="2400" dirty="0">
-              <a:solidFill>
-                <a:schemeClr val="tx1"/>
-              </a:solidFill>
-            </a:endParaRPr>
           </a:p>
         </p:txBody>
       </p:sp>
@@ -9399,7 +8953,7 @@
           <a:lstStyle/>
           <a:p>
             <a:r>
-              <a:rPr lang="en-US" smtClean="0">
+              <a:rPr lang="en-US">
                 <a:solidFill>
                   <a:srgbClr val="00B050"/>
                 </a:solidFill>
@@ -9457,18 +9011,13 @@
           <a:p>
             <a:pPr algn="ctr"/>
             <a:r>
-              <a:rPr lang="en-US" sz="2400" dirty="0" smtClean="0">
+              <a:rPr lang="en-US" sz="2400" dirty="0">
                 <a:solidFill>
                   <a:srgbClr val="0070C0"/>
                 </a:solidFill>
               </a:rPr>
               <a:t>10</a:t>
             </a:r>
-            <a:endParaRPr lang="en-US" sz="2400" dirty="0">
-              <a:solidFill>
-                <a:srgbClr val="0070C0"/>
-              </a:solidFill>
-            </a:endParaRPr>
           </a:p>
         </p:txBody>
       </p:sp>
@@ -9533,18 +9082,13 @@
           <a:lstStyle/>
           <a:p>
             <a:r>
-              <a:rPr lang="en-US" dirty="0" smtClean="0">
+              <a:rPr lang="en-US" dirty="0">
                 <a:solidFill>
                   <a:srgbClr val="00B050"/>
                 </a:solidFill>
               </a:rPr>
               <a:t>0</a:t>
             </a:r>
-            <a:endParaRPr lang="en-US" dirty="0">
-              <a:solidFill>
-                <a:srgbClr val="00B050"/>
-              </a:solidFill>
-            </a:endParaRPr>
           </a:p>
         </p:txBody>
       </p:sp>
@@ -9673,18 +9217,13 @@
           <a:p>
             <a:pPr algn="ctr"/>
             <a:r>
-              <a:rPr lang="en-US" sz="2400" dirty="0" smtClean="0">
+              <a:rPr lang="en-US" sz="2400" dirty="0">
                 <a:solidFill>
                   <a:schemeClr val="tx1"/>
                 </a:solidFill>
               </a:rPr>
               <a:t>15</a:t>
             </a:r>
-            <a:endParaRPr lang="en-US" sz="2400" dirty="0">
-              <a:solidFill>
-                <a:schemeClr val="tx1"/>
-              </a:solidFill>
-            </a:endParaRPr>
           </a:p>
         </p:txBody>
       </p:sp>
@@ -9738,11 +9277,6 @@
               </a:rPr>
               <a:t>8</a:t>
             </a:r>
-            <a:endParaRPr lang="en-US" sz="2400" dirty="0">
-              <a:solidFill>
-                <a:schemeClr val="tx1"/>
-              </a:solidFill>
-            </a:endParaRPr>
           </a:p>
         </p:txBody>
       </p:sp>
@@ -9866,18 +9400,13 @@
           <a:p>
             <a:pPr algn="ctr"/>
             <a:r>
-              <a:rPr lang="en-US" sz="2400" dirty="0" smtClean="0">
+              <a:rPr lang="en-US" sz="2400" dirty="0">
                 <a:solidFill>
                   <a:schemeClr val="tx1"/>
                 </a:solidFill>
               </a:rPr>
               <a:t>20</a:t>
             </a:r>
-            <a:endParaRPr lang="en-US" sz="2400" dirty="0">
-              <a:solidFill>
-                <a:schemeClr val="tx1"/>
-              </a:solidFill>
-            </a:endParaRPr>
           </a:p>
         </p:txBody>
       </p:sp>
@@ -9904,18 +9433,13 @@
           <a:lstStyle/>
           <a:p>
             <a:r>
-              <a:rPr lang="en-US" dirty="0" smtClean="0">
+              <a:rPr lang="en-US" dirty="0">
                 <a:solidFill>
                   <a:srgbClr val="FF0000"/>
                 </a:solidFill>
               </a:rPr>
               <a:t>-2</a:t>
             </a:r>
-            <a:endParaRPr lang="en-US" dirty="0">
-              <a:solidFill>
-                <a:srgbClr val="FF0000"/>
-              </a:solidFill>
-            </a:endParaRPr>
           </a:p>
         </p:txBody>
       </p:sp>
@@ -9942,18 +9466,13 @@
           <a:lstStyle/>
           <a:p>
             <a:r>
-              <a:rPr lang="en-US" dirty="0" smtClean="0">
+              <a:rPr lang="en-US" dirty="0">
                 <a:solidFill>
                   <a:srgbClr val="00B050"/>
                 </a:solidFill>
               </a:rPr>
               <a:t>-1</a:t>
             </a:r>
-            <a:endParaRPr lang="en-US" dirty="0">
-              <a:solidFill>
-                <a:srgbClr val="00B050"/>
-              </a:solidFill>
-            </a:endParaRPr>
           </a:p>
         </p:txBody>
       </p:sp>
@@ -9980,18 +9499,13 @@
           <a:lstStyle/>
           <a:p>
             <a:r>
-              <a:rPr lang="en-US" dirty="0" smtClean="0">
+              <a:rPr lang="en-US" dirty="0">
                 <a:solidFill>
                   <a:srgbClr val="00B050"/>
                 </a:solidFill>
               </a:rPr>
               <a:t>0</a:t>
             </a:r>
-            <a:endParaRPr lang="en-US" dirty="0">
-              <a:solidFill>
-                <a:srgbClr val="00B050"/>
-              </a:solidFill>
-            </a:endParaRPr>
           </a:p>
         </p:txBody>
       </p:sp>
@@ -10038,18 +9552,13 @@
           <a:p>
             <a:pPr algn="ctr"/>
             <a:r>
-              <a:rPr lang="en-US" sz="2400" dirty="0" smtClean="0">
+              <a:rPr lang="en-US" sz="2400" dirty="0">
                 <a:solidFill>
                   <a:schemeClr val="tx1"/>
                 </a:solidFill>
               </a:rPr>
               <a:t>10</a:t>
             </a:r>
-            <a:endParaRPr lang="en-US" sz="2400" dirty="0">
-              <a:solidFill>
-                <a:schemeClr val="tx1"/>
-              </a:solidFill>
-            </a:endParaRPr>
           </a:p>
         </p:txBody>
       </p:sp>
@@ -10114,18 +9623,13 @@
           <a:lstStyle/>
           <a:p>
             <a:r>
-              <a:rPr lang="en-US" dirty="0" smtClean="0">
+              <a:rPr lang="en-US" dirty="0">
                 <a:solidFill>
                   <a:srgbClr val="00B050"/>
                 </a:solidFill>
               </a:rPr>
               <a:t>0</a:t>
             </a:r>
-            <a:endParaRPr lang="en-US" dirty="0">
-              <a:solidFill>
-                <a:srgbClr val="00B050"/>
-              </a:solidFill>
-            </a:endParaRPr>
           </a:p>
         </p:txBody>
       </p:sp>
@@ -10172,18 +9676,13 @@
           <a:p>
             <a:pPr algn="ctr"/>
             <a:r>
-              <a:rPr lang="en-US" sz="2400" dirty="0" smtClean="0">
+              <a:rPr lang="en-US" sz="2400" dirty="0">
                 <a:solidFill>
                   <a:schemeClr val="tx1"/>
                 </a:solidFill>
               </a:rPr>
               <a:t>5</a:t>
             </a:r>
-            <a:endParaRPr lang="en-US" sz="2400" dirty="0">
-              <a:solidFill>
-                <a:schemeClr val="tx1"/>
-              </a:solidFill>
-            </a:endParaRPr>
           </a:p>
         </p:txBody>
       </p:sp>
@@ -10248,18 +9747,13 @@
           <a:lstStyle/>
           <a:p>
             <a:r>
-              <a:rPr lang="en-US" dirty="0" smtClean="0">
+              <a:rPr lang="en-US" dirty="0">
                 <a:solidFill>
                   <a:srgbClr val="00B050"/>
                 </a:solidFill>
               </a:rPr>
               <a:t>-1</a:t>
             </a:r>
-            <a:endParaRPr lang="en-US" dirty="0">
-              <a:solidFill>
-                <a:srgbClr val="00B050"/>
-              </a:solidFill>
-            </a:endParaRPr>
           </a:p>
         </p:txBody>
       </p:sp>
@@ -10306,18 +9800,13 @@
           <a:p>
             <a:pPr algn="ctr"/>
             <a:r>
-              <a:rPr lang="en-US" sz="2400" dirty="0" smtClean="0">
+              <a:rPr lang="en-US" sz="2400" dirty="0">
                 <a:solidFill>
                   <a:schemeClr val="tx1"/>
                 </a:solidFill>
               </a:rPr>
               <a:t>1</a:t>
             </a:r>
-            <a:endParaRPr lang="en-US" sz="2400" dirty="0">
-              <a:solidFill>
-                <a:schemeClr val="tx1"/>
-              </a:solidFill>
-            </a:endParaRPr>
           </a:p>
         </p:txBody>
       </p:sp>
@@ -10382,7 +9871,7 @@
           <a:lstStyle/>
           <a:p>
             <a:r>
-              <a:rPr lang="en-US" smtClean="0">
+              <a:rPr lang="en-US">
                 <a:solidFill>
                   <a:srgbClr val="00B050"/>
                 </a:solidFill>
@@ -10542,18 +10031,13 @@
           <a:p>
             <a:pPr algn="ctr"/>
             <a:r>
-              <a:rPr lang="en-US" sz="2400" dirty="0" smtClean="0">
+              <a:rPr lang="en-US" sz="2400" dirty="0">
                 <a:solidFill>
                   <a:schemeClr val="tx1"/>
                 </a:solidFill>
               </a:rPr>
               <a:t>15</a:t>
             </a:r>
-            <a:endParaRPr lang="en-US" sz="2400" dirty="0">
-              <a:solidFill>
-                <a:schemeClr val="tx1"/>
-              </a:solidFill>
-            </a:endParaRPr>
           </a:p>
         </p:txBody>
       </p:sp>
@@ -10607,11 +10091,6 @@
               </a:rPr>
               <a:t>8</a:t>
             </a:r>
-            <a:endParaRPr lang="en-US" sz="2400" dirty="0">
-              <a:solidFill>
-                <a:schemeClr val="tx1"/>
-              </a:solidFill>
-            </a:endParaRPr>
           </a:p>
         </p:txBody>
       </p:sp>
@@ -10735,18 +10214,13 @@
           <a:p>
             <a:pPr algn="ctr"/>
             <a:r>
-              <a:rPr lang="en-US" sz="2400" dirty="0" smtClean="0">
+              <a:rPr lang="en-US" sz="2400" dirty="0">
                 <a:solidFill>
                   <a:schemeClr val="tx1"/>
                 </a:solidFill>
               </a:rPr>
               <a:t>20</a:t>
             </a:r>
-            <a:endParaRPr lang="en-US" sz="2400" dirty="0">
-              <a:solidFill>
-                <a:schemeClr val="tx1"/>
-              </a:solidFill>
-            </a:endParaRPr>
           </a:p>
         </p:txBody>
       </p:sp>
@@ -10773,18 +10247,13 @@
           <a:lstStyle/>
           <a:p>
             <a:r>
-              <a:rPr lang="en-US" dirty="0" smtClean="0">
+              <a:rPr lang="en-US" dirty="0">
                 <a:solidFill>
                   <a:srgbClr val="FF0000"/>
                 </a:solidFill>
               </a:rPr>
               <a:t>-2</a:t>
             </a:r>
-            <a:endParaRPr lang="en-US" dirty="0">
-              <a:solidFill>
-                <a:srgbClr val="FF0000"/>
-              </a:solidFill>
-            </a:endParaRPr>
           </a:p>
         </p:txBody>
       </p:sp>
@@ -10811,18 +10280,13 @@
           <a:lstStyle/>
           <a:p>
             <a:r>
-              <a:rPr lang="en-US" dirty="0" smtClean="0">
+              <a:rPr lang="en-US" dirty="0">
                 <a:solidFill>
                   <a:srgbClr val="00B050"/>
                 </a:solidFill>
               </a:rPr>
               <a:t>-1</a:t>
             </a:r>
-            <a:endParaRPr lang="en-US" dirty="0">
-              <a:solidFill>
-                <a:srgbClr val="00B050"/>
-              </a:solidFill>
-            </a:endParaRPr>
           </a:p>
         </p:txBody>
       </p:sp>
@@ -10849,18 +10313,13 @@
           <a:lstStyle/>
           <a:p>
             <a:r>
-              <a:rPr lang="en-US" dirty="0" smtClean="0">
+              <a:rPr lang="en-US" dirty="0">
                 <a:solidFill>
                   <a:srgbClr val="00B050"/>
                 </a:solidFill>
               </a:rPr>
               <a:t>0</a:t>
             </a:r>
-            <a:endParaRPr lang="en-US" dirty="0">
-              <a:solidFill>
-                <a:srgbClr val="00B050"/>
-              </a:solidFill>
-            </a:endParaRPr>
           </a:p>
         </p:txBody>
       </p:sp>
@@ -10907,18 +10366,13 @@
           <a:p>
             <a:pPr algn="ctr"/>
             <a:r>
-              <a:rPr lang="en-US" sz="2400" dirty="0" smtClean="0">
+              <a:rPr lang="en-US" sz="2400" dirty="0">
                 <a:solidFill>
                   <a:schemeClr val="tx1"/>
                 </a:solidFill>
               </a:rPr>
               <a:t>10</a:t>
             </a:r>
-            <a:endParaRPr lang="en-US" sz="2400" dirty="0">
-              <a:solidFill>
-                <a:schemeClr val="tx1"/>
-              </a:solidFill>
-            </a:endParaRPr>
           </a:p>
         </p:txBody>
       </p:sp>
@@ -10983,18 +10437,13 @@
           <a:lstStyle/>
           <a:p>
             <a:r>
-              <a:rPr lang="en-US" dirty="0" smtClean="0">
+              <a:rPr lang="en-US" dirty="0">
                 <a:solidFill>
                   <a:srgbClr val="00B050"/>
                 </a:solidFill>
               </a:rPr>
               <a:t>0</a:t>
             </a:r>
-            <a:endParaRPr lang="en-US" dirty="0">
-              <a:solidFill>
-                <a:srgbClr val="00B050"/>
-              </a:solidFill>
-            </a:endParaRPr>
           </a:p>
         </p:txBody>
       </p:sp>
@@ -11041,18 +10490,13 @@
           <a:p>
             <a:pPr algn="ctr"/>
             <a:r>
-              <a:rPr lang="en-US" sz="2400" dirty="0" smtClean="0">
+              <a:rPr lang="en-US" sz="2400" dirty="0">
                 <a:solidFill>
                   <a:schemeClr val="tx1"/>
                 </a:solidFill>
               </a:rPr>
               <a:t>5</a:t>
             </a:r>
-            <a:endParaRPr lang="en-US" sz="2400" dirty="0">
-              <a:solidFill>
-                <a:schemeClr val="tx1"/>
-              </a:solidFill>
-            </a:endParaRPr>
           </a:p>
         </p:txBody>
       </p:sp>
@@ -11117,18 +10561,13 @@
           <a:lstStyle/>
           <a:p>
             <a:r>
-              <a:rPr lang="en-US" dirty="0" smtClean="0">
+              <a:rPr lang="en-US" dirty="0">
                 <a:solidFill>
                   <a:srgbClr val="00B050"/>
                 </a:solidFill>
               </a:rPr>
               <a:t>-1</a:t>
             </a:r>
-            <a:endParaRPr lang="en-US" dirty="0">
-              <a:solidFill>
-                <a:srgbClr val="00B050"/>
-              </a:solidFill>
-            </a:endParaRPr>
           </a:p>
         </p:txBody>
       </p:sp>
@@ -11175,18 +10614,13 @@
           <a:p>
             <a:pPr algn="ctr"/>
             <a:r>
-              <a:rPr lang="en-US" sz="2400" dirty="0" smtClean="0">
+              <a:rPr lang="en-US" sz="2400" dirty="0">
                 <a:solidFill>
                   <a:schemeClr val="tx1"/>
                 </a:solidFill>
               </a:rPr>
               <a:t>1</a:t>
             </a:r>
-            <a:endParaRPr lang="en-US" sz="2400" dirty="0">
-              <a:solidFill>
-                <a:schemeClr val="tx1"/>
-              </a:solidFill>
-            </a:endParaRPr>
           </a:p>
         </p:txBody>
       </p:sp>
@@ -11251,7 +10685,7 @@
           <a:lstStyle/>
           <a:p>
             <a:r>
-              <a:rPr lang="en-US" smtClean="0">
+              <a:rPr lang="en-US">
                 <a:solidFill>
                   <a:srgbClr val="00B050"/>
                 </a:solidFill>
@@ -11355,18 +10789,13 @@
           <a:p>
             <a:pPr algn="ctr"/>
             <a:r>
-              <a:rPr lang="en-US" sz="2400" dirty="0" smtClean="0">
+              <a:rPr lang="en-US" sz="2400" dirty="0">
                 <a:solidFill>
                   <a:schemeClr val="tx1"/>
                 </a:solidFill>
               </a:rPr>
               <a:t>8</a:t>
             </a:r>
-            <a:endParaRPr lang="en-US" sz="2400" dirty="0">
-              <a:solidFill>
-                <a:schemeClr val="tx1"/>
-              </a:solidFill>
-            </a:endParaRPr>
           </a:p>
         </p:txBody>
       </p:sp>
@@ -11413,18 +10842,13 @@
           <a:p>
             <a:pPr algn="ctr"/>
             <a:r>
-              <a:rPr lang="en-US" sz="2400" dirty="0" smtClean="0">
+              <a:rPr lang="en-US" sz="2400" dirty="0">
                 <a:solidFill>
                   <a:schemeClr val="tx1"/>
                 </a:solidFill>
               </a:rPr>
               <a:t>5</a:t>
             </a:r>
-            <a:endParaRPr lang="en-US" sz="2400" dirty="0">
-              <a:solidFill>
-                <a:schemeClr val="tx1"/>
-              </a:solidFill>
-            </a:endParaRPr>
           </a:p>
         </p:txBody>
       </p:sp>
@@ -11543,18 +10967,13 @@
           <a:p>
             <a:pPr algn="ctr"/>
             <a:r>
-              <a:rPr lang="en-US" sz="2400" dirty="0" smtClean="0">
+              <a:rPr lang="en-US" sz="2400" dirty="0">
                 <a:solidFill>
                   <a:schemeClr val="tx1"/>
                 </a:solidFill>
               </a:rPr>
               <a:t>15</a:t>
             </a:r>
-            <a:endParaRPr lang="en-US" sz="2400" dirty="0">
-              <a:solidFill>
-                <a:schemeClr val="tx1"/>
-              </a:solidFill>
-            </a:endParaRPr>
           </a:p>
         </p:txBody>
       </p:sp>
@@ -11581,18 +11000,13 @@
           <a:lstStyle/>
           <a:p>
             <a:r>
-              <a:rPr lang="en-US" dirty="0" smtClean="0">
+              <a:rPr lang="en-US" dirty="0">
                 <a:solidFill>
                   <a:srgbClr val="00B050"/>
                 </a:solidFill>
               </a:rPr>
               <a:t>0</a:t>
             </a:r>
-            <a:endParaRPr lang="en-US" dirty="0">
-              <a:solidFill>
-                <a:srgbClr val="00B050"/>
-              </a:solidFill>
-            </a:endParaRPr>
           </a:p>
         </p:txBody>
       </p:sp>
@@ -11619,18 +11033,13 @@
           <a:lstStyle/>
           <a:p>
             <a:r>
-              <a:rPr lang="en-US" dirty="0" smtClean="0">
+              <a:rPr lang="en-US" dirty="0">
                 <a:solidFill>
                   <a:srgbClr val="00B050"/>
                 </a:solidFill>
               </a:rPr>
               <a:t>-1</a:t>
             </a:r>
-            <a:endParaRPr lang="en-US" dirty="0">
-              <a:solidFill>
-                <a:srgbClr val="00B050"/>
-              </a:solidFill>
-            </a:endParaRPr>
           </a:p>
         </p:txBody>
       </p:sp>
@@ -11657,18 +11066,13 @@
           <a:lstStyle/>
           <a:p>
             <a:r>
-              <a:rPr lang="en-US" dirty="0" smtClean="0">
+              <a:rPr lang="en-US" dirty="0">
                 <a:solidFill>
                   <a:srgbClr val="00B050"/>
                 </a:solidFill>
               </a:rPr>
               <a:t>0</a:t>
             </a:r>
-            <a:endParaRPr lang="en-US" dirty="0">
-              <a:solidFill>
-                <a:srgbClr val="00B050"/>
-              </a:solidFill>
-            </a:endParaRPr>
           </a:p>
         </p:txBody>
       </p:sp>
@@ -11715,18 +11119,13 @@
           <a:p>
             <a:pPr algn="ctr"/>
             <a:r>
-              <a:rPr lang="en-US" sz="2400" dirty="0" smtClean="0">
+              <a:rPr lang="en-US" sz="2400" dirty="0">
                 <a:solidFill>
                   <a:schemeClr val="tx1"/>
                 </a:solidFill>
               </a:rPr>
               <a:t>10</a:t>
             </a:r>
-            <a:endParaRPr lang="en-US" sz="2400" dirty="0">
-              <a:solidFill>
-                <a:schemeClr val="tx1"/>
-              </a:solidFill>
-            </a:endParaRPr>
           </a:p>
         </p:txBody>
       </p:sp>
@@ -11792,18 +11191,13 @@
           <a:lstStyle/>
           <a:p>
             <a:r>
-              <a:rPr lang="en-US" dirty="0" smtClean="0">
+              <a:rPr lang="en-US" dirty="0">
                 <a:solidFill>
                   <a:srgbClr val="00B050"/>
                 </a:solidFill>
               </a:rPr>
               <a:t>0</a:t>
             </a:r>
-            <a:endParaRPr lang="en-US" dirty="0">
-              <a:solidFill>
-                <a:srgbClr val="00B050"/>
-              </a:solidFill>
-            </a:endParaRPr>
           </a:p>
         </p:txBody>
       </p:sp>
@@ -11850,18 +11244,13 @@
           <a:p>
             <a:pPr algn="ctr"/>
             <a:r>
-              <a:rPr lang="en-US" sz="2400" dirty="0" smtClean="0">
+              <a:rPr lang="en-US" sz="2400" dirty="0">
                 <a:solidFill>
                   <a:schemeClr val="tx1"/>
                 </a:solidFill>
               </a:rPr>
               <a:t>1</a:t>
             </a:r>
-            <a:endParaRPr lang="en-US" sz="2400" dirty="0">
-              <a:solidFill>
-                <a:schemeClr val="tx1"/>
-              </a:solidFill>
-            </a:endParaRPr>
           </a:p>
         </p:txBody>
       </p:sp>
@@ -11924,18 +11313,13 @@
           <a:lstStyle/>
           <a:p>
             <a:r>
-              <a:rPr lang="en-US" dirty="0" smtClean="0">
+              <a:rPr lang="en-US" dirty="0">
                 <a:solidFill>
                   <a:srgbClr val="00B050"/>
                 </a:solidFill>
               </a:rPr>
               <a:t>0</a:t>
             </a:r>
-            <a:endParaRPr lang="en-US" dirty="0">
-              <a:solidFill>
-                <a:srgbClr val="00B050"/>
-              </a:solidFill>
-            </a:endParaRPr>
           </a:p>
         </p:txBody>
       </p:sp>
@@ -12021,18 +11405,13 @@
           <a:p>
             <a:pPr algn="ctr"/>
             <a:r>
-              <a:rPr lang="en-US" sz="2400" dirty="0" smtClean="0">
+              <a:rPr lang="en-US" sz="2400" dirty="0">
                 <a:solidFill>
                   <a:schemeClr val="tx1"/>
                 </a:solidFill>
               </a:rPr>
               <a:t>20</a:t>
             </a:r>
-            <a:endParaRPr lang="en-US" sz="2400" dirty="0">
-              <a:solidFill>
-                <a:schemeClr val="tx1"/>
-              </a:solidFill>
-            </a:endParaRPr>
           </a:p>
         </p:txBody>
       </p:sp>
@@ -12059,18 +11438,13 @@
           <a:lstStyle/>
           <a:p>
             <a:r>
-              <a:rPr lang="en-US" dirty="0" smtClean="0">
+              <a:rPr lang="en-US" dirty="0">
                 <a:solidFill>
                   <a:srgbClr val="00B050"/>
                 </a:solidFill>
               </a:rPr>
               <a:t>0</a:t>
             </a:r>
-            <a:endParaRPr lang="en-US" dirty="0">
-              <a:solidFill>
-                <a:srgbClr val="00B050"/>
-              </a:solidFill>
-            </a:endParaRPr>
           </a:p>
         </p:txBody>
       </p:sp>
@@ -12147,18 +11521,13 @@
           <a:p>
             <a:pPr algn="ctr"/>
             <a:r>
-              <a:rPr lang="en-US" sz="2400" dirty="0" smtClean="0">
+              <a:rPr lang="en-US" sz="2400" dirty="0">
                 <a:solidFill>
                   <a:schemeClr val="tx1"/>
                 </a:solidFill>
               </a:rPr>
               <a:t>5</a:t>
             </a:r>
-            <a:endParaRPr lang="en-US" sz="2400" dirty="0">
-              <a:solidFill>
-                <a:schemeClr val="tx1"/>
-              </a:solidFill>
-            </a:endParaRPr>
           </a:p>
         </p:txBody>
       </p:sp>
@@ -12205,18 +11574,13 @@
           <a:p>
             <a:pPr algn="ctr"/>
             <a:r>
-              <a:rPr lang="en-US" sz="2400" dirty="0" smtClean="0">
+              <a:rPr lang="en-US" sz="2400" dirty="0">
                 <a:solidFill>
                   <a:schemeClr val="tx1"/>
                 </a:solidFill>
               </a:rPr>
               <a:t>1</a:t>
             </a:r>
-            <a:endParaRPr lang="en-US" sz="2400" dirty="0">
-              <a:solidFill>
-                <a:schemeClr val="tx1"/>
-              </a:solidFill>
-            </a:endParaRPr>
           </a:p>
         </p:txBody>
       </p:sp>
@@ -12341,18 +11705,13 @@
           <a:p>
             <a:pPr algn="ctr"/>
             <a:r>
-              <a:rPr lang="en-US" sz="2400" dirty="0" smtClean="0">
+              <a:rPr lang="en-US" sz="2400" dirty="0">
                 <a:solidFill>
                   <a:schemeClr val="tx1"/>
                 </a:solidFill>
               </a:rPr>
               <a:t>10</a:t>
             </a:r>
-            <a:endParaRPr lang="en-US" sz="2400" dirty="0">
-              <a:solidFill>
-                <a:schemeClr val="tx1"/>
-              </a:solidFill>
-            </a:endParaRPr>
           </a:p>
         </p:txBody>
       </p:sp>
@@ -12399,18 +11758,13 @@
           <a:p>
             <a:pPr algn="ctr"/>
             <a:r>
-              <a:rPr lang="en-US" sz="2400" dirty="0" smtClean="0">
+              <a:rPr lang="en-US" sz="2400" dirty="0">
                 <a:solidFill>
                   <a:schemeClr val="tx1"/>
                 </a:solidFill>
               </a:rPr>
               <a:t>7</a:t>
             </a:r>
-            <a:endParaRPr lang="en-US" sz="2400" dirty="0">
-              <a:solidFill>
-                <a:schemeClr val="tx1"/>
-              </a:solidFill>
-            </a:endParaRPr>
           </a:p>
         </p:txBody>
       </p:sp>
@@ -12496,18 +11850,13 @@
           <a:p>
             <a:pPr algn="ctr"/>
             <a:r>
-              <a:rPr lang="en-US" sz="2400" dirty="0" smtClean="0">
+              <a:rPr lang="en-US" sz="2400" dirty="0">
                 <a:solidFill>
                   <a:schemeClr val="tx1"/>
                 </a:solidFill>
               </a:rPr>
               <a:t>15</a:t>
             </a:r>
-            <a:endParaRPr lang="en-US" sz="2400" dirty="0">
-              <a:solidFill>
-                <a:schemeClr val="tx1"/>
-              </a:solidFill>
-            </a:endParaRPr>
           </a:p>
         </p:txBody>
       </p:sp>
@@ -12573,7 +11922,73 @@
           <a:lstStyle/>
           <a:p>
             <a:r>
-              <a:rPr lang="en-US" dirty="0" smtClean="0">
+              <a:rPr lang="en-US" dirty="0">
+                <a:solidFill>
+                  <a:srgbClr val="00B050"/>
+                </a:solidFill>
+              </a:rPr>
+              <a:t>0</a:t>
+            </a:r>
+          </a:p>
+        </p:txBody>
+      </p:sp>
+      <p:sp>
+        <p:nvSpPr>
+          <p:cNvPr id="29" name="TextBox 28"/>
+          <p:cNvSpPr txBox="1"/>
+          <p:nvPr/>
+        </p:nvSpPr>
+        <p:spPr>
+          <a:xfrm>
+            <a:off x="5804638" y="2177386"/>
+            <a:ext cx="301686" cy="369332"/>
+          </a:xfrm>
+          <a:prstGeom prst="rect">
+            <a:avLst/>
+          </a:prstGeom>
+          <a:noFill/>
+        </p:spPr>
+        <p:txBody>
+          <a:bodyPr wrap="none" rtlCol="0">
+            <a:spAutoFit/>
+          </a:bodyPr>
+          <a:lstStyle/>
+          <a:p>
+            <a:r>
+              <a:rPr lang="en-US" dirty="0">
+                <a:solidFill>
+                  <a:srgbClr val="00B050"/>
+                </a:solidFill>
+              </a:rPr>
+              <a:t>1</a:t>
+            </a:r>
+          </a:p>
+        </p:txBody>
+      </p:sp>
+      <p:sp>
+        <p:nvSpPr>
+          <p:cNvPr id="31" name="TextBox 30"/>
+          <p:cNvSpPr txBox="1"/>
+          <p:nvPr/>
+        </p:nvSpPr>
+        <p:spPr>
+          <a:xfrm>
+            <a:off x="7174467" y="4352598"/>
+            <a:ext cx="301686" cy="369332"/>
+          </a:xfrm>
+          <a:prstGeom prst="rect">
+            <a:avLst/>
+          </a:prstGeom>
+          <a:noFill/>
+        </p:spPr>
+        <p:txBody>
+          <a:bodyPr wrap="none" rtlCol="0">
+            <a:spAutoFit/>
+          </a:bodyPr>
+          <a:lstStyle/>
+          <a:p>
+            <a:r>
+              <a:rPr lang="en-US">
                 <a:solidFill>
                   <a:srgbClr val="00B050"/>
                 </a:solidFill>
@@ -12590,13 +12005,13 @@
       </p:sp>
       <p:sp>
         <p:nvSpPr>
-          <p:cNvPr id="29" name="TextBox 28"/>
+          <p:cNvPr id="32" name="TextBox 31"/>
           <p:cNvSpPr txBox="1"/>
           <p:nvPr/>
         </p:nvSpPr>
         <p:spPr>
           <a:xfrm>
-            <a:off x="5804638" y="2177386"/>
+            <a:off x="4008261" y="3211239"/>
             <a:ext cx="301686" cy="369332"/>
           </a:xfrm>
           <a:prstGeom prst="rect">
@@ -12611,30 +12026,25 @@
           <a:lstStyle/>
           <a:p>
             <a:r>
-              <a:rPr lang="en-US" dirty="0" smtClean="0">
+              <a:rPr lang="en-US" dirty="0">
                 <a:solidFill>
                   <a:srgbClr val="00B050"/>
                 </a:solidFill>
               </a:rPr>
-              <a:t>1</a:t>
-            </a:r>
-            <a:endParaRPr lang="en-US" dirty="0">
-              <a:solidFill>
-                <a:srgbClr val="00B050"/>
-              </a:solidFill>
-            </a:endParaRPr>
-          </a:p>
-        </p:txBody>
-      </p:sp>
-      <p:sp>
-        <p:nvSpPr>
-          <p:cNvPr id="31" name="TextBox 30"/>
+              <a:t>0</a:t>
+            </a:r>
+          </a:p>
+        </p:txBody>
+      </p:sp>
+      <p:sp>
+        <p:nvSpPr>
+          <p:cNvPr id="33" name="TextBox 32"/>
           <p:cNvSpPr txBox="1"/>
           <p:nvPr/>
         </p:nvSpPr>
         <p:spPr>
           <a:xfrm>
-            <a:off x="7174467" y="4352598"/>
+            <a:off x="7770599" y="3230204"/>
             <a:ext cx="301686" cy="369332"/>
           </a:xfrm>
           <a:prstGeom prst="rect">
@@ -12649,83 +12059,7 @@
           <a:lstStyle/>
           <a:p>
             <a:r>
-              <a:rPr lang="en-US" smtClean="0">
-                <a:solidFill>
-                  <a:srgbClr val="00B050"/>
-                </a:solidFill>
-              </a:rPr>
-              <a:t>0</a:t>
-            </a:r>
-            <a:endParaRPr lang="en-US" dirty="0">
-              <a:solidFill>
-                <a:srgbClr val="00B050"/>
-              </a:solidFill>
-            </a:endParaRPr>
-          </a:p>
-        </p:txBody>
-      </p:sp>
-      <p:sp>
-        <p:nvSpPr>
-          <p:cNvPr id="32" name="TextBox 31"/>
-          <p:cNvSpPr txBox="1"/>
-          <p:nvPr/>
-        </p:nvSpPr>
-        <p:spPr>
-          <a:xfrm>
-            <a:off x="4008261" y="3211239"/>
-            <a:ext cx="301686" cy="369332"/>
-          </a:xfrm>
-          <a:prstGeom prst="rect">
-            <a:avLst/>
-          </a:prstGeom>
-          <a:noFill/>
-        </p:spPr>
-        <p:txBody>
-          <a:bodyPr wrap="none" rtlCol="0">
-            <a:spAutoFit/>
-          </a:bodyPr>
-          <a:lstStyle/>
-          <a:p>
-            <a:r>
-              <a:rPr lang="en-US" dirty="0" smtClean="0">
-                <a:solidFill>
-                  <a:srgbClr val="00B050"/>
-                </a:solidFill>
-              </a:rPr>
-              <a:t>0</a:t>
-            </a:r>
-            <a:endParaRPr lang="en-US" dirty="0">
-              <a:solidFill>
-                <a:srgbClr val="00B050"/>
-              </a:solidFill>
-            </a:endParaRPr>
-          </a:p>
-        </p:txBody>
-      </p:sp>
-      <p:sp>
-        <p:nvSpPr>
-          <p:cNvPr id="33" name="TextBox 32"/>
-          <p:cNvSpPr txBox="1"/>
-          <p:nvPr/>
-        </p:nvSpPr>
-        <p:spPr>
-          <a:xfrm>
-            <a:off x="7770599" y="3230204"/>
-            <a:ext cx="301686" cy="369332"/>
-          </a:xfrm>
-          <a:prstGeom prst="rect">
-            <a:avLst/>
-          </a:prstGeom>
-          <a:noFill/>
-        </p:spPr>
-        <p:txBody>
-          <a:bodyPr wrap="none" rtlCol="0">
-            <a:spAutoFit/>
-          </a:bodyPr>
-          <a:lstStyle/>
-          <a:p>
-            <a:r>
-              <a:rPr lang="en-US" smtClean="0">
+              <a:rPr lang="en-US">
                 <a:solidFill>
                   <a:srgbClr val="00B050"/>
                 </a:solidFill>
@@ -12813,18 +12147,13 @@
           <a:p>
             <a:pPr algn="ctr"/>
             <a:r>
-              <a:rPr lang="en-US" sz="2400" dirty="0" smtClean="0">
+              <a:rPr lang="en-US" sz="2400" dirty="0">
                 <a:solidFill>
                   <a:schemeClr val="tx1"/>
                 </a:solidFill>
               </a:rPr>
               <a:t>E</a:t>
             </a:r>
-            <a:endParaRPr lang="en-US" sz="2400" dirty="0">
-              <a:solidFill>
-                <a:schemeClr val="tx1"/>
-              </a:solidFill>
-            </a:endParaRPr>
           </a:p>
         </p:txBody>
       </p:sp>
@@ -12871,18 +12200,13 @@
           <a:p>
             <a:pPr algn="ctr"/>
             <a:r>
-              <a:rPr lang="en-US" sz="2400" dirty="0" smtClean="0">
+              <a:rPr lang="en-US" sz="2400" dirty="0">
                 <a:solidFill>
                   <a:schemeClr val="tx1"/>
                 </a:solidFill>
               </a:rPr>
               <a:t>B</a:t>
             </a:r>
-            <a:endParaRPr lang="en-US" sz="2400" dirty="0">
-              <a:solidFill>
-                <a:schemeClr val="tx1"/>
-              </a:solidFill>
-            </a:endParaRPr>
           </a:p>
         </p:txBody>
       </p:sp>
@@ -13007,18 +12331,13 @@
           <a:p>
             <a:pPr algn="ctr"/>
             <a:r>
-              <a:rPr lang="en-US" sz="2400" dirty="0" smtClean="0">
+              <a:rPr lang="en-US" sz="2400" dirty="0">
                 <a:solidFill>
                   <a:schemeClr val="tx1"/>
                 </a:solidFill>
               </a:rPr>
               <a:t>A</a:t>
             </a:r>
-            <a:endParaRPr lang="en-US" sz="2400" dirty="0">
-              <a:solidFill>
-                <a:schemeClr val="tx1"/>
-              </a:solidFill>
-            </a:endParaRPr>
           </a:p>
         </p:txBody>
       </p:sp>
@@ -13104,18 +12423,13 @@
           <a:p>
             <a:pPr algn="ctr"/>
             <a:r>
-              <a:rPr lang="en-US" sz="2400" dirty="0" smtClean="0">
+              <a:rPr lang="en-US" sz="2400" dirty="0">
                 <a:solidFill>
                   <a:schemeClr val="tx1"/>
                 </a:solidFill>
               </a:rPr>
               <a:t>C</a:t>
             </a:r>
-            <a:endParaRPr lang="en-US" sz="2400" dirty="0">
-              <a:solidFill>
-                <a:schemeClr val="tx1"/>
-              </a:solidFill>
-            </a:endParaRPr>
           </a:p>
         </p:txBody>
       </p:sp>
@@ -13201,18 +12515,13 @@
           <a:p>
             <a:pPr algn="ctr"/>
             <a:r>
-              <a:rPr lang="en-US" sz="2400" dirty="0" smtClean="0">
+              <a:rPr lang="en-US" sz="2400" dirty="0">
                 <a:solidFill>
                   <a:schemeClr val="tx1"/>
                 </a:solidFill>
               </a:rPr>
               <a:t>H</a:t>
             </a:r>
-            <a:endParaRPr lang="en-US" sz="2400" dirty="0">
-              <a:solidFill>
-                <a:schemeClr val="tx1"/>
-              </a:solidFill>
-            </a:endParaRPr>
           </a:p>
         </p:txBody>
       </p:sp>
@@ -13259,18 +12568,13 @@
           <a:p>
             <a:pPr algn="ctr"/>
             <a:r>
-              <a:rPr lang="en-US" sz="2400" dirty="0" smtClean="0">
+              <a:rPr lang="en-US" sz="2400" dirty="0">
                 <a:solidFill>
                   <a:schemeClr val="tx1"/>
                 </a:solidFill>
               </a:rPr>
               <a:t>G</a:t>
             </a:r>
-            <a:endParaRPr lang="en-US" sz="2400" dirty="0">
-              <a:solidFill>
-                <a:schemeClr val="tx1"/>
-              </a:solidFill>
-            </a:endParaRPr>
           </a:p>
         </p:txBody>
       </p:sp>
@@ -13356,18 +12660,13 @@
           <a:p>
             <a:pPr algn="ctr"/>
             <a:r>
-              <a:rPr lang="en-US" sz="2400" dirty="0" smtClean="0">
+              <a:rPr lang="en-US" sz="2400" dirty="0">
                 <a:solidFill>
                   <a:schemeClr val="tx1"/>
                 </a:solidFill>
               </a:rPr>
               <a:t>I</a:t>
             </a:r>
-            <a:endParaRPr lang="en-US" sz="2400" dirty="0">
-              <a:solidFill>
-                <a:schemeClr val="tx1"/>
-              </a:solidFill>
-            </a:endParaRPr>
           </a:p>
         </p:txBody>
       </p:sp>
@@ -13453,18 +12752,13 @@
           <a:p>
             <a:pPr algn="ctr"/>
             <a:r>
-              <a:rPr lang="en-US" sz="2400" dirty="0" smtClean="0">
+              <a:rPr lang="en-US" sz="2400" dirty="0">
                 <a:solidFill>
                   <a:schemeClr val="tx1"/>
                 </a:solidFill>
               </a:rPr>
               <a:t>D</a:t>
             </a:r>
-            <a:endParaRPr lang="en-US" sz="2400" dirty="0">
-              <a:solidFill>
-                <a:schemeClr val="tx1"/>
-              </a:solidFill>
-            </a:endParaRPr>
           </a:p>
         </p:txBody>
       </p:sp>
@@ -13550,18 +12844,13 @@
           <a:p>
             <a:pPr algn="ctr"/>
             <a:r>
-              <a:rPr lang="en-US" sz="2400" dirty="0" smtClean="0">
+              <a:rPr lang="en-US" sz="2400" dirty="0">
                 <a:solidFill>
                   <a:schemeClr val="tx1"/>
                 </a:solidFill>
               </a:rPr>
               <a:t>F</a:t>
             </a:r>
-            <a:endParaRPr lang="en-US" sz="2400" dirty="0">
-              <a:solidFill>
-                <a:schemeClr val="tx1"/>
-              </a:solidFill>
-            </a:endParaRPr>
           </a:p>
         </p:txBody>
       </p:sp>
@@ -13627,18 +12916,13 @@
           <a:lstStyle/>
           <a:p>
             <a:r>
-              <a:rPr lang="en-US" dirty="0" smtClean="0">
+              <a:rPr lang="en-US" dirty="0">
                 <a:solidFill>
                   <a:srgbClr val="00B050"/>
                 </a:solidFill>
               </a:rPr>
               <a:t>0</a:t>
             </a:r>
-            <a:endParaRPr lang="en-US" dirty="0">
-              <a:solidFill>
-                <a:srgbClr val="00B050"/>
-              </a:solidFill>
-            </a:endParaRPr>
           </a:p>
         </p:txBody>
       </p:sp>
@@ -13665,18 +12949,13 @@
           <a:lstStyle/>
           <a:p>
             <a:r>
-              <a:rPr lang="en-US" dirty="0" smtClean="0">
+              <a:rPr lang="en-US" dirty="0">
                 <a:solidFill>
                   <a:srgbClr val="00B050"/>
                 </a:solidFill>
               </a:rPr>
               <a:t>0</a:t>
             </a:r>
-            <a:endParaRPr lang="en-US" dirty="0">
-              <a:solidFill>
-                <a:srgbClr val="00B050"/>
-              </a:solidFill>
-            </a:endParaRPr>
           </a:p>
         </p:txBody>
       </p:sp>
@@ -13703,18 +12982,13 @@
           <a:lstStyle/>
           <a:p>
             <a:r>
-              <a:rPr lang="en-US" dirty="0" smtClean="0">
+              <a:rPr lang="en-US" dirty="0">
                 <a:solidFill>
                   <a:srgbClr val="00B050"/>
                 </a:solidFill>
               </a:rPr>
               <a:t>0</a:t>
             </a:r>
-            <a:endParaRPr lang="en-US" dirty="0">
-              <a:solidFill>
-                <a:srgbClr val="00B050"/>
-              </a:solidFill>
-            </a:endParaRPr>
           </a:p>
         </p:txBody>
       </p:sp>
@@ -13741,18 +13015,13 @@
           <a:lstStyle/>
           <a:p>
             <a:r>
-              <a:rPr lang="en-US" dirty="0" smtClean="0">
+              <a:rPr lang="en-US" dirty="0">
                 <a:solidFill>
                   <a:srgbClr val="00B050"/>
                 </a:solidFill>
               </a:rPr>
               <a:t>0</a:t>
             </a:r>
-            <a:endParaRPr lang="en-US" dirty="0">
-              <a:solidFill>
-                <a:srgbClr val="00B050"/>
-              </a:solidFill>
-            </a:endParaRPr>
           </a:p>
         </p:txBody>
       </p:sp>
@@ -13779,18 +13048,13 @@
           <a:lstStyle/>
           <a:p>
             <a:r>
-              <a:rPr lang="en-US" dirty="0" smtClean="0">
+              <a:rPr lang="en-US" dirty="0">
                 <a:solidFill>
                   <a:srgbClr val="00B050"/>
                 </a:solidFill>
               </a:rPr>
               <a:t>0</a:t>
             </a:r>
-            <a:endParaRPr lang="en-US" dirty="0">
-              <a:solidFill>
-                <a:srgbClr val="00B050"/>
-              </a:solidFill>
-            </a:endParaRPr>
           </a:p>
         </p:txBody>
       </p:sp>
@@ -13817,18 +13081,13 @@
           <a:lstStyle/>
           <a:p>
             <a:r>
-              <a:rPr lang="en-US" dirty="0" smtClean="0">
+              <a:rPr lang="en-US" dirty="0">
                 <a:solidFill>
                   <a:srgbClr val="00B050"/>
                 </a:solidFill>
               </a:rPr>
               <a:t>1</a:t>
             </a:r>
-            <a:endParaRPr lang="en-US" dirty="0">
-              <a:solidFill>
-                <a:srgbClr val="00B050"/>
-              </a:solidFill>
-            </a:endParaRPr>
           </a:p>
         </p:txBody>
       </p:sp>
@@ -13855,18 +13114,13 @@
           <a:lstStyle/>
           <a:p>
             <a:r>
-              <a:rPr lang="en-US" dirty="0" smtClean="0">
+              <a:rPr lang="en-US" dirty="0">
                 <a:solidFill>
                   <a:srgbClr val="00B050"/>
                 </a:solidFill>
               </a:rPr>
               <a:t>-1</a:t>
             </a:r>
-            <a:endParaRPr lang="en-US" dirty="0">
-              <a:solidFill>
-                <a:srgbClr val="00B050"/>
-              </a:solidFill>
-            </a:endParaRPr>
           </a:p>
         </p:txBody>
       </p:sp>
@@ -13893,18 +13147,13 @@
           <a:lstStyle/>
           <a:p>
             <a:r>
-              <a:rPr lang="en-US" dirty="0" smtClean="0">
+              <a:rPr lang="en-US" dirty="0">
                 <a:solidFill>
                   <a:srgbClr val="00B050"/>
                 </a:solidFill>
               </a:rPr>
               <a:t>1</a:t>
             </a:r>
-            <a:endParaRPr lang="en-US" dirty="0">
-              <a:solidFill>
-                <a:srgbClr val="00B050"/>
-              </a:solidFill>
-            </a:endParaRPr>
           </a:p>
         </p:txBody>
       </p:sp>
@@ -13931,18 +13180,13 @@
           <a:lstStyle/>
           <a:p>
             <a:r>
-              <a:rPr lang="en-US" dirty="0" smtClean="0">
+              <a:rPr lang="en-US" dirty="0">
                 <a:solidFill>
                   <a:srgbClr val="00B050"/>
                 </a:solidFill>
               </a:rPr>
               <a:t>-1</a:t>
             </a:r>
-            <a:endParaRPr lang="en-US" dirty="0">
-              <a:solidFill>
-                <a:srgbClr val="00B050"/>
-              </a:solidFill>
-            </a:endParaRPr>
           </a:p>
         </p:txBody>
       </p:sp>
@@ -14019,18 +13263,13 @@
           <a:p>
             <a:pPr algn="ctr"/>
             <a:r>
-              <a:rPr lang="en-US" sz="2400" dirty="0" smtClean="0">
+              <a:rPr lang="en-US" sz="2400" dirty="0">
                 <a:solidFill>
                   <a:schemeClr val="tx1"/>
                 </a:solidFill>
               </a:rPr>
               <a:t>8</a:t>
             </a:r>
-            <a:endParaRPr lang="en-US" sz="2400" dirty="0">
-              <a:solidFill>
-                <a:schemeClr val="tx1"/>
-              </a:solidFill>
-            </a:endParaRPr>
           </a:p>
         </p:txBody>
       </p:sp>
@@ -14077,18 +13316,13 @@
           <a:p>
             <a:pPr algn="ctr"/>
             <a:r>
-              <a:rPr lang="en-US" sz="2400" dirty="0" smtClean="0">
+              <a:rPr lang="en-US" sz="2400" dirty="0">
                 <a:solidFill>
                   <a:schemeClr val="tx1"/>
                 </a:solidFill>
               </a:rPr>
               <a:t>3</a:t>
             </a:r>
-            <a:endParaRPr lang="en-US" sz="2400" dirty="0">
-              <a:solidFill>
-                <a:schemeClr val="tx1"/>
-              </a:solidFill>
-            </a:endParaRPr>
           </a:p>
         </p:txBody>
       </p:sp>
@@ -14174,18 +13408,13 @@
           <a:p>
             <a:pPr algn="ctr"/>
             <a:r>
-              <a:rPr lang="en-US" sz="2400" dirty="0" smtClean="0">
+              <a:rPr lang="en-US" sz="2400" dirty="0">
                 <a:solidFill>
                   <a:srgbClr val="FF0000"/>
                 </a:solidFill>
               </a:rPr>
               <a:t>10</a:t>
             </a:r>
-            <a:endParaRPr lang="en-US" sz="2400" dirty="0">
-              <a:solidFill>
-                <a:srgbClr val="FF0000"/>
-              </a:solidFill>
-            </a:endParaRPr>
           </a:p>
         </p:txBody>
       </p:sp>
@@ -14271,18 +13500,13 @@
           <a:p>
             <a:pPr algn="ctr"/>
             <a:r>
-              <a:rPr lang="en-US" sz="2400" dirty="0" smtClean="0">
+              <a:rPr lang="en-US" sz="2400" dirty="0">
                 <a:solidFill>
                   <a:schemeClr val="tx1"/>
                 </a:solidFill>
               </a:rPr>
               <a:t>1</a:t>
             </a:r>
-            <a:endParaRPr lang="en-US" sz="2400" dirty="0">
-              <a:solidFill>
-                <a:schemeClr val="tx1"/>
-              </a:solidFill>
-            </a:endParaRPr>
           </a:p>
         </p:txBody>
       </p:sp>
@@ -14368,18 +13592,13 @@
           <a:p>
             <a:pPr algn="ctr"/>
             <a:r>
-              <a:rPr lang="en-US" sz="2400" dirty="0" smtClean="0">
+              <a:rPr lang="en-US" sz="2400" dirty="0">
                 <a:solidFill>
                   <a:schemeClr val="tx1"/>
                 </a:solidFill>
               </a:rPr>
               <a:t>6</a:t>
             </a:r>
-            <a:endParaRPr lang="en-US" sz="2400" dirty="0">
-              <a:solidFill>
-                <a:schemeClr val="tx1"/>
-              </a:solidFill>
-            </a:endParaRPr>
           </a:p>
         </p:txBody>
       </p:sp>
@@ -14465,18 +13684,13 @@
           <a:p>
             <a:pPr algn="ctr"/>
             <a:r>
-              <a:rPr lang="en-US" sz="2400" dirty="0" smtClean="0">
+              <a:rPr lang="en-US" sz="2400" dirty="0">
                 <a:solidFill>
                   <a:schemeClr val="tx1"/>
                 </a:solidFill>
               </a:rPr>
               <a:t>14</a:t>
             </a:r>
-            <a:endParaRPr lang="en-US" sz="2400" dirty="0">
-              <a:solidFill>
-                <a:schemeClr val="tx1"/>
-              </a:solidFill>
-            </a:endParaRPr>
           </a:p>
         </p:txBody>
       </p:sp>
@@ -14562,18 +13776,13 @@
           <a:p>
             <a:pPr algn="ctr"/>
             <a:r>
-              <a:rPr lang="en-US" sz="2400" dirty="0" smtClean="0">
+              <a:rPr lang="en-US" sz="2400" dirty="0">
                 <a:solidFill>
                   <a:schemeClr val="tx1"/>
                 </a:solidFill>
               </a:rPr>
               <a:t>13</a:t>
             </a:r>
-            <a:endParaRPr lang="en-US" sz="2400" dirty="0">
-              <a:solidFill>
-                <a:schemeClr val="tx1"/>
-              </a:solidFill>
-            </a:endParaRPr>
           </a:p>
         </p:txBody>
       </p:sp>
@@ -14659,18 +13868,13 @@
           <a:p>
             <a:pPr algn="ctr"/>
             <a:r>
-              <a:rPr lang="en-US" sz="2400" dirty="0" smtClean="0">
+              <a:rPr lang="en-US" sz="2400" dirty="0">
                 <a:solidFill>
                   <a:schemeClr val="tx1"/>
                 </a:solidFill>
               </a:rPr>
               <a:t>4</a:t>
             </a:r>
-            <a:endParaRPr lang="en-US" sz="2400" dirty="0">
-              <a:solidFill>
-                <a:schemeClr val="tx1"/>
-              </a:solidFill>
-            </a:endParaRPr>
           </a:p>
         </p:txBody>
       </p:sp>
@@ -14756,18 +13960,13 @@
           <a:p>
             <a:pPr algn="ctr"/>
             <a:r>
-              <a:rPr lang="en-US" sz="2400" dirty="0" smtClean="0">
+              <a:rPr lang="en-US" sz="2400" dirty="0">
                 <a:solidFill>
                   <a:schemeClr val="tx1"/>
                 </a:solidFill>
               </a:rPr>
               <a:t>7</a:t>
             </a:r>
-            <a:endParaRPr lang="en-US" sz="2400" dirty="0">
-              <a:solidFill>
-                <a:schemeClr val="tx1"/>
-              </a:solidFill>
-            </a:endParaRPr>
           </a:p>
         </p:txBody>
       </p:sp>
@@ -14833,18 +14032,13 @@
           <a:lstStyle/>
           <a:p>
             <a:r>
-              <a:rPr lang="en-US" dirty="0" smtClean="0">
+              <a:rPr lang="en-US" dirty="0">
                 <a:solidFill>
                   <a:srgbClr val="00B050"/>
                 </a:solidFill>
               </a:rPr>
               <a:t>0</a:t>
             </a:r>
-            <a:endParaRPr lang="en-US" dirty="0">
-              <a:solidFill>
-                <a:srgbClr val="00B050"/>
-              </a:solidFill>
-            </a:endParaRPr>
           </a:p>
         </p:txBody>
       </p:sp>
@@ -14871,18 +14065,13 @@
           <a:lstStyle/>
           <a:p>
             <a:r>
-              <a:rPr lang="en-US" dirty="0" smtClean="0">
+              <a:rPr lang="en-US" dirty="0">
                 <a:solidFill>
                   <a:srgbClr val="00B050"/>
                 </a:solidFill>
               </a:rPr>
               <a:t>0</a:t>
             </a:r>
-            <a:endParaRPr lang="en-US" dirty="0">
-              <a:solidFill>
-                <a:srgbClr val="00B050"/>
-              </a:solidFill>
-            </a:endParaRPr>
           </a:p>
         </p:txBody>
       </p:sp>
@@ -14909,18 +14098,13 @@
           <a:lstStyle/>
           <a:p>
             <a:r>
-              <a:rPr lang="en-US" dirty="0" smtClean="0">
+              <a:rPr lang="en-US" dirty="0">
                 <a:solidFill>
                   <a:srgbClr val="00B050"/>
                 </a:solidFill>
               </a:rPr>
               <a:t>0</a:t>
             </a:r>
-            <a:endParaRPr lang="en-US" dirty="0">
-              <a:solidFill>
-                <a:srgbClr val="00B050"/>
-              </a:solidFill>
-            </a:endParaRPr>
           </a:p>
         </p:txBody>
       </p:sp>
@@ -14947,18 +14131,13 @@
           <a:lstStyle/>
           <a:p>
             <a:r>
-              <a:rPr lang="en-US" dirty="0" smtClean="0">
+              <a:rPr lang="en-US" dirty="0">
                 <a:solidFill>
                   <a:srgbClr val="00B050"/>
                 </a:solidFill>
               </a:rPr>
               <a:t>-1</a:t>
             </a:r>
-            <a:endParaRPr lang="en-US" dirty="0">
-              <a:solidFill>
-                <a:srgbClr val="00B050"/>
-              </a:solidFill>
-            </a:endParaRPr>
           </a:p>
         </p:txBody>
       </p:sp>
@@ -14985,18 +14164,13 @@
           <a:lstStyle/>
           <a:p>
             <a:r>
-              <a:rPr lang="en-US" dirty="0" smtClean="0">
+              <a:rPr lang="en-US" dirty="0">
                 <a:solidFill>
                   <a:srgbClr val="00B050"/>
                 </a:solidFill>
               </a:rPr>
               <a:t>0</a:t>
             </a:r>
-            <a:endParaRPr lang="en-US" dirty="0">
-              <a:solidFill>
-                <a:srgbClr val="00B050"/>
-              </a:solidFill>
-            </a:endParaRPr>
           </a:p>
         </p:txBody>
       </p:sp>
@@ -15023,18 +14197,13 @@
           <a:lstStyle/>
           <a:p>
             <a:r>
-              <a:rPr lang="en-US" dirty="0" smtClean="0">
+              <a:rPr lang="en-US" dirty="0">
                 <a:solidFill>
                   <a:srgbClr val="00B050"/>
                 </a:solidFill>
               </a:rPr>
               <a:t>0</a:t>
             </a:r>
-            <a:endParaRPr lang="en-US" dirty="0">
-              <a:solidFill>
-                <a:srgbClr val="00B050"/>
-              </a:solidFill>
-            </a:endParaRPr>
           </a:p>
         </p:txBody>
       </p:sp>
@@ -15064,18 +14233,13 @@
           <a:lstStyle/>
           <a:p>
             <a:r>
-              <a:rPr lang="en-US" dirty="0" smtClean="0">
+              <a:rPr lang="en-US" dirty="0">
                 <a:solidFill>
                   <a:srgbClr val="FF0000"/>
                 </a:solidFill>
               </a:rPr>
               <a:t>2</a:t>
             </a:r>
-            <a:endParaRPr lang="en-US" dirty="0">
-              <a:solidFill>
-                <a:srgbClr val="FF0000"/>
-              </a:solidFill>
-            </a:endParaRPr>
           </a:p>
         </p:txBody>
       </p:sp>
@@ -15102,18 +14266,13 @@
           <a:lstStyle/>
           <a:p>
             <a:r>
-              <a:rPr lang="en-US" dirty="0" smtClean="0">
+              <a:rPr lang="en-US" dirty="0">
                 <a:solidFill>
                   <a:srgbClr val="00B050"/>
                 </a:solidFill>
               </a:rPr>
               <a:t>1</a:t>
             </a:r>
-            <a:endParaRPr lang="en-US" dirty="0">
-              <a:solidFill>
-                <a:srgbClr val="00B050"/>
-              </a:solidFill>
-            </a:endParaRPr>
           </a:p>
         </p:txBody>
       </p:sp>
@@ -15140,18 +14299,13 @@
           <a:lstStyle/>
           <a:p>
             <a:r>
-              <a:rPr lang="en-US" dirty="0" smtClean="0">
+              <a:rPr lang="en-US" dirty="0">
                 <a:solidFill>
                   <a:srgbClr val="00B050"/>
                 </a:solidFill>
               </a:rPr>
               <a:t>0</a:t>
             </a:r>
-            <a:endParaRPr lang="en-US" dirty="0">
-              <a:solidFill>
-                <a:srgbClr val="00B050"/>
-              </a:solidFill>
-            </a:endParaRPr>
           </a:p>
         </p:txBody>
       </p:sp>
@@ -15228,18 +14382,13 @@
           <a:p>
             <a:pPr algn="ctr"/>
             <a:r>
-              <a:rPr lang="en-US" sz="2400" dirty="0" smtClean="0">
+              <a:rPr lang="en-US" sz="2400" dirty="0">
                 <a:solidFill>
                   <a:schemeClr val="tx1"/>
                 </a:solidFill>
               </a:rPr>
               <a:t>42</a:t>
             </a:r>
-            <a:endParaRPr lang="en-US" sz="2400" dirty="0">
-              <a:solidFill>
-                <a:schemeClr val="tx1"/>
-              </a:solidFill>
-            </a:endParaRPr>
           </a:p>
         </p:txBody>
       </p:sp>
@@ -15252,7 +14401,7 @@
         <p:spPr>
           <a:xfrm>
             <a:off x="2234667" y="262720"/>
-            <a:ext cx="579549" cy="584775"/>
+            <a:ext cx="843813" cy="584775"/>
           </a:xfrm>
           <a:prstGeom prst="rect">
             <a:avLst/>
@@ -15266,18 +14415,13 @@
           <a:lstStyle/>
           <a:p>
             <a:r>
-              <a:rPr lang="en-US" sz="3200" b="1" dirty="0" smtClean="0">
+              <a:rPr lang="en-US" sz="3200" b="1" dirty="0">
                 <a:solidFill>
                   <a:srgbClr val="00B050"/>
                 </a:solidFill>
               </a:rPr>
               <a:t>A.</a:t>
             </a:r>
-            <a:endParaRPr lang="en-US" sz="3200" b="1" dirty="0">
-              <a:solidFill>
-                <a:srgbClr val="00B050"/>
-              </a:solidFill>
-            </a:endParaRPr>
           </a:p>
         </p:txBody>
       </p:sp>
@@ -15324,18 +14468,13 @@
           <a:p>
             <a:pPr algn="ctr"/>
             <a:r>
-              <a:rPr lang="en-US" sz="2400" dirty="0" smtClean="0">
+              <a:rPr lang="en-US" sz="2400" dirty="0">
                 <a:solidFill>
                   <a:schemeClr val="tx1"/>
                 </a:solidFill>
               </a:rPr>
               <a:t>32</a:t>
             </a:r>
-            <a:endParaRPr lang="en-US" sz="2400" dirty="0">
-              <a:solidFill>
-                <a:schemeClr val="tx1"/>
-              </a:solidFill>
-            </a:endParaRPr>
           </a:p>
         </p:txBody>
       </p:sp>
@@ -15421,18 +14560,13 @@
           <a:p>
             <a:pPr algn="ctr"/>
             <a:r>
-              <a:rPr lang="en-US" sz="2400" dirty="0" smtClean="0">
+              <a:rPr lang="en-US" sz="2400" dirty="0">
                 <a:solidFill>
                   <a:schemeClr val="tx1"/>
                 </a:solidFill>
               </a:rPr>
               <a:t>12</a:t>
             </a:r>
-            <a:endParaRPr lang="en-US" sz="2400" dirty="0">
-              <a:solidFill>
-                <a:schemeClr val="tx1"/>
-              </a:solidFill>
-            </a:endParaRPr>
           </a:p>
         </p:txBody>
       </p:sp>
@@ -15518,18 +14652,13 @@
           <a:p>
             <a:pPr algn="ctr"/>
             <a:r>
-              <a:rPr lang="en-US" sz="2400" dirty="0" smtClean="0">
+              <a:rPr lang="en-US" sz="2400" dirty="0">
                 <a:solidFill>
                   <a:schemeClr val="tx1"/>
                 </a:solidFill>
               </a:rPr>
               <a:t>42</a:t>
             </a:r>
-            <a:endParaRPr lang="en-US" sz="2400" dirty="0">
-              <a:solidFill>
-                <a:schemeClr val="tx1"/>
-              </a:solidFill>
-            </a:endParaRPr>
           </a:p>
         </p:txBody>
       </p:sp>
@@ -15542,7 +14671,7 @@
         <p:spPr>
           <a:xfrm>
             <a:off x="6611338" y="262720"/>
-            <a:ext cx="579549" cy="584775"/>
+            <a:ext cx="759167" cy="584775"/>
           </a:xfrm>
           <a:prstGeom prst="rect">
             <a:avLst/>
@@ -15556,18 +14685,13 @@
           <a:lstStyle/>
           <a:p>
             <a:r>
-              <a:rPr lang="en-US" sz="3200" b="1" dirty="0" smtClean="0">
+              <a:rPr lang="en-US" sz="3200" b="1" dirty="0">
                 <a:solidFill>
                   <a:srgbClr val="00B050"/>
                 </a:solidFill>
               </a:rPr>
               <a:t>B.</a:t>
             </a:r>
-            <a:endParaRPr lang="en-US" sz="3200" b="1" dirty="0">
-              <a:solidFill>
-                <a:srgbClr val="00B050"/>
-              </a:solidFill>
-            </a:endParaRPr>
           </a:p>
         </p:txBody>
       </p:sp>
@@ -15614,18 +14738,13 @@
           <a:p>
             <a:pPr algn="ctr"/>
             <a:r>
-              <a:rPr lang="en-US" sz="2400" dirty="0" smtClean="0">
+              <a:rPr lang="en-US" sz="2400" dirty="0">
                 <a:solidFill>
                   <a:schemeClr val="tx1"/>
                 </a:solidFill>
               </a:rPr>
               <a:t>12</a:t>
             </a:r>
-            <a:endParaRPr lang="en-US" sz="2400" dirty="0">
-              <a:solidFill>
-                <a:schemeClr val="tx1"/>
-              </a:solidFill>
-            </a:endParaRPr>
           </a:p>
         </p:txBody>
       </p:sp>
@@ -15711,18 +14830,13 @@
           <a:p>
             <a:pPr algn="ctr"/>
             <a:r>
-              <a:rPr lang="en-US" sz="2400" dirty="0" smtClean="0">
+              <a:rPr lang="en-US" sz="2400" dirty="0">
                 <a:solidFill>
                   <a:schemeClr val="tx1"/>
                 </a:solidFill>
               </a:rPr>
               <a:t>42</a:t>
             </a:r>
-            <a:endParaRPr lang="en-US" sz="2400" dirty="0">
-              <a:solidFill>
-                <a:schemeClr val="tx1"/>
-              </a:solidFill>
-            </a:endParaRPr>
           </a:p>
         </p:txBody>
       </p:sp>
@@ -15735,7 +14849,7 @@
         <p:spPr>
           <a:xfrm>
             <a:off x="2201473" y="3387999"/>
-            <a:ext cx="579549" cy="584775"/>
+            <a:ext cx="759165" cy="584775"/>
           </a:xfrm>
           <a:prstGeom prst="rect">
             <a:avLst/>
@@ -15749,18 +14863,13 @@
           <a:lstStyle/>
           <a:p>
             <a:r>
-              <a:rPr lang="en-US" sz="3200" b="1" dirty="0" smtClean="0">
+              <a:rPr lang="en-US" sz="3200" b="1" dirty="0">
                 <a:solidFill>
                   <a:srgbClr val="00B050"/>
                 </a:solidFill>
               </a:rPr>
               <a:t>C.</a:t>
             </a:r>
-            <a:endParaRPr lang="en-US" sz="3200" b="1" dirty="0">
-              <a:solidFill>
-                <a:srgbClr val="00B050"/>
-              </a:solidFill>
-            </a:endParaRPr>
           </a:p>
         </p:txBody>
       </p:sp>
@@ -15807,18 +14916,13 @@
           <a:p>
             <a:pPr algn="ctr"/>
             <a:r>
-              <a:rPr lang="en-US" sz="2400" dirty="0" smtClean="0">
+              <a:rPr lang="en-US" sz="2400" dirty="0">
                 <a:solidFill>
                   <a:schemeClr val="tx1"/>
                 </a:solidFill>
               </a:rPr>
               <a:t>12</a:t>
             </a:r>
-            <a:endParaRPr lang="en-US" sz="2400" dirty="0">
-              <a:solidFill>
-                <a:schemeClr val="tx1"/>
-              </a:solidFill>
-            </a:endParaRPr>
           </a:p>
         </p:txBody>
       </p:sp>
@@ -15904,18 +15008,13 @@
           <a:p>
             <a:pPr algn="ctr"/>
             <a:r>
-              <a:rPr lang="en-US" sz="2400" dirty="0" smtClean="0">
+              <a:rPr lang="en-US" sz="2400" dirty="0">
                 <a:solidFill>
                   <a:schemeClr val="tx1"/>
                 </a:solidFill>
               </a:rPr>
               <a:t>65</a:t>
             </a:r>
-            <a:endParaRPr lang="en-US" sz="2400" dirty="0">
-              <a:solidFill>
-                <a:schemeClr val="tx1"/>
-              </a:solidFill>
-            </a:endParaRPr>
           </a:p>
         </p:txBody>
       </p:sp>
@@ -16001,18 +15100,13 @@
           <a:p>
             <a:pPr algn="ctr"/>
             <a:r>
-              <a:rPr lang="en-US" sz="2400" dirty="0" smtClean="0">
+              <a:rPr lang="en-US" sz="2400" dirty="0">
                 <a:solidFill>
                   <a:schemeClr val="tx1"/>
                 </a:solidFill>
               </a:rPr>
               <a:t>30</a:t>
             </a:r>
-            <a:endParaRPr lang="en-US" sz="2400" dirty="0">
-              <a:solidFill>
-                <a:schemeClr val="tx1"/>
-              </a:solidFill>
-            </a:endParaRPr>
           </a:p>
         </p:txBody>
       </p:sp>
@@ -16098,18 +15192,13 @@
           <a:p>
             <a:pPr algn="ctr"/>
             <a:r>
-              <a:rPr lang="en-US" sz="2400" dirty="0" smtClean="0">
+              <a:rPr lang="en-US" sz="2400" dirty="0">
                 <a:solidFill>
                   <a:schemeClr val="tx1"/>
                 </a:solidFill>
               </a:rPr>
               <a:t>50</a:t>
             </a:r>
-            <a:endParaRPr lang="en-US" sz="2400" dirty="0">
-              <a:solidFill>
-                <a:schemeClr val="tx1"/>
-              </a:solidFill>
-            </a:endParaRPr>
           </a:p>
         </p:txBody>
       </p:sp>
@@ -16195,18 +15284,13 @@
           <a:p>
             <a:pPr algn="ctr"/>
             <a:r>
-              <a:rPr lang="en-US" sz="2400" dirty="0" smtClean="0">
+              <a:rPr lang="en-US" sz="2400" dirty="0">
                 <a:solidFill>
                   <a:schemeClr val="tx1"/>
                 </a:solidFill>
               </a:rPr>
               <a:t>42</a:t>
             </a:r>
-            <a:endParaRPr lang="en-US" sz="2400" dirty="0">
-              <a:solidFill>
-                <a:schemeClr val="tx1"/>
-              </a:solidFill>
-            </a:endParaRPr>
           </a:p>
         </p:txBody>
       </p:sp>
@@ -16219,7 +15303,7 @@
         <p:spPr>
           <a:xfrm>
             <a:off x="6611338" y="3387999"/>
-            <a:ext cx="579549" cy="584775"/>
+            <a:ext cx="759166" cy="584775"/>
           </a:xfrm>
           <a:prstGeom prst="rect">
             <a:avLst/>
@@ -16233,18 +15317,13 @@
           <a:lstStyle/>
           <a:p>
             <a:r>
-              <a:rPr lang="en-US" sz="3200" b="1" dirty="0" smtClean="0">
+              <a:rPr lang="en-US" sz="3200" b="1" dirty="0">
                 <a:solidFill>
                   <a:srgbClr val="00B050"/>
                 </a:solidFill>
               </a:rPr>
               <a:t>D.</a:t>
             </a:r>
-            <a:endParaRPr lang="en-US" sz="3200" b="1" dirty="0">
-              <a:solidFill>
-                <a:srgbClr val="00B050"/>
-              </a:solidFill>
-            </a:endParaRPr>
           </a:p>
         </p:txBody>
       </p:sp>
@@ -16291,18 +15370,13 @@
           <a:p>
             <a:pPr algn="ctr"/>
             <a:r>
-              <a:rPr lang="en-US" sz="2400" dirty="0" smtClean="0">
+              <a:rPr lang="en-US" sz="2400" dirty="0">
                 <a:solidFill>
                   <a:schemeClr val="tx1"/>
                 </a:solidFill>
               </a:rPr>
               <a:t>32</a:t>
             </a:r>
-            <a:endParaRPr lang="en-US" sz="2400" dirty="0">
-              <a:solidFill>
-                <a:schemeClr val="tx1"/>
-              </a:solidFill>
-            </a:endParaRPr>
           </a:p>
         </p:txBody>
       </p:sp>
@@ -16388,18 +15462,13 @@
           <a:p>
             <a:pPr algn="ctr"/>
             <a:r>
-              <a:rPr lang="en-US" sz="2400" dirty="0" smtClean="0">
+              <a:rPr lang="en-US" sz="2400" dirty="0">
                 <a:solidFill>
                   <a:schemeClr val="tx1"/>
                 </a:solidFill>
               </a:rPr>
               <a:t>65</a:t>
             </a:r>
-            <a:endParaRPr lang="en-US" sz="2400" dirty="0">
-              <a:solidFill>
-                <a:schemeClr val="tx1"/>
-              </a:solidFill>
-            </a:endParaRPr>
           </a:p>
         </p:txBody>
       </p:sp>
@@ -16485,18 +15554,13 @@
           <a:p>
             <a:pPr algn="ctr"/>
             <a:r>
-              <a:rPr lang="en-US" sz="2400" dirty="0" smtClean="0">
+              <a:rPr lang="en-US" sz="2400" dirty="0">
                 <a:solidFill>
                   <a:schemeClr val="tx1"/>
                 </a:solidFill>
               </a:rPr>
               <a:t>12</a:t>
             </a:r>
-            <a:endParaRPr lang="en-US" sz="2400" dirty="0">
-              <a:solidFill>
-                <a:schemeClr val="tx1"/>
-              </a:solidFill>
-            </a:endParaRPr>
           </a:p>
         </p:txBody>
       </p:sp>
@@ -16582,18 +15646,13 @@
           <a:p>
             <a:pPr algn="ctr"/>
             <a:r>
-              <a:rPr lang="en-US" sz="2400" dirty="0" smtClean="0">
+              <a:rPr lang="en-US" sz="2400" dirty="0">
                 <a:solidFill>
                   <a:schemeClr val="tx1"/>
                 </a:solidFill>
               </a:rPr>
               <a:t>40</a:t>
             </a:r>
-            <a:endParaRPr lang="en-US" sz="2400" dirty="0">
-              <a:solidFill>
-                <a:schemeClr val="tx1"/>
-              </a:solidFill>
-            </a:endParaRPr>
           </a:p>
         </p:txBody>
       </p:sp>
@@ -16709,7 +15768,7 @@
           <a:p>
             <a:pPr algn="ctr"/>
             <a:r>
-              <a:rPr lang="en-US" sz="2400" i="1" dirty="0" smtClean="0">
+              <a:rPr lang="en-US" sz="2400" i="1" dirty="0">
                 <a:solidFill>
                   <a:schemeClr val="tx1"/>
                 </a:solidFill>
@@ -16762,18 +15821,13 @@
           <a:p>
             <a:pPr algn="ctr"/>
             <a:r>
-              <a:rPr lang="en-US" sz="2400" i="1" dirty="0" smtClean="0">
+              <a:rPr lang="en-US" sz="2400" i="1" dirty="0">
                 <a:solidFill>
                   <a:schemeClr val="tx1"/>
                 </a:solidFill>
               </a:rPr>
               <a:t>a</a:t>
             </a:r>
-            <a:endParaRPr lang="en-US" sz="2400" i="1" dirty="0">
-              <a:solidFill>
-                <a:schemeClr val="tx1"/>
-              </a:solidFill>
-            </a:endParaRPr>
           </a:p>
         </p:txBody>
       </p:sp>
@@ -16898,7 +15952,7 @@
           <a:p>
             <a:pPr algn="ctr"/>
             <a:r>
-              <a:rPr lang="en-US" sz="2400" i="1" dirty="0" smtClean="0">
+              <a:rPr lang="en-US" sz="2400" i="1" dirty="0">
                 <a:solidFill>
                   <a:schemeClr val="tx1"/>
                 </a:solidFill>
@@ -16998,7 +16052,7 @@
           <a:p>
             <a:pPr algn="ctr"/>
             <a:r>
-              <a:rPr lang="en-US" sz="2400" i="1" dirty="0" smtClean="0">
+              <a:rPr lang="en-US" sz="2400" i="1" dirty="0">
                 <a:solidFill>
                   <a:schemeClr val="tx1"/>
                 </a:solidFill>
@@ -17098,7 +16152,7 @@
           <a:p>
             <a:pPr algn="ctr"/>
             <a:r>
-              <a:rPr lang="en-US" sz="2400" i="1" dirty="0" smtClean="0">
+              <a:rPr lang="en-US" sz="2400" i="1" dirty="0">
                 <a:solidFill>
                   <a:schemeClr val="tx1"/>
                 </a:solidFill>
@@ -17195,7 +16249,7 @@
           <a:p>
             <a:pPr algn="ctr"/>
             <a:r>
-              <a:rPr lang="en-US" sz="2400" i="1" dirty="0" smtClean="0">
+              <a:rPr lang="en-US" sz="2400" i="1" dirty="0">
                 <a:solidFill>
                   <a:schemeClr val="tx1"/>
                 </a:solidFill>
@@ -17248,18 +16302,13 @@
           <a:p>
             <a:pPr algn="ctr"/>
             <a:r>
-              <a:rPr lang="en-US" sz="2400" i="1" dirty="0" smtClean="0">
+              <a:rPr lang="en-US" sz="2400" i="1" dirty="0">
                 <a:solidFill>
                   <a:schemeClr val="tx1"/>
                 </a:solidFill>
               </a:rPr>
               <a:t>b</a:t>
             </a:r>
-            <a:endParaRPr lang="en-US" sz="2400" i="1" dirty="0">
-              <a:solidFill>
-                <a:schemeClr val="tx1"/>
-              </a:solidFill>
-            </a:endParaRPr>
           </a:p>
         </p:txBody>
       </p:sp>
@@ -17384,7 +16433,7 @@
           <a:p>
             <a:pPr algn="ctr"/>
             <a:r>
-              <a:rPr lang="en-US" sz="2400" i="1" dirty="0" smtClean="0">
+              <a:rPr lang="en-US" sz="2400" i="1" dirty="0">
                 <a:solidFill>
                   <a:schemeClr val="tx1"/>
                 </a:solidFill>
@@ -17484,7 +16533,7 @@
           <a:p>
             <a:pPr algn="ctr"/>
             <a:r>
-              <a:rPr lang="en-US" sz="2400" i="1" dirty="0" smtClean="0">
+              <a:rPr lang="en-US" sz="2400" i="1" dirty="0">
                 <a:solidFill>
                   <a:schemeClr val="tx1"/>
                 </a:solidFill>
@@ -17584,7 +16633,7 @@
           <a:p>
             <a:pPr algn="ctr"/>
             <a:r>
-              <a:rPr lang="en-US" sz="2400" i="1" dirty="0" smtClean="0">
+              <a:rPr lang="en-US" sz="2400" i="1" dirty="0">
                 <a:solidFill>
                   <a:schemeClr val="tx1"/>
                 </a:solidFill>
@@ -17662,18 +16711,13 @@
           <a:p>
             <a:pPr algn="ctr"/>
             <a:r>
-              <a:rPr lang="en-US" sz="3600" dirty="0" smtClean="0">
+              <a:rPr lang="en-US" sz="3600" dirty="0">
                 <a:solidFill>
                   <a:srgbClr val="0070C0"/>
                 </a:solidFill>
               </a:rPr>
               <a:t>Right</a:t>
             </a:r>
-            <a:endParaRPr lang="en-US" sz="3600" dirty="0">
-              <a:solidFill>
-                <a:srgbClr val="0070C0"/>
-              </a:solidFill>
-            </a:endParaRPr>
           </a:p>
         </p:txBody>
       </p:sp>
@@ -17701,18 +16745,13 @@
           <a:p>
             <a:pPr algn="ctr"/>
             <a:r>
-              <a:rPr lang="en-US" sz="3600" dirty="0" smtClean="0">
+              <a:rPr lang="en-US" sz="3600" dirty="0">
                 <a:solidFill>
                   <a:srgbClr val="00B050"/>
                 </a:solidFill>
               </a:rPr>
               <a:t>Left</a:t>
             </a:r>
-            <a:endParaRPr lang="en-US" sz="3600" dirty="0">
-              <a:solidFill>
-                <a:srgbClr val="00B050"/>
-              </a:solidFill>
-            </a:endParaRPr>
           </a:p>
         </p:txBody>
       </p:sp>
@@ -17789,18 +16828,13 @@
           <a:p>
             <a:pPr algn="ctr"/>
             <a:r>
-              <a:rPr lang="en-US" sz="2400" dirty="0" smtClean="0">
+              <a:rPr lang="en-US" sz="2400" dirty="0">
                 <a:solidFill>
                   <a:schemeClr val="tx1"/>
                 </a:solidFill>
               </a:rPr>
               <a:t>C</a:t>
             </a:r>
-            <a:endParaRPr lang="en-US" sz="2400" dirty="0">
-              <a:solidFill>
-                <a:schemeClr val="tx1"/>
-              </a:solidFill>
-            </a:endParaRPr>
           </a:p>
         </p:txBody>
       </p:sp>
@@ -17847,18 +16881,13 @@
           <a:p>
             <a:pPr algn="ctr"/>
             <a:r>
-              <a:rPr lang="en-US" sz="2400" dirty="0" smtClean="0">
+              <a:rPr lang="en-US" sz="2400" dirty="0">
                 <a:solidFill>
                   <a:schemeClr val="tx1"/>
                 </a:solidFill>
               </a:rPr>
               <a:t>B</a:t>
             </a:r>
-            <a:endParaRPr lang="en-US" sz="2400" dirty="0">
-              <a:solidFill>
-                <a:schemeClr val="tx1"/>
-              </a:solidFill>
-            </a:endParaRPr>
           </a:p>
         </p:txBody>
       </p:sp>
@@ -17924,18 +16953,13 @@
           <a:lstStyle/>
           <a:p>
             <a:r>
-              <a:rPr lang="en-US" dirty="0" smtClean="0">
+              <a:rPr lang="en-US" dirty="0">
                 <a:solidFill>
                   <a:srgbClr val="00B050"/>
                 </a:solidFill>
               </a:rPr>
               <a:t>-1</a:t>
             </a:r>
-            <a:endParaRPr lang="en-US" dirty="0">
-              <a:solidFill>
-                <a:srgbClr val="00B050"/>
-              </a:solidFill>
-            </a:endParaRPr>
           </a:p>
         </p:txBody>
       </p:sp>
@@ -17962,18 +16986,13 @@
           <a:lstStyle/>
           <a:p>
             <a:r>
-              <a:rPr lang="en-US" dirty="0" smtClean="0">
+              <a:rPr lang="en-US" dirty="0">
                 <a:solidFill>
                   <a:srgbClr val="00B050"/>
                 </a:solidFill>
               </a:rPr>
               <a:t>0</a:t>
             </a:r>
-            <a:endParaRPr lang="en-US" dirty="0">
-              <a:solidFill>
-                <a:srgbClr val="00B050"/>
-              </a:solidFill>
-            </a:endParaRPr>
           </a:p>
         </p:txBody>
       </p:sp>
@@ -18102,18 +17121,13 @@
           <a:p>
             <a:pPr algn="ctr"/>
             <a:r>
-              <a:rPr lang="en-US" sz="2400" dirty="0" smtClean="0">
+              <a:rPr lang="en-US" sz="2400" dirty="0">
                 <a:solidFill>
                   <a:srgbClr val="FF0000"/>
                 </a:solidFill>
               </a:rPr>
               <a:t>C</a:t>
             </a:r>
-            <a:endParaRPr lang="en-US" sz="2400" dirty="0">
-              <a:solidFill>
-                <a:srgbClr val="FF0000"/>
-              </a:solidFill>
-            </a:endParaRPr>
           </a:p>
         </p:txBody>
       </p:sp>
@@ -18160,18 +17174,13 @@
           <a:p>
             <a:pPr algn="ctr"/>
             <a:r>
-              <a:rPr lang="en-US" sz="2400" dirty="0" smtClean="0">
+              <a:rPr lang="en-US" sz="2400" dirty="0">
                 <a:solidFill>
                   <a:schemeClr val="tx1"/>
                 </a:solidFill>
               </a:rPr>
               <a:t>B</a:t>
             </a:r>
-            <a:endParaRPr lang="en-US" sz="2400" dirty="0">
-              <a:solidFill>
-                <a:schemeClr val="tx1"/>
-              </a:solidFill>
-            </a:endParaRPr>
           </a:p>
         </p:txBody>
       </p:sp>
@@ -18237,18 +17246,13 @@
           <a:lstStyle/>
           <a:p>
             <a:r>
-              <a:rPr lang="en-US" dirty="0" smtClean="0">
+              <a:rPr lang="en-US" dirty="0">
                 <a:solidFill>
                   <a:srgbClr val="FF0000"/>
                 </a:solidFill>
               </a:rPr>
               <a:t>-2</a:t>
             </a:r>
-            <a:endParaRPr lang="en-US" dirty="0">
-              <a:solidFill>
-                <a:srgbClr val="FF0000"/>
-              </a:solidFill>
-            </a:endParaRPr>
           </a:p>
         </p:txBody>
       </p:sp>
@@ -18275,18 +17279,13 @@
           <a:lstStyle/>
           <a:p>
             <a:r>
-              <a:rPr lang="en-US" dirty="0" smtClean="0">
+              <a:rPr lang="en-US" dirty="0">
                 <a:solidFill>
                   <a:srgbClr val="00B050"/>
                 </a:solidFill>
               </a:rPr>
               <a:t>-1</a:t>
             </a:r>
-            <a:endParaRPr lang="en-US" dirty="0">
-              <a:solidFill>
-                <a:srgbClr val="00B050"/>
-              </a:solidFill>
-            </a:endParaRPr>
           </a:p>
         </p:txBody>
       </p:sp>
@@ -18333,18 +17332,13 @@
           <a:p>
             <a:pPr algn="ctr"/>
             <a:r>
-              <a:rPr lang="en-US" sz="2400" dirty="0" smtClean="0">
+              <a:rPr lang="en-US" sz="2400" dirty="0">
                 <a:solidFill>
                   <a:srgbClr val="0070C0"/>
                 </a:solidFill>
               </a:rPr>
               <a:t>A</a:t>
             </a:r>
-            <a:endParaRPr lang="en-US" sz="2400" dirty="0">
-              <a:solidFill>
-                <a:srgbClr val="0070C0"/>
-              </a:solidFill>
-            </a:endParaRPr>
           </a:p>
         </p:txBody>
       </p:sp>
@@ -18410,18 +17404,13 @@
           <a:lstStyle/>
           <a:p>
             <a:r>
-              <a:rPr lang="en-US" dirty="0" smtClean="0">
+              <a:rPr lang="en-US" dirty="0">
                 <a:solidFill>
                   <a:srgbClr val="00B050"/>
                 </a:solidFill>
               </a:rPr>
               <a:t>0</a:t>
             </a:r>
-            <a:endParaRPr lang="en-US" dirty="0">
-              <a:solidFill>
-                <a:srgbClr val="00B050"/>
-              </a:solidFill>
-            </a:endParaRPr>
           </a:p>
         </p:txBody>
       </p:sp>
@@ -18504,18 +17493,13 @@
           <a:p>
             <a:pPr algn="ctr"/>
             <a:r>
-              <a:rPr lang="en-US" sz="2400" dirty="0" smtClean="0">
+              <a:rPr lang="en-US" sz="2400" dirty="0">
                 <a:solidFill>
                   <a:schemeClr val="tx1"/>
                 </a:solidFill>
               </a:rPr>
               <a:t>B</a:t>
             </a:r>
-            <a:endParaRPr lang="en-US" sz="2400" dirty="0">
-              <a:solidFill>
-                <a:schemeClr val="tx1"/>
-              </a:solidFill>
-            </a:endParaRPr>
           </a:p>
         </p:txBody>
       </p:sp>
@@ -18562,18 +17546,13 @@
           <a:p>
             <a:pPr algn="ctr"/>
             <a:r>
-              <a:rPr lang="en-US" sz="2400" dirty="0" smtClean="0">
+              <a:rPr lang="en-US" sz="2400" dirty="0">
                 <a:solidFill>
                   <a:schemeClr val="tx1"/>
                 </a:solidFill>
               </a:rPr>
               <a:t>A</a:t>
             </a:r>
-            <a:endParaRPr lang="en-US" sz="2400" dirty="0">
-              <a:solidFill>
-                <a:schemeClr val="tx1"/>
-              </a:solidFill>
-            </a:endParaRPr>
           </a:p>
         </p:txBody>
       </p:sp>
@@ -18636,18 +17615,13 @@
           <a:lstStyle/>
           <a:p>
             <a:r>
-              <a:rPr lang="en-US" dirty="0" smtClean="0">
+              <a:rPr lang="en-US" dirty="0">
                 <a:solidFill>
                   <a:srgbClr val="00B050"/>
                 </a:solidFill>
               </a:rPr>
               <a:t>0</a:t>
             </a:r>
-            <a:endParaRPr lang="en-US" dirty="0">
-              <a:solidFill>
-                <a:srgbClr val="00B050"/>
-              </a:solidFill>
-            </a:endParaRPr>
           </a:p>
         </p:txBody>
       </p:sp>
@@ -18674,18 +17648,13 @@
           <a:lstStyle/>
           <a:p>
             <a:r>
-              <a:rPr lang="en-US" dirty="0" smtClean="0">
+              <a:rPr lang="en-US" dirty="0">
                 <a:solidFill>
                   <a:srgbClr val="00B050"/>
                 </a:solidFill>
               </a:rPr>
               <a:t>0</a:t>
             </a:r>
-            <a:endParaRPr lang="en-US" dirty="0">
-              <a:solidFill>
-                <a:srgbClr val="00B050"/>
-              </a:solidFill>
-            </a:endParaRPr>
           </a:p>
         </p:txBody>
       </p:sp>
@@ -18732,18 +17701,13 @@
           <a:p>
             <a:pPr algn="ctr"/>
             <a:r>
-              <a:rPr lang="en-US" sz="2400" dirty="0" smtClean="0">
+              <a:rPr lang="en-US" sz="2400" dirty="0">
                 <a:solidFill>
                   <a:schemeClr val="tx1"/>
                 </a:solidFill>
               </a:rPr>
               <a:t>C</a:t>
             </a:r>
-            <a:endParaRPr lang="en-US" sz="2400" dirty="0">
-              <a:solidFill>
-                <a:schemeClr val="tx1"/>
-              </a:solidFill>
-            </a:endParaRPr>
           </a:p>
         </p:txBody>
       </p:sp>
@@ -18809,18 +17773,13 @@
           <a:lstStyle/>
           <a:p>
             <a:r>
-              <a:rPr lang="en-US" dirty="0" smtClean="0">
+              <a:rPr lang="en-US" dirty="0">
                 <a:solidFill>
                   <a:srgbClr val="00B050"/>
                 </a:solidFill>
               </a:rPr>
               <a:t>0</a:t>
             </a:r>
-            <a:endParaRPr lang="en-US" dirty="0">
-              <a:solidFill>
-                <a:srgbClr val="00B050"/>
-              </a:solidFill>
-            </a:endParaRPr>
           </a:p>
         </p:txBody>
       </p:sp>
@@ -18897,18 +17856,13 @@
           <a:p>
             <a:pPr algn="ctr"/>
             <a:r>
-              <a:rPr lang="en-US" sz="2400" dirty="0" smtClean="0">
+              <a:rPr lang="en-US" sz="2400" dirty="0">
                 <a:solidFill>
                   <a:schemeClr val="tx1"/>
                 </a:solidFill>
               </a:rPr>
               <a:t>C</a:t>
             </a:r>
-            <a:endParaRPr lang="en-US" sz="2400" dirty="0">
-              <a:solidFill>
-                <a:schemeClr val="tx1"/>
-              </a:solidFill>
-            </a:endParaRPr>
           </a:p>
         </p:txBody>
       </p:sp>
@@ -18955,18 +17909,13 @@
           <a:p>
             <a:pPr algn="ctr"/>
             <a:r>
-              <a:rPr lang="en-US" sz="2400" dirty="0" smtClean="0">
+              <a:rPr lang="en-US" sz="2400" dirty="0">
                 <a:solidFill>
                   <a:schemeClr val="tx1"/>
                 </a:solidFill>
               </a:rPr>
               <a:t>B</a:t>
             </a:r>
-            <a:endParaRPr lang="en-US" sz="2400" dirty="0">
-              <a:solidFill>
-                <a:schemeClr val="tx1"/>
-              </a:solidFill>
-            </a:endParaRPr>
           </a:p>
         </p:txBody>
       </p:sp>
@@ -19032,18 +17981,13 @@
           <a:lstStyle/>
           <a:p>
             <a:r>
-              <a:rPr lang="en-US" dirty="0" smtClean="0">
+              <a:rPr lang="en-US" dirty="0">
                 <a:solidFill>
                   <a:srgbClr val="00B050"/>
                 </a:solidFill>
               </a:rPr>
               <a:t>-1</a:t>
             </a:r>
-            <a:endParaRPr lang="en-US" dirty="0">
-              <a:solidFill>
-                <a:srgbClr val="00B050"/>
-              </a:solidFill>
-            </a:endParaRPr>
           </a:p>
         </p:txBody>
       </p:sp>
@@ -19070,18 +18014,13 @@
           <a:lstStyle/>
           <a:p>
             <a:r>
-              <a:rPr lang="en-US" dirty="0" smtClean="0">
+              <a:rPr lang="en-US" dirty="0">
                 <a:solidFill>
                   <a:srgbClr val="00B050"/>
                 </a:solidFill>
               </a:rPr>
               <a:t>-1</a:t>
             </a:r>
-            <a:endParaRPr lang="en-US" dirty="0">
-              <a:solidFill>
-                <a:srgbClr val="00B050"/>
-              </a:solidFill>
-            </a:endParaRPr>
           </a:p>
         </p:txBody>
       </p:sp>
@@ -19210,18 +18149,13 @@
           <a:p>
             <a:pPr algn="ctr"/>
             <a:r>
-              <a:rPr lang="en-US" sz="2400" dirty="0" smtClean="0">
+              <a:rPr lang="en-US" sz="2400" dirty="0">
                 <a:solidFill>
                   <a:srgbClr val="FF0000"/>
                 </a:solidFill>
               </a:rPr>
               <a:t>C</a:t>
             </a:r>
-            <a:endParaRPr lang="en-US" sz="2400" dirty="0">
-              <a:solidFill>
-                <a:srgbClr val="FF0000"/>
-              </a:solidFill>
-            </a:endParaRPr>
           </a:p>
         </p:txBody>
       </p:sp>
@@ -19268,18 +18202,13 @@
           <a:p>
             <a:pPr algn="ctr"/>
             <a:r>
-              <a:rPr lang="en-US" sz="2400" dirty="0" smtClean="0">
+              <a:rPr lang="en-US" sz="2400" dirty="0">
                 <a:solidFill>
                   <a:schemeClr val="tx1"/>
                 </a:solidFill>
               </a:rPr>
               <a:t>B</a:t>
             </a:r>
-            <a:endParaRPr lang="en-US" sz="2400" dirty="0">
-              <a:solidFill>
-                <a:schemeClr val="tx1"/>
-              </a:solidFill>
-            </a:endParaRPr>
           </a:p>
         </p:txBody>
       </p:sp>
@@ -19345,18 +18274,13 @@
           <a:lstStyle/>
           <a:p>
             <a:r>
-              <a:rPr lang="en-US" dirty="0" smtClean="0">
+              <a:rPr lang="en-US" dirty="0">
                 <a:solidFill>
                   <a:srgbClr val="FF0000"/>
                 </a:solidFill>
               </a:rPr>
               <a:t>-2</a:t>
             </a:r>
-            <a:endParaRPr lang="en-US" dirty="0">
-              <a:solidFill>
-                <a:srgbClr val="FF0000"/>
-              </a:solidFill>
-            </a:endParaRPr>
           </a:p>
         </p:txBody>
       </p:sp>
@@ -19383,18 +18307,13 @@
           <a:lstStyle/>
           <a:p>
             <a:r>
-              <a:rPr lang="en-US" dirty="0" smtClean="0">
+              <a:rPr lang="en-US" dirty="0">
                 <a:solidFill>
                   <a:srgbClr val="00B050"/>
                 </a:solidFill>
               </a:rPr>
               <a:t>-1</a:t>
             </a:r>
-            <a:endParaRPr lang="en-US" dirty="0">
-              <a:solidFill>
-                <a:srgbClr val="00B050"/>
-              </a:solidFill>
-            </a:endParaRPr>
           </a:p>
         </p:txBody>
       </p:sp>
@@ -19441,18 +18360,13 @@
           <a:p>
             <a:pPr algn="ctr"/>
             <a:r>
-              <a:rPr lang="en-US" sz="2400" dirty="0" smtClean="0">
+              <a:rPr lang="en-US" sz="2400" dirty="0">
                 <a:solidFill>
                   <a:srgbClr val="0070C0"/>
                 </a:solidFill>
               </a:rPr>
               <a:t>A</a:t>
             </a:r>
-            <a:endParaRPr lang="en-US" sz="2400" dirty="0">
-              <a:solidFill>
-                <a:srgbClr val="0070C0"/>
-              </a:solidFill>
-            </a:endParaRPr>
           </a:p>
         </p:txBody>
       </p:sp>
@@ -19518,18 +18432,13 @@
           <a:lstStyle/>
           <a:p>
             <a:r>
-              <a:rPr lang="en-US" dirty="0" smtClean="0">
+              <a:rPr lang="en-US" dirty="0">
                 <a:solidFill>
                   <a:srgbClr val="00B050"/>
                 </a:solidFill>
               </a:rPr>
               <a:t>0</a:t>
             </a:r>
-            <a:endParaRPr lang="en-US" dirty="0">
-              <a:solidFill>
-                <a:srgbClr val="00B050"/>
-              </a:solidFill>
-            </a:endParaRPr>
           </a:p>
         </p:txBody>
       </p:sp>
@@ -19612,18 +18521,13 @@
           <a:p>
             <a:pPr algn="ctr"/>
             <a:r>
-              <a:rPr lang="en-US" sz="2400" dirty="0" smtClean="0">
+              <a:rPr lang="en-US" sz="2400" dirty="0">
                 <a:solidFill>
                   <a:schemeClr val="tx1"/>
                 </a:solidFill>
               </a:rPr>
               <a:t>B</a:t>
             </a:r>
-            <a:endParaRPr lang="en-US" sz="2400" dirty="0">
-              <a:solidFill>
-                <a:schemeClr val="tx1"/>
-              </a:solidFill>
-            </a:endParaRPr>
           </a:p>
         </p:txBody>
       </p:sp>
@@ -19670,18 +18574,13 @@
           <a:p>
             <a:pPr algn="ctr"/>
             <a:r>
-              <a:rPr lang="en-US" sz="2400" dirty="0" smtClean="0">
+              <a:rPr lang="en-US" sz="2400" dirty="0">
                 <a:solidFill>
                   <a:schemeClr val="tx1"/>
                 </a:solidFill>
               </a:rPr>
               <a:t>A</a:t>
             </a:r>
-            <a:endParaRPr lang="en-US" sz="2400" dirty="0">
-              <a:solidFill>
-                <a:schemeClr val="tx1"/>
-              </a:solidFill>
-            </a:endParaRPr>
           </a:p>
         </p:txBody>
       </p:sp>
@@ -19744,18 +18643,13 @@
           <a:lstStyle/>
           <a:p>
             <a:r>
-              <a:rPr lang="en-US" dirty="0" smtClean="0">
+              <a:rPr lang="en-US" dirty="0">
                 <a:solidFill>
                   <a:srgbClr val="00B050"/>
                 </a:solidFill>
               </a:rPr>
               <a:t>0</a:t>
             </a:r>
-            <a:endParaRPr lang="en-US" dirty="0">
-              <a:solidFill>
-                <a:srgbClr val="00B050"/>
-              </a:solidFill>
-            </a:endParaRPr>
           </a:p>
         </p:txBody>
       </p:sp>
@@ -19782,18 +18676,13 @@
           <a:lstStyle/>
           <a:p>
             <a:r>
-              <a:rPr lang="en-US" dirty="0" smtClean="0">
+              <a:rPr lang="en-US" dirty="0">
                 <a:solidFill>
                   <a:srgbClr val="00B050"/>
                 </a:solidFill>
               </a:rPr>
               <a:t>0</a:t>
             </a:r>
-            <a:endParaRPr lang="en-US" dirty="0">
-              <a:solidFill>
-                <a:srgbClr val="00B050"/>
-              </a:solidFill>
-            </a:endParaRPr>
           </a:p>
         </p:txBody>
       </p:sp>
@@ -19840,18 +18729,13 @@
           <a:p>
             <a:pPr algn="ctr"/>
             <a:r>
-              <a:rPr lang="en-US" sz="2400" dirty="0" smtClean="0">
+              <a:rPr lang="en-US" sz="2400" dirty="0">
                 <a:solidFill>
                   <a:schemeClr val="tx1"/>
                 </a:solidFill>
               </a:rPr>
               <a:t>C</a:t>
             </a:r>
-            <a:endParaRPr lang="en-US" sz="2400" dirty="0">
-              <a:solidFill>
-                <a:schemeClr val="tx1"/>
-              </a:solidFill>
-            </a:endParaRPr>
           </a:p>
         </p:txBody>
       </p:sp>
@@ -19917,18 +18801,13 @@
           <a:lstStyle/>
           <a:p>
             <a:r>
-              <a:rPr lang="en-US" dirty="0" smtClean="0">
+              <a:rPr lang="en-US" dirty="0">
                 <a:solidFill>
                   <a:srgbClr val="00B050"/>
                 </a:solidFill>
               </a:rPr>
               <a:t>0</a:t>
             </a:r>
-            <a:endParaRPr lang="en-US" dirty="0">
-              <a:solidFill>
-                <a:srgbClr val="00B050"/>
-              </a:solidFill>
-            </a:endParaRPr>
           </a:p>
         </p:txBody>
       </p:sp>
@@ -19975,18 +18854,13 @@
           <a:p>
             <a:pPr algn="ctr"/>
             <a:r>
-              <a:rPr lang="en-US" sz="2400" dirty="0" smtClean="0">
+              <a:rPr lang="en-US" sz="2400" dirty="0">
                 <a:solidFill>
                   <a:schemeClr val="tx1"/>
                 </a:solidFill>
               </a:rPr>
               <a:t>D</a:t>
             </a:r>
-            <a:endParaRPr lang="en-US" sz="2400" dirty="0">
-              <a:solidFill>
-                <a:schemeClr val="tx1"/>
-              </a:solidFill>
-            </a:endParaRPr>
           </a:p>
         </p:txBody>
       </p:sp>
@@ -20051,18 +18925,13 @@
           <a:lstStyle/>
           <a:p>
             <a:r>
-              <a:rPr lang="en-US" dirty="0" smtClean="0">
+              <a:rPr lang="en-US" dirty="0">
                 <a:solidFill>
                   <a:srgbClr val="00B050"/>
                 </a:solidFill>
               </a:rPr>
               <a:t>0</a:t>
             </a:r>
-            <a:endParaRPr lang="en-US" dirty="0">
-              <a:solidFill>
-                <a:srgbClr val="00B050"/>
-              </a:solidFill>
-            </a:endParaRPr>
           </a:p>
         </p:txBody>
       </p:sp>
@@ -20109,18 +18978,13 @@
           <a:p>
             <a:pPr algn="ctr"/>
             <a:r>
-              <a:rPr lang="en-US" sz="2400" dirty="0" smtClean="0">
+              <a:rPr lang="en-US" sz="2400" dirty="0">
                 <a:solidFill>
                   <a:schemeClr val="tx1"/>
                 </a:solidFill>
               </a:rPr>
               <a:t>A</a:t>
             </a:r>
-            <a:endParaRPr lang="en-US" sz="2400" dirty="0">
-              <a:solidFill>
-                <a:schemeClr val="tx1"/>
-              </a:solidFill>
-            </a:endParaRPr>
           </a:p>
         </p:txBody>
       </p:sp>
@@ -20185,18 +19049,13 @@
           <a:lstStyle/>
           <a:p>
             <a:r>
-              <a:rPr lang="en-US" dirty="0" smtClean="0">
+              <a:rPr lang="en-US" dirty="0">
                 <a:solidFill>
                   <a:srgbClr val="00B050"/>
                 </a:solidFill>
               </a:rPr>
               <a:t>0</a:t>
             </a:r>
-            <a:endParaRPr lang="en-US" dirty="0">
-              <a:solidFill>
-                <a:srgbClr val="00B050"/>
-              </a:solidFill>
-            </a:endParaRPr>
           </a:p>
         </p:txBody>
       </p:sp>
@@ -20273,18 +19132,13 @@
           <a:p>
             <a:pPr algn="ctr"/>
             <a:r>
-              <a:rPr lang="en-US" sz="2400" dirty="0" smtClean="0">
+              <a:rPr lang="en-US" sz="2400" dirty="0">
                 <a:solidFill>
                   <a:schemeClr val="tx1"/>
                 </a:solidFill>
               </a:rPr>
               <a:t>5</a:t>
             </a:r>
-            <a:endParaRPr lang="en-US" sz="2400" dirty="0">
-              <a:solidFill>
-                <a:schemeClr val="tx1"/>
-              </a:solidFill>
-            </a:endParaRPr>
           </a:p>
         </p:txBody>
       </p:sp>
@@ -20331,18 +19185,13 @@
           <a:p>
             <a:pPr algn="ctr"/>
             <a:r>
-              <a:rPr lang="en-US" sz="2400" dirty="0" smtClean="0">
+              <a:rPr lang="en-US" sz="2400" dirty="0">
                 <a:solidFill>
                   <a:schemeClr val="tx1"/>
                 </a:solidFill>
               </a:rPr>
               <a:t>1</a:t>
             </a:r>
-            <a:endParaRPr lang="en-US" sz="2400" dirty="0">
-              <a:solidFill>
-                <a:schemeClr val="tx1"/>
-              </a:solidFill>
-            </a:endParaRPr>
           </a:p>
         </p:txBody>
       </p:sp>
@@ -20467,18 +19316,13 @@
           <a:p>
             <a:pPr algn="ctr"/>
             <a:r>
-              <a:rPr lang="en-US" sz="2400" dirty="0" smtClean="0">
+              <a:rPr lang="en-US" sz="2400" dirty="0">
                 <a:solidFill>
                   <a:schemeClr val="tx1"/>
                 </a:solidFill>
               </a:rPr>
               <a:t>10</a:t>
             </a:r>
-            <a:endParaRPr lang="en-US" sz="2400" dirty="0">
-              <a:solidFill>
-                <a:schemeClr val="tx1"/>
-              </a:solidFill>
-            </a:endParaRPr>
           </a:p>
         </p:txBody>
       </p:sp>
@@ -20525,18 +19369,13 @@
           <a:p>
             <a:pPr algn="ctr"/>
             <a:r>
-              <a:rPr lang="en-US" sz="2400" dirty="0" smtClean="0">
+              <a:rPr lang="en-US" sz="2400" dirty="0">
                 <a:solidFill>
                   <a:schemeClr val="tx1"/>
                 </a:solidFill>
               </a:rPr>
               <a:t>7</a:t>
             </a:r>
-            <a:endParaRPr lang="en-US" sz="2400" dirty="0">
-              <a:solidFill>
-                <a:schemeClr val="tx1"/>
-              </a:solidFill>
-            </a:endParaRPr>
           </a:p>
         </p:txBody>
       </p:sp>
@@ -20622,18 +19461,13 @@
           <a:p>
             <a:pPr algn="ctr"/>
             <a:r>
-              <a:rPr lang="en-US" sz="2400" dirty="0" smtClean="0">
+              <a:rPr lang="en-US" sz="2400" dirty="0">
                 <a:solidFill>
                   <a:schemeClr val="tx1"/>
                 </a:solidFill>
               </a:rPr>
               <a:t>15</a:t>
             </a:r>
-            <a:endParaRPr lang="en-US" sz="2400" dirty="0">
-              <a:solidFill>
-                <a:schemeClr val="tx1"/>
-              </a:solidFill>
-            </a:endParaRPr>
           </a:p>
         </p:txBody>
       </p:sp>
@@ -20699,7 +19533,73 @@
           <a:lstStyle/>
           <a:p>
             <a:r>
-              <a:rPr lang="en-US" dirty="0" smtClean="0">
+              <a:rPr lang="en-US" dirty="0">
+                <a:solidFill>
+                  <a:srgbClr val="00B050"/>
+                </a:solidFill>
+              </a:rPr>
+              <a:t>0</a:t>
+            </a:r>
+          </a:p>
+        </p:txBody>
+      </p:sp>
+      <p:sp>
+        <p:nvSpPr>
+          <p:cNvPr id="29" name="TextBox 28"/>
+          <p:cNvSpPr txBox="1"/>
+          <p:nvPr/>
+        </p:nvSpPr>
+        <p:spPr>
+          <a:xfrm>
+            <a:off x="5815149" y="2219426"/>
+            <a:ext cx="301686" cy="369332"/>
+          </a:xfrm>
+          <a:prstGeom prst="rect">
+            <a:avLst/>
+          </a:prstGeom>
+          <a:noFill/>
+        </p:spPr>
+        <p:txBody>
+          <a:bodyPr wrap="none" rtlCol="0">
+            <a:spAutoFit/>
+          </a:bodyPr>
+          <a:lstStyle/>
+          <a:p>
+            <a:r>
+              <a:rPr lang="en-US" dirty="0">
+                <a:solidFill>
+                  <a:srgbClr val="00B050"/>
+                </a:solidFill>
+              </a:rPr>
+              <a:t>1</a:t>
+            </a:r>
+          </a:p>
+        </p:txBody>
+      </p:sp>
+      <p:sp>
+        <p:nvSpPr>
+          <p:cNvPr id="31" name="TextBox 30"/>
+          <p:cNvSpPr txBox="1"/>
+          <p:nvPr/>
+        </p:nvSpPr>
+        <p:spPr>
+          <a:xfrm>
+            <a:off x="7184978" y="4394638"/>
+            <a:ext cx="301686" cy="369332"/>
+          </a:xfrm>
+          <a:prstGeom prst="rect">
+            <a:avLst/>
+          </a:prstGeom>
+          <a:noFill/>
+        </p:spPr>
+        <p:txBody>
+          <a:bodyPr wrap="none" rtlCol="0">
+            <a:spAutoFit/>
+          </a:bodyPr>
+          <a:lstStyle/>
+          <a:p>
+            <a:r>
+              <a:rPr lang="en-US">
                 <a:solidFill>
                   <a:srgbClr val="00B050"/>
                 </a:solidFill>
@@ -20716,13 +19616,13 @@
       </p:sp>
       <p:sp>
         <p:nvSpPr>
-          <p:cNvPr id="29" name="TextBox 28"/>
+          <p:cNvPr id="32" name="TextBox 31"/>
           <p:cNvSpPr txBox="1"/>
           <p:nvPr/>
         </p:nvSpPr>
         <p:spPr>
           <a:xfrm>
-            <a:off x="5815149" y="2219426"/>
+            <a:off x="4018772" y="3253279"/>
             <a:ext cx="301686" cy="369332"/>
           </a:xfrm>
           <a:prstGeom prst="rect">
@@ -20737,30 +19637,25 @@
           <a:lstStyle/>
           <a:p>
             <a:r>
-              <a:rPr lang="en-US" dirty="0" smtClean="0">
+              <a:rPr lang="en-US" dirty="0">
                 <a:solidFill>
                   <a:srgbClr val="00B050"/>
                 </a:solidFill>
               </a:rPr>
-              <a:t>1</a:t>
-            </a:r>
-            <a:endParaRPr lang="en-US" dirty="0">
-              <a:solidFill>
-                <a:srgbClr val="00B050"/>
-              </a:solidFill>
-            </a:endParaRPr>
-          </a:p>
-        </p:txBody>
-      </p:sp>
-      <p:sp>
-        <p:nvSpPr>
-          <p:cNvPr id="31" name="TextBox 30"/>
+              <a:t>0</a:t>
+            </a:r>
+          </a:p>
+        </p:txBody>
+      </p:sp>
+      <p:sp>
+        <p:nvSpPr>
+          <p:cNvPr id="33" name="TextBox 32"/>
           <p:cNvSpPr txBox="1"/>
           <p:nvPr/>
         </p:nvSpPr>
         <p:spPr>
           <a:xfrm>
-            <a:off x="7184978" y="4394638"/>
+            <a:off x="7781110" y="3272244"/>
             <a:ext cx="301686" cy="369332"/>
           </a:xfrm>
           <a:prstGeom prst="rect">
@@ -20775,94 +19670,13 @@
           <a:lstStyle/>
           <a:p>
             <a:r>
-              <a:rPr lang="en-US" smtClean="0">
+              <a:rPr lang="en-US" dirty="0">
                 <a:solidFill>
                   <a:srgbClr val="00B050"/>
                 </a:solidFill>
               </a:rPr>
               <a:t>0</a:t>
             </a:r>
-            <a:endParaRPr lang="en-US" dirty="0">
-              <a:solidFill>
-                <a:srgbClr val="00B050"/>
-              </a:solidFill>
-            </a:endParaRPr>
-          </a:p>
-        </p:txBody>
-      </p:sp>
-      <p:sp>
-        <p:nvSpPr>
-          <p:cNvPr id="32" name="TextBox 31"/>
-          <p:cNvSpPr txBox="1"/>
-          <p:nvPr/>
-        </p:nvSpPr>
-        <p:spPr>
-          <a:xfrm>
-            <a:off x="4018772" y="3253279"/>
-            <a:ext cx="301686" cy="369332"/>
-          </a:xfrm>
-          <a:prstGeom prst="rect">
-            <a:avLst/>
-          </a:prstGeom>
-          <a:noFill/>
-        </p:spPr>
-        <p:txBody>
-          <a:bodyPr wrap="none" rtlCol="0">
-            <a:spAutoFit/>
-          </a:bodyPr>
-          <a:lstStyle/>
-          <a:p>
-            <a:r>
-              <a:rPr lang="en-US" dirty="0" smtClean="0">
-                <a:solidFill>
-                  <a:srgbClr val="00B050"/>
-                </a:solidFill>
-              </a:rPr>
-              <a:t>0</a:t>
-            </a:r>
-            <a:endParaRPr lang="en-US" dirty="0">
-              <a:solidFill>
-                <a:srgbClr val="00B050"/>
-              </a:solidFill>
-            </a:endParaRPr>
-          </a:p>
-        </p:txBody>
-      </p:sp>
-      <p:sp>
-        <p:nvSpPr>
-          <p:cNvPr id="33" name="TextBox 32"/>
-          <p:cNvSpPr txBox="1"/>
-          <p:nvPr/>
-        </p:nvSpPr>
-        <p:spPr>
-          <a:xfrm>
-            <a:off x="7781110" y="3272244"/>
-            <a:ext cx="301686" cy="369332"/>
-          </a:xfrm>
-          <a:prstGeom prst="rect">
-            <a:avLst/>
-          </a:prstGeom>
-          <a:noFill/>
-        </p:spPr>
-        <p:txBody>
-          <a:bodyPr wrap="none" rtlCol="0">
-            <a:spAutoFit/>
-          </a:bodyPr>
-          <a:lstStyle/>
-          <a:p>
-            <a:r>
-              <a:rPr lang="en-US" dirty="0" smtClean="0">
-                <a:solidFill>
-                  <a:srgbClr val="00B050"/>
-                </a:solidFill>
-              </a:rPr>
-              <a:t>0</a:t>
-            </a:r>
-            <a:endParaRPr lang="en-US" dirty="0">
-              <a:solidFill>
-                <a:srgbClr val="00B050"/>
-              </a:solidFill>
-            </a:endParaRPr>
           </a:p>
         </p:txBody>
       </p:sp>
@@ -20939,18 +19753,13 @@
           <a:p>
             <a:pPr algn="ctr"/>
             <a:r>
-              <a:rPr lang="en-US" sz="2400" dirty="0" smtClean="0">
+              <a:rPr lang="en-US" sz="2400" dirty="0">
                 <a:solidFill>
                   <a:schemeClr val="tx1"/>
                 </a:solidFill>
               </a:rPr>
               <a:t>5</a:t>
             </a:r>
-            <a:endParaRPr lang="en-US" sz="2400" dirty="0">
-              <a:solidFill>
-                <a:schemeClr val="tx1"/>
-              </a:solidFill>
-            </a:endParaRPr>
           </a:p>
         </p:txBody>
       </p:sp>
@@ -20997,18 +19806,13 @@
           <a:p>
             <a:pPr algn="ctr"/>
             <a:r>
-              <a:rPr lang="en-US" sz="2400" dirty="0" smtClean="0">
+              <a:rPr lang="en-US" sz="2400" dirty="0">
                 <a:solidFill>
                   <a:schemeClr val="tx1"/>
                 </a:solidFill>
               </a:rPr>
               <a:t>1</a:t>
             </a:r>
-            <a:endParaRPr lang="en-US" sz="2400" dirty="0">
-              <a:solidFill>
-                <a:schemeClr val="tx1"/>
-              </a:solidFill>
-            </a:endParaRPr>
           </a:p>
         </p:txBody>
       </p:sp>
@@ -21133,18 +19937,13 @@
           <a:p>
             <a:pPr algn="ctr"/>
             <a:r>
-              <a:rPr lang="en-US" sz="2400" dirty="0" smtClean="0">
+              <a:rPr lang="en-US" sz="2400" dirty="0">
                 <a:solidFill>
                   <a:schemeClr val="tx1"/>
                 </a:solidFill>
               </a:rPr>
               <a:t>10</a:t>
             </a:r>
-            <a:endParaRPr lang="en-US" sz="2400" dirty="0">
-              <a:solidFill>
-                <a:schemeClr val="tx1"/>
-              </a:solidFill>
-            </a:endParaRPr>
           </a:p>
         </p:txBody>
       </p:sp>
@@ -21191,18 +19990,13 @@
           <a:p>
             <a:pPr algn="ctr"/>
             <a:r>
-              <a:rPr lang="en-US" sz="2400" dirty="0" smtClean="0">
+              <a:rPr lang="en-US" sz="2400" dirty="0">
                 <a:solidFill>
                   <a:schemeClr val="tx1"/>
                 </a:solidFill>
               </a:rPr>
               <a:t>7</a:t>
             </a:r>
-            <a:endParaRPr lang="en-US" sz="2400" dirty="0">
-              <a:solidFill>
-                <a:schemeClr val="tx1"/>
-              </a:solidFill>
-            </a:endParaRPr>
           </a:p>
         </p:txBody>
       </p:sp>
@@ -21288,18 +20082,13 @@
           <a:p>
             <a:pPr algn="ctr"/>
             <a:r>
-              <a:rPr lang="en-US" sz="2400" dirty="0" smtClean="0">
+              <a:rPr lang="en-US" sz="2400" dirty="0">
                 <a:solidFill>
                   <a:schemeClr val="tx1"/>
                 </a:solidFill>
               </a:rPr>
               <a:t>15</a:t>
             </a:r>
-            <a:endParaRPr lang="en-US" sz="2400" dirty="0">
-              <a:solidFill>
-                <a:schemeClr val="tx1"/>
-              </a:solidFill>
-            </a:endParaRPr>
           </a:p>
         </p:txBody>
       </p:sp>
@@ -21365,12 +20154,78 @@
           <a:lstStyle/>
           <a:p>
             <a:r>
-              <a:rPr lang="en-US" dirty="0" smtClean="0">
+              <a:rPr lang="en-US" dirty="0">
                 <a:solidFill>
                   <a:srgbClr val="00B050"/>
                 </a:solidFill>
               </a:rPr>
               <a:t>1</a:t>
+            </a:r>
+          </a:p>
+        </p:txBody>
+      </p:sp>
+      <p:sp>
+        <p:nvSpPr>
+          <p:cNvPr id="29" name="TextBox 28"/>
+          <p:cNvSpPr txBox="1"/>
+          <p:nvPr/>
+        </p:nvSpPr>
+        <p:spPr>
+          <a:xfrm>
+            <a:off x="5815149" y="2219426"/>
+            <a:ext cx="301686" cy="369332"/>
+          </a:xfrm>
+          <a:prstGeom prst="rect">
+            <a:avLst/>
+          </a:prstGeom>
+          <a:noFill/>
+        </p:spPr>
+        <p:txBody>
+          <a:bodyPr wrap="none" rtlCol="0">
+            <a:spAutoFit/>
+          </a:bodyPr>
+          <a:lstStyle/>
+          <a:p>
+            <a:r>
+              <a:rPr lang="en-US" dirty="0">
+                <a:solidFill>
+                  <a:srgbClr val="FF0000"/>
+                </a:solidFill>
+              </a:rPr>
+              <a:t>2</a:t>
+            </a:r>
+          </a:p>
+        </p:txBody>
+      </p:sp>
+      <p:sp>
+        <p:nvSpPr>
+          <p:cNvPr id="31" name="TextBox 30"/>
+          <p:cNvSpPr txBox="1"/>
+          <p:nvPr/>
+        </p:nvSpPr>
+        <p:spPr>
+          <a:xfrm>
+            <a:off x="7184978" y="4394638"/>
+            <a:ext cx="301686" cy="369332"/>
+          </a:xfrm>
+          <a:prstGeom prst="rect">
+            <a:avLst/>
+          </a:prstGeom>
+          <a:noFill/>
+        </p:spPr>
+        <p:txBody>
+          <a:bodyPr wrap="none" rtlCol="0">
+            <a:spAutoFit/>
+          </a:bodyPr>
+          <a:lstStyle/>
+          <a:p>
+            <a:r>
+              <a:rPr lang="en-US">
+                <a:solidFill>
+                  <a:srgbClr val="00B050"/>
+                </a:solidFill>
+              </a:rPr>
+              <a:t>0</a:t>
             </a:r>
             <a:endParaRPr lang="en-US" dirty="0">
               <a:solidFill>
@@ -21382,13 +20237,13 @@
       </p:sp>
       <p:sp>
         <p:nvSpPr>
-          <p:cNvPr id="29" name="TextBox 28"/>
+          <p:cNvPr id="32" name="TextBox 31"/>
           <p:cNvSpPr txBox="1"/>
           <p:nvPr/>
         </p:nvSpPr>
         <p:spPr>
           <a:xfrm>
-            <a:off x="5815149" y="2219426"/>
+            <a:off x="4018772" y="3253279"/>
             <a:ext cx="301686" cy="369332"/>
           </a:xfrm>
           <a:prstGeom prst="rect">
@@ -21403,30 +20258,25 @@
           <a:lstStyle/>
           <a:p>
             <a:r>
-              <a:rPr lang="en-US" dirty="0" smtClean="0">
-                <a:solidFill>
-                  <a:srgbClr val="FF0000"/>
-                </a:solidFill>
-              </a:rPr>
-              <a:t>2</a:t>
-            </a:r>
-            <a:endParaRPr lang="en-US" dirty="0">
-              <a:solidFill>
-                <a:srgbClr val="FF0000"/>
-              </a:solidFill>
-            </a:endParaRPr>
-          </a:p>
-        </p:txBody>
-      </p:sp>
-      <p:sp>
-        <p:nvSpPr>
-          <p:cNvPr id="31" name="TextBox 30"/>
+              <a:rPr lang="en-US" dirty="0">
+                <a:solidFill>
+                  <a:srgbClr val="00B050"/>
+                </a:solidFill>
+              </a:rPr>
+              <a:t>0</a:t>
+            </a:r>
+          </a:p>
+        </p:txBody>
+      </p:sp>
+      <p:sp>
+        <p:nvSpPr>
+          <p:cNvPr id="33" name="TextBox 32"/>
           <p:cNvSpPr txBox="1"/>
           <p:nvPr/>
         </p:nvSpPr>
         <p:spPr>
           <a:xfrm>
-            <a:off x="7184978" y="4394638"/>
+            <a:off x="7781110" y="3272244"/>
             <a:ext cx="301686" cy="369332"/>
           </a:xfrm>
           <a:prstGeom prst="rect">
@@ -21441,94 +20291,13 @@
           <a:lstStyle/>
           <a:p>
             <a:r>
-              <a:rPr lang="en-US" smtClean="0">
+              <a:rPr lang="en-US" dirty="0">
                 <a:solidFill>
                   <a:srgbClr val="00B050"/>
                 </a:solidFill>
               </a:rPr>
-              <a:t>0</a:t>
-            </a:r>
-            <a:endParaRPr lang="en-US" dirty="0">
-              <a:solidFill>
-                <a:srgbClr val="00B050"/>
-              </a:solidFill>
-            </a:endParaRPr>
-          </a:p>
-        </p:txBody>
-      </p:sp>
-      <p:sp>
-        <p:nvSpPr>
-          <p:cNvPr id="32" name="TextBox 31"/>
-          <p:cNvSpPr txBox="1"/>
-          <p:nvPr/>
-        </p:nvSpPr>
-        <p:spPr>
-          <a:xfrm>
-            <a:off x="4018772" y="3253279"/>
-            <a:ext cx="301686" cy="369332"/>
-          </a:xfrm>
-          <a:prstGeom prst="rect">
-            <a:avLst/>
-          </a:prstGeom>
-          <a:noFill/>
-        </p:spPr>
-        <p:txBody>
-          <a:bodyPr wrap="none" rtlCol="0">
-            <a:spAutoFit/>
-          </a:bodyPr>
-          <a:lstStyle/>
-          <a:p>
-            <a:r>
-              <a:rPr lang="en-US" dirty="0" smtClean="0">
-                <a:solidFill>
-                  <a:srgbClr val="00B050"/>
-                </a:solidFill>
-              </a:rPr>
-              <a:t>0</a:t>
-            </a:r>
-            <a:endParaRPr lang="en-US" dirty="0">
-              <a:solidFill>
-                <a:srgbClr val="00B050"/>
-              </a:solidFill>
-            </a:endParaRPr>
-          </a:p>
-        </p:txBody>
-      </p:sp>
-      <p:sp>
-        <p:nvSpPr>
-          <p:cNvPr id="33" name="TextBox 32"/>
-          <p:cNvSpPr txBox="1"/>
-          <p:nvPr/>
-        </p:nvSpPr>
-        <p:spPr>
-          <a:xfrm>
-            <a:off x="7781110" y="3272244"/>
-            <a:ext cx="301686" cy="369332"/>
-          </a:xfrm>
-          <a:prstGeom prst="rect">
-            <a:avLst/>
-          </a:prstGeom>
-          <a:noFill/>
-        </p:spPr>
-        <p:txBody>
-          <a:bodyPr wrap="none" rtlCol="0">
-            <a:spAutoFit/>
-          </a:bodyPr>
-          <a:lstStyle/>
-          <a:p>
-            <a:r>
-              <a:rPr lang="en-US" dirty="0" smtClean="0">
-                <a:solidFill>
-                  <a:srgbClr val="00B050"/>
-                </a:solidFill>
-              </a:rPr>
               <a:t>1</a:t>
             </a:r>
-            <a:endParaRPr lang="en-US" dirty="0">
-              <a:solidFill>
-                <a:srgbClr val="00B050"/>
-              </a:solidFill>
-            </a:endParaRPr>
           </a:p>
         </p:txBody>
       </p:sp>
@@ -21575,18 +20344,13 @@
           <a:p>
             <a:pPr algn="ctr"/>
             <a:r>
-              <a:rPr lang="en-US" sz="2400" dirty="0" smtClean="0">
+              <a:rPr lang="en-US" sz="2400" dirty="0">
                 <a:solidFill>
                   <a:srgbClr val="0070C0"/>
                 </a:solidFill>
               </a:rPr>
               <a:t>20</a:t>
             </a:r>
-            <a:endParaRPr lang="en-US" sz="2400" dirty="0">
-              <a:solidFill>
-                <a:srgbClr val="0070C0"/>
-              </a:solidFill>
-            </a:endParaRPr>
           </a:p>
         </p:txBody>
       </p:sp>
@@ -21652,18 +20416,13 @@
           <a:lstStyle/>
           <a:p>
             <a:r>
-              <a:rPr lang="en-US" dirty="0" smtClean="0">
+              <a:rPr lang="en-US" dirty="0">
                 <a:solidFill>
                   <a:srgbClr val="00B050"/>
                 </a:solidFill>
               </a:rPr>
               <a:t>0</a:t>
             </a:r>
-            <a:endParaRPr lang="en-US" dirty="0">
-              <a:solidFill>
-                <a:srgbClr val="00B050"/>
-              </a:solidFill>
-            </a:endParaRPr>
           </a:p>
         </p:txBody>
       </p:sp>

--- a/figures/Chapter 3 - Tree Structures/3.6 AVL Trees.pptx
+++ b/figures/Chapter 3 - Tree Structures/3.6 AVL Trees.pptx
@@ -269,7 +269,7 @@
           <a:p>
             <a:fld id="{FA589A3D-E41F-452A-ADB5-895B11C00BC4}" type="datetimeFigureOut">
               <a:rPr lang="en-US" smtClean="0"/>
-              <a:t>5/7/18</a:t>
+              <a:t>5/8/18</a:t>
             </a:fld>
             <a:endParaRPr lang="en-US"/>
           </a:p>
@@ -437,7 +437,7 @@
           <a:p>
             <a:fld id="{FA589A3D-E41F-452A-ADB5-895B11C00BC4}" type="datetimeFigureOut">
               <a:rPr lang="en-US" smtClean="0"/>
-              <a:t>5/7/18</a:t>
+              <a:t>5/8/18</a:t>
             </a:fld>
             <a:endParaRPr lang="en-US"/>
           </a:p>
@@ -615,7 +615,7 @@
           <a:p>
             <a:fld id="{FA589A3D-E41F-452A-ADB5-895B11C00BC4}" type="datetimeFigureOut">
               <a:rPr lang="en-US" smtClean="0"/>
-              <a:t>5/7/18</a:t>
+              <a:t>5/8/18</a:t>
             </a:fld>
             <a:endParaRPr lang="en-US"/>
           </a:p>
@@ -783,7 +783,7 @@
           <a:p>
             <a:fld id="{FA589A3D-E41F-452A-ADB5-895B11C00BC4}" type="datetimeFigureOut">
               <a:rPr lang="en-US" smtClean="0"/>
-              <a:t>5/7/18</a:t>
+              <a:t>5/8/18</a:t>
             </a:fld>
             <a:endParaRPr lang="en-US"/>
           </a:p>
@@ -1028,7 +1028,7 @@
           <a:p>
             <a:fld id="{FA589A3D-E41F-452A-ADB5-895B11C00BC4}" type="datetimeFigureOut">
               <a:rPr lang="en-US" smtClean="0"/>
-              <a:t>5/7/18</a:t>
+              <a:t>5/8/18</a:t>
             </a:fld>
             <a:endParaRPr lang="en-US"/>
           </a:p>
@@ -1257,7 +1257,7 @@
           <a:p>
             <a:fld id="{FA589A3D-E41F-452A-ADB5-895B11C00BC4}" type="datetimeFigureOut">
               <a:rPr lang="en-US" smtClean="0"/>
-              <a:t>5/7/18</a:t>
+              <a:t>5/8/18</a:t>
             </a:fld>
             <a:endParaRPr lang="en-US"/>
           </a:p>
@@ -1621,7 +1621,7 @@
           <a:p>
             <a:fld id="{FA589A3D-E41F-452A-ADB5-895B11C00BC4}" type="datetimeFigureOut">
               <a:rPr lang="en-US" smtClean="0"/>
-              <a:t>5/7/18</a:t>
+              <a:t>5/8/18</a:t>
             </a:fld>
             <a:endParaRPr lang="en-US"/>
           </a:p>
@@ -1738,7 +1738,7 @@
           <a:p>
             <a:fld id="{FA589A3D-E41F-452A-ADB5-895B11C00BC4}" type="datetimeFigureOut">
               <a:rPr lang="en-US" smtClean="0"/>
-              <a:t>5/7/18</a:t>
+              <a:t>5/8/18</a:t>
             </a:fld>
             <a:endParaRPr lang="en-US"/>
           </a:p>
@@ -1833,7 +1833,7 @@
           <a:p>
             <a:fld id="{FA589A3D-E41F-452A-ADB5-895B11C00BC4}" type="datetimeFigureOut">
               <a:rPr lang="en-US" smtClean="0"/>
-              <a:t>5/7/18</a:t>
+              <a:t>5/8/18</a:t>
             </a:fld>
             <a:endParaRPr lang="en-US"/>
           </a:p>
@@ -2108,7 +2108,7 @@
           <a:p>
             <a:fld id="{FA589A3D-E41F-452A-ADB5-895B11C00BC4}" type="datetimeFigureOut">
               <a:rPr lang="en-US" smtClean="0"/>
-              <a:t>5/7/18</a:t>
+              <a:t>5/8/18</a:t>
             </a:fld>
             <a:endParaRPr lang="en-US"/>
           </a:p>
@@ -2360,7 +2360,7 @@
           <a:p>
             <a:fld id="{FA589A3D-E41F-452A-ADB5-895B11C00BC4}" type="datetimeFigureOut">
               <a:rPr lang="en-US" smtClean="0"/>
-              <a:t>5/7/18</a:t>
+              <a:t>5/8/18</a:t>
             </a:fld>
             <a:endParaRPr lang="en-US"/>
           </a:p>
@@ -2571,7 +2571,7 @@
           <a:p>
             <a:fld id="{FA589A3D-E41F-452A-ADB5-895B11C00BC4}" type="datetimeFigureOut">
               <a:rPr lang="en-US" smtClean="0"/>
-              <a:t>5/7/18</a:t>
+              <a:t>5/8/18</a:t>
             </a:fld>
             <a:endParaRPr lang="en-US"/>
           </a:p>
